--- a/doc/ppt_new/final-ppt.pptx
+++ b/doc/ppt_new/final-ppt.pptx
@@ -5,10 +5,10 @@
     <p:sldMasterId id="2147483648" r:id="rId1"/>
   </p:sldMasterIdLst>
   <p:notesMasterIdLst>
-    <p:notesMasterId r:id="rId28"/>
+    <p:notesMasterId r:id="rId39"/>
   </p:notesMasterIdLst>
   <p:handoutMasterIdLst>
-    <p:handoutMasterId r:id="rId29"/>
+    <p:handoutMasterId r:id="rId40"/>
   </p:handoutMasterIdLst>
   <p:sldIdLst>
     <p:sldId id="256" r:id="rId2"/>
@@ -37,6 +37,17 @@
     <p:sldId id="300" r:id="rId25"/>
     <p:sldId id="301" r:id="rId26"/>
     <p:sldId id="302" r:id="rId27"/>
+    <p:sldId id="303" r:id="rId28"/>
+    <p:sldId id="304" r:id="rId29"/>
+    <p:sldId id="305" r:id="rId30"/>
+    <p:sldId id="306" r:id="rId31"/>
+    <p:sldId id="307" r:id="rId32"/>
+    <p:sldId id="308" r:id="rId33"/>
+    <p:sldId id="309" r:id="rId34"/>
+    <p:sldId id="310" r:id="rId35"/>
+    <p:sldId id="314" r:id="rId36"/>
+    <p:sldId id="312" r:id="rId37"/>
+    <p:sldId id="313" r:id="rId38"/>
   </p:sldIdLst>
   <p:sldSz cx="9144000" cy="6858000" type="screen4x3"/>
   <p:notesSz cx="6858000" cy="9144000"/>
@@ -221,7 +232,7 @@
             <a:fld id="{B06240D8-4D89-42AD-9EFE-E1B33BACB6F9}" type="datetimeFigureOut">
               <a:rPr lang="en-US" smtClean="0"/>
               <a:pPr/>
-              <a:t>6/24/2013</a:t>
+              <a:t>6/25/2013</a:t>
             </a:fld>
             <a:endParaRPr lang="en-US"/>
           </a:p>
@@ -383,7 +394,7 @@
             <a:fld id="{250B88B3-F718-4F86-845A-F150122CE28A}" type="datetimeFigureOut">
               <a:rPr lang="en-US" smtClean="0"/>
               <a:pPr/>
-              <a:t>6/24/2013</a:t>
+              <a:t>6/25/2013</a:t>
             </a:fld>
             <a:endParaRPr lang="en-US"/>
           </a:p>
@@ -4495,7 +4506,7 @@
       <p:sp>
         <p:nvSpPr>
           <p:cNvPr id="5" name="Rectangle 4">
-            <a:hlinkClick r:id="rId3" action="ppaction://hlinksldjump"/>
+            <a:hlinkClick r:id="rId3" action="ppaction://hlinkfile"/>
           </p:cNvPr>
           <p:cNvSpPr/>
           <p:nvPr/>
@@ -4677,7 +4688,6 @@
               <a:rPr lang="id-ID" sz="1400" dirty="0" smtClean="0"/>
               <a:t>:</a:t>
             </a:r>
-            <a:endParaRPr lang="id-ID" sz="1400" dirty="0" smtClean="0"/>
           </a:p>
         </p:txBody>
       </p:sp>
@@ -4840,33 +4850,21 @@
           <a:p>
             <a:r>
               <a:rPr lang="id-ID" sz="1600" dirty="0" smtClean="0"/>
-              <a:t>Waktu pengerjaan 34 hari (waktu normal) setelah ada approval dari </a:t>
-            </a:r>
+              <a:t>Waktu pengerjaan 34 hari (waktu normal) setelah ada approval dari user.</a:t>
+            </a:r>
+            <a:endParaRPr lang="en-GB" sz="1600" dirty="0" smtClean="0"/>
+          </a:p>
+          <a:p>
             <a:r>
               <a:rPr lang="id-ID" sz="1600" dirty="0" smtClean="0"/>
-              <a:t>user.</a:t>
+              <a:t>Perhitungan gaji karyawan per jam.</a:t>
             </a:r>
             <a:endParaRPr lang="en-GB" sz="1600" dirty="0" smtClean="0"/>
           </a:p>
           <a:p>
             <a:r>
               <a:rPr lang="id-ID" sz="1600" dirty="0" smtClean="0"/>
-              <a:t>Perhitungan gaji karyawan per </a:t>
-            </a:r>
-            <a:r>
-              <a:rPr lang="id-ID" sz="1600" dirty="0" smtClean="0"/>
-              <a:t>jam.</a:t>
-            </a:r>
-            <a:endParaRPr lang="en-GB" sz="1600" dirty="0" smtClean="0"/>
-          </a:p>
-          <a:p>
-            <a:r>
-              <a:rPr lang="id-ID" sz="1600" dirty="0" smtClean="0"/>
-              <a:t>SDM yang dibutuhkan yaitu 4 orang yang merangkap jabatan dengan posisi yang  </a:t>
-            </a:r>
-            <a:r>
-              <a:rPr lang="id-ID" sz="1600" dirty="0" smtClean="0"/>
-              <a:t>berbeda:</a:t>
+              <a:t>SDM yang dibutuhkan yaitu 4 orang yang merangkap jabatan dengan posisi yang  berbeda:</a:t>
             </a:r>
           </a:p>
           <a:p>
@@ -4911,11 +4909,7 @@
           <a:p>
             <a:r>
               <a:rPr lang="id-ID" sz="1600" dirty="0" smtClean="0"/>
-              <a:t>Biaya yang dibutuhkan untuk penggajian sebagai </a:t>
-            </a:r>
-            <a:r>
-              <a:rPr lang="id-ID" sz="1600" dirty="0" smtClean="0"/>
-              <a:t>berikut:</a:t>
+              <a:t>Biaya yang dibutuhkan untuk penggajian sebagai berikut:</a:t>
             </a:r>
             <a:endParaRPr lang="en-GB" sz="1600" dirty="0"/>
           </a:p>
@@ -12173,11 +12167,7 @@
             </a:r>
             <a:r>
               <a:rPr lang="en-US" sz="1600" dirty="0" smtClean="0"/>
-              <a:t> </a:t>
-            </a:r>
-            <a:r>
-              <a:rPr lang="en-US" sz="1600" dirty="0" smtClean="0"/>
-              <a:t>prototype</a:t>
+              <a:t> prototype</a:t>
             </a:r>
           </a:p>
           <a:p>
@@ -12188,11 +12178,7 @@
             </a:r>
             <a:r>
               <a:rPr lang="en-GB" sz="1600" dirty="0" smtClean="0"/>
-              <a:t> </a:t>
-            </a:r>
-            <a:r>
-              <a:rPr lang="en-GB" sz="1600" dirty="0" smtClean="0"/>
-              <a:t>user manual </a:t>
+              <a:t> user manual </a:t>
             </a:r>
             <a:r>
               <a:rPr lang="en-GB" sz="1600" dirty="0" err="1" smtClean="0"/>
@@ -14192,11 +14178,7 @@
             </a:r>
             <a:r>
               <a:rPr lang="en-US" sz="1600" dirty="0" smtClean="0"/>
-              <a:t> </a:t>
-            </a:r>
-            <a:r>
-              <a:rPr lang="en-US" sz="1600" dirty="0" smtClean="0"/>
-              <a:t>prototype</a:t>
+              <a:t> prototype</a:t>
             </a:r>
           </a:p>
           <a:p>
@@ -16244,11 +16226,7 @@
             </a:r>
             <a:r>
               <a:rPr lang="en-US" sz="1600" dirty="0" smtClean="0"/>
-              <a:t> </a:t>
-            </a:r>
-            <a:r>
-              <a:rPr lang="en-US" sz="1600" dirty="0" smtClean="0"/>
-              <a:t>prototype</a:t>
+              <a:t> prototype</a:t>
             </a:r>
           </a:p>
           <a:p>
@@ -17973,17 +17951,7 @@
                   </a:schemeClr>
                 </a:solidFill>
               </a:rPr>
-              <a:t>Gold </a:t>
-            </a:r>
-            <a:r>
-              <a:rPr lang="en-US" sz="2800" b="1" dirty="0" smtClean="0">
-                <a:solidFill>
-                  <a:schemeClr val="bg1">
-                    <a:lumMod val="50000"/>
-                  </a:schemeClr>
-                </a:solidFill>
-              </a:rPr>
-              <a:t>plating</a:t>
+              <a:t>Gold plating</a:t>
             </a:r>
             <a:endParaRPr lang="en-US" sz="2800" b="1" dirty="0" smtClean="0">
               <a:solidFill>
@@ -18297,11 +18265,7 @@
             </a:r>
             <a:r>
               <a:rPr lang="en-US" sz="1600" dirty="0" smtClean="0"/>
-              <a:t> </a:t>
-            </a:r>
-            <a:r>
-              <a:rPr lang="en-US" sz="1600" dirty="0" smtClean="0"/>
-              <a:t>prototype</a:t>
+              <a:t> prototype</a:t>
             </a:r>
           </a:p>
           <a:p>
@@ -19844,17 +19808,7 @@
                   </a:schemeClr>
                 </a:solidFill>
               </a:rPr>
-              <a:t>Gold </a:t>
-            </a:r>
-            <a:r>
-              <a:rPr lang="en-US" sz="2800" b="1" dirty="0" smtClean="0">
-                <a:solidFill>
-                  <a:schemeClr val="bg1">
-                    <a:lumMod val="50000"/>
-                  </a:schemeClr>
-                </a:solidFill>
-              </a:rPr>
-              <a:t>plating</a:t>
+              <a:t>Gold plating</a:t>
             </a:r>
             <a:endParaRPr lang="en-US" sz="2800" b="1" dirty="0" smtClean="0">
               <a:solidFill>
@@ -20602,15 +20556,7 @@
                   <a:schemeClr val="tx1"/>
                 </a:solidFill>
               </a:rPr>
-              <a:t> </a:t>
-            </a:r>
-            <a:r>
-              <a:rPr lang="en-GB" b="1" dirty="0" smtClean="0">
-                <a:solidFill>
-                  <a:schemeClr val="tx1"/>
-                </a:solidFill>
-              </a:rPr>
-              <a:t>Yusuf</a:t>
+              <a:t> Yusuf</a:t>
             </a:r>
           </a:p>
           <a:p>
@@ -21229,11 +21175,7 @@
             </a:r>
             <a:r>
               <a:rPr lang="en-US" sz="1600" dirty="0" smtClean="0"/>
-              <a:t> </a:t>
-            </a:r>
-            <a:r>
-              <a:rPr lang="en-US" sz="1600" dirty="0" smtClean="0"/>
-              <a:t>benchmarking</a:t>
+              <a:t> benchmarking</a:t>
             </a:r>
           </a:p>
           <a:p>
@@ -21252,11 +21194,7 @@
             </a:r>
             <a:r>
               <a:rPr lang="en-US" sz="1600" dirty="0" smtClean="0"/>
-              <a:t> </a:t>
-            </a:r>
-            <a:r>
-              <a:rPr lang="en-US" sz="1600" dirty="0" smtClean="0"/>
-              <a:t>formal</a:t>
+              <a:t> formal</a:t>
             </a:r>
           </a:p>
           <a:p>
@@ -21279,11 +21217,7 @@
             <a:pPr fontAlgn="b"/>
             <a:r>
               <a:rPr lang="fi-FI" sz="1600" dirty="0" smtClean="0"/>
-              <a:t>Prosedur </a:t>
-            </a:r>
-            <a:r>
-              <a:rPr lang="fi-FI" sz="1600" dirty="0" smtClean="0"/>
-              <a:t>dan sertifikasi jaminan kualitas</a:t>
+              <a:t>Prosedur dan sertifikasi jaminan kualitas</a:t>
             </a:r>
             <a:endParaRPr lang="fi-FI" sz="1600" dirty="0"/>
           </a:p>
@@ -22613,17 +22547,7 @@
                   </a:schemeClr>
                 </a:solidFill>
               </a:rPr>
-              <a:t>Gold </a:t>
-            </a:r>
-            <a:r>
-              <a:rPr lang="en-US" sz="2800" b="1" dirty="0" smtClean="0">
-                <a:solidFill>
-                  <a:schemeClr val="bg1">
-                    <a:lumMod val="50000"/>
-                  </a:schemeClr>
-                </a:solidFill>
-              </a:rPr>
-              <a:t>plating</a:t>
+              <a:t>Gold plating</a:t>
             </a:r>
             <a:endParaRPr lang="en-US" sz="2800" b="1" dirty="0" smtClean="0">
               <a:solidFill>
@@ -23321,11 +23245,7 @@
             </a:r>
             <a:r>
               <a:rPr lang="en-US" sz="1600" dirty="0" smtClean="0"/>
-              <a:t> </a:t>
-            </a:r>
-            <a:r>
-              <a:rPr lang="en-US" sz="1600" dirty="0" smtClean="0"/>
-              <a:t>/ prototype yang </a:t>
+              <a:t> / prototype yang </a:t>
             </a:r>
             <a:r>
               <a:rPr lang="en-US" sz="1600" dirty="0" err="1" smtClean="0"/>
@@ -24513,17 +24433,7 @@
                   </a:schemeClr>
                 </a:solidFill>
               </a:rPr>
-              <a:t>Gold </a:t>
-            </a:r>
-            <a:r>
-              <a:rPr lang="en-US" sz="2800" b="1" dirty="0" smtClean="0">
-                <a:solidFill>
-                  <a:schemeClr val="bg1">
-                    <a:lumMod val="50000"/>
-                  </a:schemeClr>
-                </a:solidFill>
-              </a:rPr>
-              <a:t>plating</a:t>
+              <a:t>Gold plating</a:t>
             </a:r>
             <a:endParaRPr lang="en-US" sz="2800" b="1" dirty="0" smtClean="0">
               <a:solidFill>
@@ -25234,7 +25144,6 @@
               <a:rPr lang="en-US" sz="1600" dirty="0" smtClean="0"/>
               <a:t>Benchmarking</a:t>
             </a:r>
-            <a:endParaRPr lang="en-US" sz="1600" dirty="0" smtClean="0"/>
           </a:p>
           <a:p>
             <a:pPr fontAlgn="b"/>
@@ -25250,7 +25159,6 @@
               <a:rPr lang="en-US" sz="1600" dirty="0" smtClean="0"/>
               <a:t>Tuning</a:t>
             </a:r>
-            <a:endParaRPr lang="en-US" sz="1600" dirty="0" smtClean="0"/>
           </a:p>
           <a:p>
             <a:pPr fontAlgn="b"/>
@@ -26242,17 +26150,7 @@
                   </a:schemeClr>
                 </a:solidFill>
               </a:rPr>
-              <a:t>Gold </a:t>
-            </a:r>
-            <a:r>
-              <a:rPr lang="en-US" sz="2800" b="1" dirty="0" smtClean="0">
-                <a:solidFill>
-                  <a:schemeClr val="bg1">
-                    <a:lumMod val="50000"/>
-                  </a:schemeClr>
-                </a:solidFill>
-              </a:rPr>
-              <a:t>plating</a:t>
+              <a:t>Gold plating</a:t>
             </a:r>
             <a:endParaRPr lang="en-US" sz="2800" b="1" dirty="0" smtClean="0">
               <a:solidFill>
@@ -26850,17 +26748,7 @@
                   </a:schemeClr>
                 </a:solidFill>
               </a:rPr>
-              <a:t> </a:t>
-            </a:r>
-            <a:r>
-              <a:rPr lang="en-US" sz="2800" b="1" dirty="0" smtClean="0">
-                <a:solidFill>
-                  <a:schemeClr val="bg1">
-                    <a:lumMod val="50000"/>
-                  </a:schemeClr>
-                </a:solidFill>
-              </a:rPr>
-              <a:t>real-time</a:t>
+              <a:t> real-time</a:t>
             </a:r>
             <a:endParaRPr lang="en-US" sz="2800" b="1" dirty="0" smtClean="0">
               <a:solidFill>
@@ -27982,17 +27870,7 @@
                   </a:schemeClr>
                 </a:solidFill>
               </a:rPr>
-              <a:t>Gold </a:t>
-            </a:r>
-            <a:r>
-              <a:rPr lang="en-US" sz="2800" b="1" dirty="0" smtClean="0">
-                <a:solidFill>
-                  <a:schemeClr val="bg1">
-                    <a:lumMod val="50000"/>
-                  </a:schemeClr>
-                </a:solidFill>
-              </a:rPr>
-              <a:t>plating</a:t>
+              <a:t>Gold plating</a:t>
             </a:r>
             <a:endParaRPr lang="en-US" sz="2800" b="1" dirty="0" smtClean="0">
               <a:solidFill>
@@ -28850,11 +28728,7 @@
             <a:pPr algn="r"/>
             <a:r>
               <a:rPr lang="id-ID" sz="2000" dirty="0" smtClean="0"/>
-              <a:t>Tujuan Aplikasi ini </a:t>
-            </a:r>
-            <a:r>
-              <a:rPr lang="id-ID" sz="2000" dirty="0" smtClean="0"/>
-              <a:t>dibuat</a:t>
+              <a:t>Tujuan Aplikasi ini dibuat</a:t>
             </a:r>
             <a:endParaRPr lang="en-GB" sz="2000" dirty="0"/>
           </a:p>
@@ -29051,38 +28925,21 @@
             <a:pPr algn="just"/>
             <a:r>
               <a:rPr lang="id-ID" sz="2000" dirty="0" smtClean="0"/>
-              <a:t>Memperbaharui </a:t>
-            </a:r>
+              <a:t>Memperbaharui sistem tentang cara penyerahan data yang terkait ke induk perusahaan</a:t>
+            </a:r>
+          </a:p>
+          <a:p>
+            <a:pPr algn="just"/>
             <a:r>
               <a:rPr lang="id-ID" sz="2000" dirty="0" smtClean="0"/>
-              <a:t>sistem tentang cara penyerahan data yang terkait ke </a:t>
-            </a:r>
+              <a:t>Membuat atau mengolah Laporan/data dengan mudah dan cepat</a:t>
+            </a:r>
+          </a:p>
+          <a:p>
+            <a:pPr algn="just"/>
             <a:r>
               <a:rPr lang="id-ID" sz="2000" dirty="0" smtClean="0"/>
-              <a:t>induk perusahaan</a:t>
-            </a:r>
-            <a:endParaRPr lang="id-ID" sz="2000" dirty="0" smtClean="0"/>
-          </a:p>
-          <a:p>
-            <a:pPr algn="just"/>
-            <a:r>
-              <a:rPr lang="id-ID" sz="2000" dirty="0" smtClean="0"/>
-              <a:t>Membuat </a:t>
-            </a:r>
-            <a:r>
-              <a:rPr lang="id-ID" sz="2000" dirty="0" smtClean="0"/>
-              <a:t>atau mengolah Laporan/data dengan mudah dan cepat</a:t>
-            </a:r>
-          </a:p>
-          <a:p>
-            <a:pPr algn="just"/>
-            <a:r>
-              <a:rPr lang="id-ID" sz="2000" dirty="0" smtClean="0"/>
-              <a:t>Melihat Laporan Berupa </a:t>
-            </a:r>
-            <a:r>
-              <a:rPr lang="id-ID" sz="2000" dirty="0" smtClean="0"/>
-              <a:t>Statistik</a:t>
+              <a:t>Melihat Laporan Berupa Statistik</a:t>
             </a:r>
             <a:endParaRPr lang="id-ID" sz="2000" dirty="0"/>
           </a:p>
@@ -29247,31 +29104,19 @@
           <a:p>
             <a:r>
               <a:rPr lang="id-ID" sz="2000" dirty="0" smtClean="0"/>
-              <a:t>Belum </a:t>
-            </a:r>
+              <a:t>Belum terintegrasi ke data induk</a:t>
+            </a:r>
+          </a:p>
+          <a:p>
             <a:r>
               <a:rPr lang="id-ID" sz="2000" dirty="0" smtClean="0"/>
-              <a:t>terintegrasi ke data induk</a:t>
+              <a:t>Waktu yg relatif cepat</a:t>
             </a:r>
           </a:p>
           <a:p>
             <a:r>
               <a:rPr lang="id-ID" sz="2000" dirty="0" smtClean="0"/>
-              <a:t>Waktu </a:t>
-            </a:r>
-            <a:r>
-              <a:rPr lang="id-ID" sz="2000" dirty="0" smtClean="0"/>
-              <a:t>yg relatif cepat</a:t>
-            </a:r>
-          </a:p>
-          <a:p>
-            <a:r>
-              <a:rPr lang="id-ID" sz="2000" dirty="0" smtClean="0"/>
-              <a:t>Bisnis </a:t>
-            </a:r>
-            <a:r>
-              <a:rPr lang="id-ID" sz="2000" dirty="0" smtClean="0"/>
-              <a:t>proses yang kompleks</a:t>
+              <a:t>Bisnis proses yang kompleks</a:t>
             </a:r>
             <a:endParaRPr lang="id-ID" sz="2000" dirty="0"/>
           </a:p>
@@ -29459,13 +29304,8 @@
           <a:p>
             <a:r>
               <a:rPr lang="id-ID" dirty="0" smtClean="0"/>
-              <a:t>Aplikasi yang kami rancang berbasis Web Base dengan metode Client Server</a:t>
-            </a:r>
-            <a:r>
-              <a:rPr lang="id-ID" dirty="0" smtClean="0"/>
-              <a:t>.</a:t>
-            </a:r>
-            <a:endParaRPr lang="id-ID" dirty="0" smtClean="0"/>
+              <a:t>Aplikasi yang kami rancang berbasis Web Base dengan metode Client Server.</a:t>
+            </a:r>
           </a:p>
         </p:txBody>
       </p:sp>
@@ -29569,126 +29409,141 @@
           </a:p>
         </p:txBody>
       </p:sp>
-      <p:pic>
-        <p:nvPicPr>
-          <p:cNvPr id="12290" name="Picture 2" descr="C:\DOCUME~1\Feldy\LOCALS~1\Temp\Rar$DR00.485\rpl feldy\clientSErver.jpg"/>
-          <p:cNvPicPr>
-            <a:picLocks noChangeAspect="1" noChangeArrowheads="1"/>
-          </p:cNvPicPr>
+      <p:grpSp>
+        <p:nvGrpSpPr>
+          <p:cNvPr id="14" name="Group 13"/>
+          <p:cNvGrpSpPr/>
           <p:nvPr/>
-        </p:nvPicPr>
-        <p:blipFill>
-          <a:blip r:embed="rId4" cstate="print"/>
-          <a:srcRect/>
-          <a:stretch>
-            <a:fillRect/>
-          </a:stretch>
-        </p:blipFill>
-        <p:spPr bwMode="auto">
+        </p:nvGrpSpPr>
+        <p:grpSpPr>
           <a:xfrm>
             <a:off x="5652120" y="1772815"/>
             <a:ext cx="2952328" cy="2160241"/>
+            <a:chOff x="5652120" y="1772815"/>
+            <a:chExt cx="2952328" cy="2160241"/>
           </a:xfrm>
-          <a:prstGeom prst="rect">
-            <a:avLst/>
-          </a:prstGeom>
-          <a:solidFill>
-            <a:schemeClr val="tx2"/>
-          </a:solidFill>
-        </p:spPr>
-      </p:pic>
-      <p:sp>
-        <p:nvSpPr>
-          <p:cNvPr id="16" name="Rectangle 15"/>
-          <p:cNvSpPr/>
-          <p:nvPr/>
-        </p:nvSpPr>
-        <p:spPr>
-          <a:xfrm>
-            <a:off x="6837589" y="2060848"/>
-            <a:ext cx="216024" cy="216024"/>
-          </a:xfrm>
-          <a:prstGeom prst="rect">
-            <a:avLst/>
-          </a:prstGeom>
-          <a:solidFill>
-            <a:schemeClr val="tx2"/>
-          </a:solidFill>
-          <a:ln>
-            <a:noFill/>
-          </a:ln>
-        </p:spPr>
-        <p:style>
-          <a:lnRef idx="2">
-            <a:schemeClr val="accent1">
-              <a:shade val="50000"/>
-            </a:schemeClr>
-          </a:lnRef>
-          <a:fillRef idx="1">
-            <a:schemeClr val="accent1"/>
-          </a:fillRef>
-          <a:effectRef idx="0">
-            <a:schemeClr val="accent1"/>
-          </a:effectRef>
-          <a:fontRef idx="minor">
-            <a:schemeClr val="lt1"/>
-          </a:fontRef>
-        </p:style>
-        <p:txBody>
-          <a:bodyPr rtlCol="0" anchor="ctr"/>
-          <a:lstStyle/>
-          <a:p>
-            <a:pPr algn="ctr"/>
-            <a:endParaRPr lang="en-US"/>
-          </a:p>
-        </p:txBody>
-      </p:sp>
-      <p:sp>
-        <p:nvSpPr>
-          <p:cNvPr id="17" name="Rectangle 16"/>
-          <p:cNvSpPr/>
-          <p:nvPr/>
-        </p:nvSpPr>
-        <p:spPr>
-          <a:xfrm>
-            <a:off x="7776067" y="1938261"/>
-            <a:ext cx="216024" cy="91440"/>
-          </a:xfrm>
-          <a:prstGeom prst="rect">
-            <a:avLst/>
-          </a:prstGeom>
-          <a:solidFill>
-            <a:schemeClr val="tx2"/>
-          </a:solidFill>
-          <a:ln>
-            <a:noFill/>
-          </a:ln>
-        </p:spPr>
-        <p:style>
-          <a:lnRef idx="2">
-            <a:schemeClr val="accent1">
-              <a:shade val="50000"/>
-            </a:schemeClr>
-          </a:lnRef>
-          <a:fillRef idx="1">
-            <a:schemeClr val="accent1"/>
-          </a:fillRef>
-          <a:effectRef idx="0">
-            <a:schemeClr val="accent1"/>
-          </a:effectRef>
-          <a:fontRef idx="minor">
-            <a:schemeClr val="lt1"/>
-          </a:fontRef>
-        </p:style>
-        <p:txBody>
-          <a:bodyPr rtlCol="0" anchor="ctr"/>
-          <a:lstStyle/>
-          <a:p>
-            <a:pPr algn="ctr"/>
-            <a:endParaRPr lang="en-US"/>
-          </a:p>
-        </p:txBody>
-      </p:sp>
+        </p:grpSpPr>
+        <p:pic>
+          <p:nvPicPr>
+            <p:cNvPr id="12290" name="Picture 2" descr="C:\DOCUME~1\Feldy\LOCALS~1\Temp\Rar$DR00.485\rpl feldy\clientSErver.jpg"/>
+            <p:cNvPicPr>
+              <a:picLocks noChangeAspect="1" noChangeArrowheads="1"/>
+            </p:cNvPicPr>
+            <p:nvPr/>
+          </p:nvPicPr>
+          <p:blipFill>
+            <a:blip r:embed="rId4" cstate="print"/>
+            <a:srcRect/>
+            <a:stretch>
+              <a:fillRect/>
+            </a:stretch>
+          </p:blipFill>
+          <p:spPr bwMode="auto">
+            <a:xfrm>
+              <a:off x="5652120" y="1772815"/>
+              <a:ext cx="2952328" cy="2160241"/>
+            </a:xfrm>
+            <a:prstGeom prst="rect">
+              <a:avLst/>
+            </a:prstGeom>
+            <a:solidFill>
+              <a:schemeClr val="tx2"/>
+            </a:solidFill>
+          </p:spPr>
+        </p:pic>
+        <p:sp>
+          <p:nvSpPr>
+            <p:cNvPr id="16" name="Rectangle 15"/>
+            <p:cNvSpPr/>
+            <p:nvPr/>
+          </p:nvSpPr>
+          <p:spPr>
+            <a:xfrm>
+              <a:off x="6837589" y="2151345"/>
+              <a:ext cx="216024" cy="216024"/>
+            </a:xfrm>
+            <a:prstGeom prst="rect">
+              <a:avLst/>
+            </a:prstGeom>
+            <a:solidFill>
+              <a:schemeClr val="tx2"/>
+            </a:solidFill>
+            <a:ln>
+              <a:noFill/>
+            </a:ln>
+          </p:spPr>
+          <p:style>
+            <a:lnRef idx="2">
+              <a:schemeClr val="accent1">
+                <a:shade val="50000"/>
+              </a:schemeClr>
+            </a:lnRef>
+            <a:fillRef idx="1">
+              <a:schemeClr val="accent1"/>
+            </a:fillRef>
+            <a:effectRef idx="0">
+              <a:schemeClr val="accent1"/>
+            </a:effectRef>
+            <a:fontRef idx="minor">
+              <a:schemeClr val="lt1"/>
+            </a:fontRef>
+          </p:style>
+          <p:txBody>
+            <a:bodyPr rtlCol="0" anchor="ctr"/>
+            <a:lstStyle/>
+            <a:p>
+              <a:pPr algn="ctr"/>
+              <a:endParaRPr lang="en-US"/>
+            </a:p>
+          </p:txBody>
+        </p:sp>
+        <p:sp>
+          <p:nvSpPr>
+            <p:cNvPr id="17" name="Rectangle 16"/>
+            <p:cNvSpPr/>
+            <p:nvPr/>
+          </p:nvSpPr>
+          <p:spPr>
+            <a:xfrm>
+              <a:off x="7776067" y="2017981"/>
+              <a:ext cx="216024" cy="91440"/>
+            </a:xfrm>
+            <a:prstGeom prst="rect">
+              <a:avLst/>
+            </a:prstGeom>
+            <a:solidFill>
+              <a:schemeClr val="tx2"/>
+            </a:solidFill>
+            <a:ln>
+              <a:noFill/>
+            </a:ln>
+          </p:spPr>
+          <p:style>
+            <a:lnRef idx="2">
+              <a:schemeClr val="accent1">
+                <a:shade val="50000"/>
+              </a:schemeClr>
+            </a:lnRef>
+            <a:fillRef idx="1">
+              <a:schemeClr val="accent1"/>
+            </a:fillRef>
+            <a:effectRef idx="0">
+              <a:schemeClr val="accent1"/>
+            </a:effectRef>
+            <a:fontRef idx="minor">
+              <a:schemeClr val="lt1"/>
+            </a:fontRef>
+          </p:style>
+          <p:txBody>
+            <a:bodyPr rtlCol="0" anchor="ctr"/>
+            <a:lstStyle/>
+            <a:p>
+              <a:pPr algn="ctr"/>
+              <a:endParaRPr lang="en-US"/>
+            </a:p>
+          </p:txBody>
+        </p:sp>
+      </p:grpSp>
       <p:sp>
         <p:nvSpPr>
           <p:cNvPr id="19" name="Content Placeholder 13"/>
@@ -29857,51 +29712,31 @@
           <a:p>
             <a:r>
               <a:rPr lang="id-ID" sz="1600" b="1" dirty="0" smtClean="0"/>
-              <a:t>Multi </a:t>
-            </a:r>
+              <a:t>Multi platform &amp; OS</a:t>
+            </a:r>
+          </a:p>
+          <a:p>
             <a:r>
               <a:rPr lang="id-ID" sz="1600" b="1" dirty="0" smtClean="0"/>
-              <a:t>platform &amp; OS</a:t>
+              <a:t>Bisa Berjalan Tanpa Instalasi</a:t>
             </a:r>
           </a:p>
           <a:p>
             <a:r>
               <a:rPr lang="id-ID" sz="1600" b="1" dirty="0" smtClean="0"/>
-              <a:t>Bisa </a:t>
-            </a:r>
+              <a:t>Mudah Maintenance/Update</a:t>
+            </a:r>
+          </a:p>
+          <a:p>
             <a:r>
               <a:rPr lang="id-ID" sz="1600" b="1" dirty="0" smtClean="0"/>
-              <a:t>Berjalan Tanpa Instalasi</a:t>
+              <a:t>Client tidak memerlukan spek yang tinggi untuk mengaksesnya</a:t>
             </a:r>
           </a:p>
           <a:p>
             <a:r>
               <a:rPr lang="id-ID" sz="1600" b="1" dirty="0" smtClean="0"/>
-              <a:t>Mudah </a:t>
-            </a:r>
-            <a:r>
-              <a:rPr lang="id-ID" sz="1600" b="1" dirty="0" smtClean="0"/>
-              <a:t>Maintenance/Update</a:t>
-            </a:r>
-          </a:p>
-          <a:p>
-            <a:r>
-              <a:rPr lang="id-ID" sz="1600" b="1" dirty="0" smtClean="0"/>
-              <a:t>Client </a:t>
-            </a:r>
-            <a:r>
-              <a:rPr lang="id-ID" sz="1600" b="1" dirty="0" smtClean="0"/>
-              <a:t>tidak memerlukan spek yang tinggi untuk mengaksesnya</a:t>
-            </a:r>
-          </a:p>
-          <a:p>
-            <a:r>
-              <a:rPr lang="id-ID" sz="1600" b="1" dirty="0" smtClean="0"/>
-              <a:t>dll</a:t>
-            </a:r>
-            <a:r>
-              <a:rPr lang="id-ID" sz="1600" b="1" dirty="0" smtClean="0"/>
-              <a:t>.</a:t>
+              <a:t>dll.</a:t>
             </a:r>
             <a:endParaRPr lang="id-ID" sz="1600" b="1" dirty="0"/>
           </a:p>
@@ -30075,11 +29910,7 @@
           <a:p>
             <a:r>
               <a:rPr lang="id-ID" sz="1600" b="1" dirty="0" smtClean="0"/>
-              <a:t>XAMPP </a:t>
-            </a:r>
-            <a:r>
-              <a:rPr lang="id-ID" sz="1600" b="1" dirty="0" smtClean="0"/>
-              <a:t>(package) </a:t>
+              <a:t>XAMPP (package) </a:t>
             </a:r>
           </a:p>
           <a:p>
@@ -30088,7 +29919,6 @@
               <a:rPr lang="id-ID" sz="1400" b="1" dirty="0" smtClean="0"/>
               <a:t>Apache </a:t>
             </a:r>
-            <a:endParaRPr lang="id-ID" sz="1400" b="1" dirty="0" smtClean="0"/>
           </a:p>
           <a:p>
             <a:pPr lvl="1"/>
@@ -30096,7 +29926,6 @@
               <a:rPr lang="id-ID" sz="1400" b="1" dirty="0" smtClean="0"/>
               <a:t>PHP</a:t>
             </a:r>
-            <a:endParaRPr lang="id-ID" sz="1400" b="1" dirty="0" smtClean="0"/>
           </a:p>
           <a:p>
             <a:pPr lvl="1"/>
@@ -30104,17 +29933,12 @@
               <a:rPr lang="id-ID" sz="1400" b="1" dirty="0" smtClean="0"/>
               <a:t>Mysql</a:t>
             </a:r>
-            <a:endParaRPr lang="id-ID" sz="1400" b="1" dirty="0" smtClean="0"/>
           </a:p>
           <a:p>
             <a:pPr lvl="1"/>
             <a:r>
               <a:rPr lang="id-ID" sz="1400" b="1" dirty="0" smtClean="0"/>
-              <a:t>dll</a:t>
-            </a:r>
-            <a:r>
-              <a:rPr lang="id-ID" sz="1400" b="1" dirty="0" smtClean="0"/>
-              <a:t>.</a:t>
+              <a:t>dll.</a:t>
             </a:r>
             <a:endParaRPr lang="id-ID" sz="1400" b="1" dirty="0"/>
           </a:p>
@@ -30290,16 +30114,11 @@
               <a:rPr lang="id-ID" sz="1600" b="1" dirty="0" smtClean="0"/>
               <a:t>Browser</a:t>
             </a:r>
-            <a:endParaRPr lang="id-ID" sz="1600" b="1" dirty="0" smtClean="0"/>
           </a:p>
           <a:p>
             <a:r>
               <a:rPr lang="id-ID" sz="1600" b="1" dirty="0" smtClean="0"/>
-              <a:t>Koneksi </a:t>
-            </a:r>
-            <a:r>
-              <a:rPr lang="id-ID" sz="1600" b="1" dirty="0" smtClean="0"/>
-              <a:t>Internet (opsional)</a:t>
+              <a:t>Koneksi Internet (opsional)</a:t>
             </a:r>
             <a:endParaRPr lang="id-ID" sz="1600" b="1" dirty="0"/>
           </a:p>
@@ -30362,72 +30181,14 @@
       </p:sp>
       <p:sp>
         <p:nvSpPr>
-          <p:cNvPr id="3" name="Rectangle 2"/>
-          <p:cNvSpPr/>
-          <p:nvPr/>
-        </p:nvSpPr>
-        <p:spPr>
-          <a:xfrm>
-            <a:off x="1023240" y="1340768"/>
-            <a:ext cx="7076786" cy="1512168"/>
-          </a:xfrm>
-          <a:prstGeom prst="rect">
-            <a:avLst/>
-          </a:prstGeom>
-          <a:solidFill>
-            <a:srgbClr val="F58D01"/>
-          </a:solidFill>
-          <a:ln>
-            <a:noFill/>
-          </a:ln>
-        </p:spPr>
-        <p:style>
-          <a:lnRef idx="2">
-            <a:schemeClr val="accent1">
-              <a:shade val="50000"/>
-            </a:schemeClr>
-          </a:lnRef>
-          <a:fillRef idx="1">
-            <a:schemeClr val="accent1"/>
-          </a:fillRef>
-          <a:effectRef idx="0">
-            <a:schemeClr val="accent1"/>
-          </a:effectRef>
-          <a:fontRef idx="minor">
-            <a:schemeClr val="lt1"/>
-          </a:fontRef>
-        </p:style>
-        <p:txBody>
-          <a:bodyPr rtlCol="0" anchor="ctr"/>
-          <a:lstStyle/>
-          <a:p>
-            <a:pPr algn="ctr"/>
-            <a:r>
-              <a:rPr lang="id-ID" sz="4400" b="1" dirty="0" smtClean="0">
-                <a:solidFill>
-                  <a:schemeClr val="tx1"/>
-                </a:solidFill>
-              </a:rPr>
-              <a:t>Aplication Design</a:t>
-            </a:r>
-            <a:endParaRPr lang="en-GB" sz="4400" b="1" dirty="0">
-              <a:solidFill>
-                <a:schemeClr val="tx1"/>
-              </a:solidFill>
-            </a:endParaRPr>
-          </a:p>
-        </p:txBody>
-      </p:sp>
-      <p:sp>
-        <p:nvSpPr>
           <p:cNvPr id="4" name="Rectangle 3"/>
           <p:cNvSpPr/>
           <p:nvPr/>
         </p:nvSpPr>
         <p:spPr>
           <a:xfrm>
-            <a:off x="1043608" y="2924944"/>
-            <a:ext cx="3476752" cy="1656184"/>
+            <a:off x="899592" y="1412776"/>
+            <a:ext cx="7344816" cy="2304256"/>
           </a:xfrm>
           <a:prstGeom prst="rect">
             <a:avLst/>
@@ -30468,6 +30229,17 @@
               </a:rPr>
               <a:t>DFD</a:t>
             </a:r>
+          </a:p>
+          <a:p>
+            <a:pPr algn="ctr"/>
+            <a:endParaRPr lang="id-ID" sz="4400" b="1" dirty="0" smtClean="0">
+              <a:solidFill>
+                <a:schemeClr val="tx1"/>
+              </a:solidFill>
+            </a:endParaRPr>
+          </a:p>
+          <a:p>
+            <a:pPr algn="ctr"/>
             <a:endParaRPr lang="en-GB" sz="4400" b="1" dirty="0">
               <a:solidFill>
                 <a:schemeClr val="tx1"/>
@@ -30478,14 +30250,14 @@
       </p:sp>
       <p:sp>
         <p:nvSpPr>
-          <p:cNvPr id="5" name="Rectangle 4"/>
+          <p:cNvPr id="8" name="Rectangle 7"/>
           <p:cNvSpPr/>
           <p:nvPr/>
         </p:nvSpPr>
         <p:spPr>
           <a:xfrm>
-            <a:off x="4572000" y="2924944"/>
-            <a:ext cx="3548760" cy="1656184"/>
+            <a:off x="899592" y="2204864"/>
+            <a:ext cx="3672408" cy="1512168"/>
           </a:xfrm>
           <a:prstGeom prst="rect">
             <a:avLst/>
@@ -30524,7 +30296,7 @@
                   <a:schemeClr val="tx1"/>
                 </a:solidFill>
               </a:rPr>
-              <a:t>Database Design</a:t>
+              <a:t>Alur Laporan</a:t>
             </a:r>
             <a:endParaRPr lang="en-GB" sz="3200" b="1" dirty="0">
               <a:solidFill>
@@ -30536,20 +30308,20 @@
       </p:sp>
       <p:sp>
         <p:nvSpPr>
-          <p:cNvPr id="6" name="Rectangle 5"/>
+          <p:cNvPr id="9" name="Rectangle 8"/>
           <p:cNvSpPr/>
           <p:nvPr/>
         </p:nvSpPr>
         <p:spPr>
           <a:xfrm>
-            <a:off x="1043608" y="4653136"/>
-            <a:ext cx="7076786" cy="1512168"/>
+            <a:off x="4657656" y="2204864"/>
+            <a:ext cx="3586752" cy="1512168"/>
           </a:xfrm>
           <a:prstGeom prst="rect">
             <a:avLst/>
           </a:prstGeom>
           <a:solidFill>
-            <a:srgbClr val="F58D01"/>
+            <a:srgbClr val="009F3C"/>
           </a:solidFill>
           <a:ln>
             <a:noFill/>
@@ -30577,13 +30349,114 @@
           <a:p>
             <a:pPr algn="ctr"/>
             <a:r>
+              <a:rPr lang="id-ID" sz="3200" b="1" dirty="0" smtClean="0">
+                <a:solidFill>
+                  <a:schemeClr val="tx1"/>
+                </a:solidFill>
+              </a:rPr>
+              <a:t>Alur Aplikasi</a:t>
+            </a:r>
+            <a:endParaRPr lang="en-GB" sz="3200" b="1" dirty="0">
+              <a:solidFill>
+                <a:schemeClr val="tx1"/>
+              </a:solidFill>
+            </a:endParaRPr>
+          </a:p>
+        </p:txBody>
+      </p:sp>
+      <p:sp>
+        <p:nvSpPr>
+          <p:cNvPr id="11" name="Rectangle 10"/>
+          <p:cNvSpPr/>
+          <p:nvPr/>
+        </p:nvSpPr>
+        <p:spPr>
+          <a:xfrm>
+            <a:off x="899592" y="3789040"/>
+            <a:ext cx="7344816" cy="2304256"/>
+          </a:xfrm>
+          <a:prstGeom prst="rect">
+            <a:avLst/>
+          </a:prstGeom>
+          <a:solidFill>
+            <a:srgbClr val="009F3C"/>
+          </a:solidFill>
+          <a:ln>
+            <a:noFill/>
+          </a:ln>
+        </p:spPr>
+        <p:style>
+          <a:lnRef idx="2">
+            <a:schemeClr val="accent1">
+              <a:shade val="50000"/>
+            </a:schemeClr>
+          </a:lnRef>
+          <a:fillRef idx="1">
+            <a:schemeClr val="accent1"/>
+          </a:fillRef>
+          <a:effectRef idx="0">
+            <a:schemeClr val="accent1"/>
+          </a:effectRef>
+          <a:fontRef idx="minor">
+            <a:schemeClr val="lt1"/>
+          </a:fontRef>
+        </p:style>
+        <p:txBody>
+          <a:bodyPr rtlCol="0" anchor="ctr"/>
+          <a:lstStyle/>
+          <a:p>
+            <a:pPr algn="ctr"/>
+            <a:endParaRPr lang="id-ID" sz="4400" b="1" dirty="0" smtClean="0">
+              <a:solidFill>
+                <a:schemeClr val="tx1"/>
+              </a:solidFill>
+            </a:endParaRPr>
+          </a:p>
+          <a:p>
+            <a:pPr algn="ctr"/>
+            <a:endParaRPr lang="id-ID" sz="4400" b="1" dirty="0" smtClean="0">
+              <a:solidFill>
+                <a:schemeClr val="tx1"/>
+              </a:solidFill>
+            </a:endParaRPr>
+          </a:p>
+          <a:p>
+            <a:pPr algn="ctr"/>
+            <a:endParaRPr lang="id-ID" sz="4400" b="1" dirty="0" smtClean="0">
+              <a:solidFill>
+                <a:schemeClr val="tx1"/>
+              </a:solidFill>
+            </a:endParaRPr>
+          </a:p>
+          <a:p>
+            <a:pPr algn="ctr"/>
+            <a:endParaRPr lang="id-ID" sz="4400" b="1" dirty="0" smtClean="0">
+              <a:solidFill>
+                <a:schemeClr val="tx1"/>
+              </a:solidFill>
+            </a:endParaRPr>
+          </a:p>
+          <a:p>
+            <a:pPr algn="ctr"/>
+            <a:r>
               <a:rPr lang="id-ID" sz="4400" b="1" dirty="0" smtClean="0">
                 <a:solidFill>
                   <a:schemeClr val="tx1"/>
                 </a:solidFill>
               </a:rPr>
-              <a:t>         Run Aplication</a:t>
-            </a:r>
+              <a:t>Database Design</a:t>
+            </a:r>
+          </a:p>
+          <a:p>
+            <a:pPr algn="ctr"/>
+            <a:endParaRPr lang="id-ID" sz="4400" b="1" dirty="0" smtClean="0">
+              <a:solidFill>
+                <a:schemeClr val="tx1"/>
+              </a:solidFill>
+            </a:endParaRPr>
+          </a:p>
+          <a:p>
+            <a:pPr algn="ctr"/>
             <a:endParaRPr lang="en-GB" sz="4400" b="1" dirty="0">
               <a:solidFill>
                 <a:schemeClr val="tx1"/>
@@ -30592,9 +30465,1546 @@
           </a:p>
         </p:txBody>
       </p:sp>
+      <p:sp>
+        <p:nvSpPr>
+          <p:cNvPr id="12" name="Rectangle 11"/>
+          <p:cNvSpPr/>
+          <p:nvPr/>
+        </p:nvSpPr>
+        <p:spPr>
+          <a:xfrm>
+            <a:off x="899592" y="3789041"/>
+            <a:ext cx="3672408" cy="1512168"/>
+          </a:xfrm>
+          <a:prstGeom prst="rect">
+            <a:avLst/>
+          </a:prstGeom>
+          <a:solidFill>
+            <a:srgbClr val="4BACC6"/>
+          </a:solidFill>
+          <a:ln>
+            <a:noFill/>
+          </a:ln>
+        </p:spPr>
+        <p:style>
+          <a:lnRef idx="2">
+            <a:schemeClr val="accent1">
+              <a:shade val="50000"/>
+            </a:schemeClr>
+          </a:lnRef>
+          <a:fillRef idx="1">
+            <a:schemeClr val="accent1"/>
+          </a:fillRef>
+          <a:effectRef idx="0">
+            <a:schemeClr val="accent1"/>
+          </a:effectRef>
+          <a:fontRef idx="minor">
+            <a:schemeClr val="lt1"/>
+          </a:fontRef>
+        </p:style>
+        <p:txBody>
+          <a:bodyPr rtlCol="0" anchor="ctr"/>
+          <a:lstStyle/>
+          <a:p>
+            <a:pPr algn="ctr"/>
+            <a:r>
+              <a:rPr lang="id-ID" sz="3200" b="1" dirty="0" smtClean="0">
+                <a:solidFill>
+                  <a:schemeClr val="tx1"/>
+                </a:solidFill>
+              </a:rPr>
+              <a:t>View</a:t>
+            </a:r>
+            <a:endParaRPr lang="en-GB" sz="3200" b="1" dirty="0">
+              <a:solidFill>
+                <a:schemeClr val="tx1"/>
+              </a:solidFill>
+            </a:endParaRPr>
+          </a:p>
+        </p:txBody>
+      </p:sp>
+      <p:sp>
+        <p:nvSpPr>
+          <p:cNvPr id="13" name="Rectangle 12"/>
+          <p:cNvSpPr/>
+          <p:nvPr/>
+        </p:nvSpPr>
+        <p:spPr>
+          <a:xfrm>
+            <a:off x="4657656" y="3789041"/>
+            <a:ext cx="3586752" cy="1512168"/>
+          </a:xfrm>
+          <a:prstGeom prst="rect">
+            <a:avLst/>
+          </a:prstGeom>
+          <a:solidFill>
+            <a:srgbClr val="4BACC6"/>
+          </a:solidFill>
+          <a:ln>
+            <a:noFill/>
+          </a:ln>
+        </p:spPr>
+        <p:style>
+          <a:lnRef idx="2">
+            <a:schemeClr val="accent1">
+              <a:shade val="50000"/>
+            </a:schemeClr>
+          </a:lnRef>
+          <a:fillRef idx="1">
+            <a:schemeClr val="accent1"/>
+          </a:fillRef>
+          <a:effectRef idx="0">
+            <a:schemeClr val="accent1"/>
+          </a:effectRef>
+          <a:fontRef idx="minor">
+            <a:schemeClr val="lt1"/>
+          </a:fontRef>
+        </p:style>
+        <p:txBody>
+          <a:bodyPr rtlCol="0" anchor="ctr"/>
+          <a:lstStyle/>
+          <a:p>
+            <a:pPr algn="ctr"/>
+            <a:r>
+              <a:rPr lang="id-ID" sz="3200" b="1" dirty="0" smtClean="0">
+                <a:solidFill>
+                  <a:schemeClr val="tx1"/>
+                </a:solidFill>
+              </a:rPr>
+              <a:t>Detail</a:t>
+            </a:r>
+            <a:endParaRPr lang="en-GB" sz="3200" b="1" dirty="0">
+              <a:solidFill>
+                <a:schemeClr val="tx1"/>
+              </a:solidFill>
+            </a:endParaRPr>
+          </a:p>
+        </p:txBody>
+      </p:sp>
+    </p:spTree>
+  </p:cSld>
+  <p:clrMapOvr>
+    <a:masterClrMapping/>
+  </p:clrMapOvr>
+  <p:timing>
+    <p:tnLst>
+      <p:par>
+        <p:cTn id="1" dur="indefinite" restart="never" nodeType="tmRoot"/>
+      </p:par>
+    </p:tnLst>
+  </p:timing>
+</p:sld>
+</file>
+
+<file path=ppt/slides/slide27.xml><?xml version="1.0" encoding="utf-8"?>
+<p:sld xmlns:a="http://schemas.openxmlformats.org/drawingml/2006/main" xmlns:r="http://schemas.openxmlformats.org/officeDocument/2006/relationships" xmlns:p="http://schemas.openxmlformats.org/presentationml/2006/main">
+  <p:cSld>
+    <p:spTree>
+      <p:nvGrpSpPr>
+        <p:cNvPr id="1" name=""/>
+        <p:cNvGrpSpPr/>
+        <p:nvPr/>
+      </p:nvGrpSpPr>
+      <p:grpSpPr>
+        <a:xfrm>
+          <a:off x="0" y="0"/>
+          <a:ext cx="0" cy="0"/>
+          <a:chOff x="0" y="0"/>
+          <a:chExt cx="0" cy="0"/>
+        </a:xfrm>
+      </p:grpSpPr>
+      <p:sp>
+        <p:nvSpPr>
+          <p:cNvPr id="2" name="Title 1"/>
+          <p:cNvSpPr>
+            <a:spLocks noGrp="1"/>
+          </p:cNvSpPr>
+          <p:nvPr>
+            <p:ph type="title"/>
+          </p:nvPr>
+        </p:nvSpPr>
+        <p:spPr>
+          <a:xfrm rot="5400000">
+            <a:off x="5465105" y="2823927"/>
+            <a:ext cx="6120680" cy="850106"/>
+          </a:xfrm>
+        </p:spPr>
+        <p:txBody>
+          <a:bodyPr/>
+          <a:lstStyle/>
+          <a:p>
+            <a:r>
+              <a:rPr lang="id-ID" dirty="0" smtClean="0"/>
+              <a:t>B-4. Desain</a:t>
+            </a:r>
+            <a:endParaRPr lang="en-US" dirty="0"/>
+          </a:p>
+        </p:txBody>
+      </p:sp>
       <p:pic>
         <p:nvPicPr>
-          <p:cNvPr id="13314" name="Picture 2" descr="C:\Documents and Settings\Feldy\My Documents\Downloads\windows8_icons\Media_Controls\play\play-512.png"/>
+          <p:cNvPr id="1027" name="Picture 3" descr="C:\Documents and Settings\Feldy\My Documents\Downloads\DFD_Satu.jpg"/>
+          <p:cNvPicPr>
+            <a:picLocks noChangeAspect="1" noChangeArrowheads="1"/>
+          </p:cNvPicPr>
+          <p:nvPr/>
+        </p:nvPicPr>
+        <p:blipFill>
+          <a:blip r:embed="rId2" cstate="print"/>
+          <a:srcRect l="9574" t="4292" r="7971" b="24240"/>
+          <a:stretch>
+            <a:fillRect/>
+          </a:stretch>
+        </p:blipFill>
+        <p:spPr bwMode="auto">
+          <a:xfrm>
+            <a:off x="179512" y="188640"/>
+            <a:ext cx="5544616" cy="6219247"/>
+          </a:xfrm>
+          <a:prstGeom prst="rect">
+            <a:avLst/>
+          </a:prstGeom>
+          <a:noFill/>
+        </p:spPr>
+      </p:pic>
+      <p:sp>
+        <p:nvSpPr>
+          <p:cNvPr id="15" name="TextBox 14"/>
+          <p:cNvSpPr txBox="1"/>
+          <p:nvPr/>
+        </p:nvSpPr>
+        <p:spPr>
+          <a:xfrm>
+            <a:off x="5796136" y="188640"/>
+            <a:ext cx="2592288" cy="400110"/>
+          </a:xfrm>
+          <a:prstGeom prst="rect">
+            <a:avLst/>
+          </a:prstGeom>
+          <a:noFill/>
+        </p:spPr>
+        <p:txBody>
+          <a:bodyPr wrap="square" rtlCol="0">
+            <a:spAutoFit/>
+          </a:bodyPr>
+          <a:lstStyle/>
+          <a:p>
+            <a:r>
+              <a:rPr lang="id-ID" sz="2000" b="1" dirty="0" smtClean="0">
+                <a:latin typeface="+mj-lt"/>
+                <a:cs typeface="Aharoni" pitchFamily="2" charset="-79"/>
+              </a:rPr>
+              <a:t>A-1. Alur Laporan</a:t>
+            </a:r>
+            <a:endParaRPr lang="en-GB" sz="2000" b="1" dirty="0">
+              <a:latin typeface="+mj-lt"/>
+              <a:cs typeface="Aharoni" pitchFamily="2" charset="-79"/>
+            </a:endParaRPr>
+          </a:p>
+        </p:txBody>
+      </p:sp>
+      <p:sp>
+        <p:nvSpPr>
+          <p:cNvPr id="16" name="Freeform 5"/>
+          <p:cNvSpPr>
+            <a:spLocks noEditPoints="1"/>
+          </p:cNvSpPr>
+          <p:nvPr/>
+        </p:nvSpPr>
+        <p:spPr bwMode="auto">
+          <a:xfrm>
+            <a:off x="5940152" y="764704"/>
+            <a:ext cx="1885236" cy="1728192"/>
+          </a:xfrm>
+          <a:custGeom>
+            <a:avLst/>
+            <a:gdLst>
+              <a:gd name="T0" fmla="*/ 5846 w 11628"/>
+              <a:gd name="T1" fmla="*/ 2773 h 10672"/>
+              <a:gd name="T2" fmla="*/ 10279 w 11628"/>
+              <a:gd name="T3" fmla="*/ 6614 h 10672"/>
+              <a:gd name="T4" fmla="*/ 10279 w 11628"/>
+              <a:gd name="T5" fmla="*/ 10672 h 10672"/>
+              <a:gd name="T6" fmla="*/ 7058 w 11628"/>
+              <a:gd name="T7" fmla="*/ 10672 h 10672"/>
+              <a:gd name="T8" fmla="*/ 7058 w 11628"/>
+              <a:gd name="T9" fmla="*/ 8331 h 10672"/>
+              <a:gd name="T10" fmla="*/ 4633 w 11628"/>
+              <a:gd name="T11" fmla="*/ 8331 h 10672"/>
+              <a:gd name="T12" fmla="*/ 4633 w 11628"/>
+              <a:gd name="T13" fmla="*/ 10672 h 10672"/>
+              <a:gd name="T14" fmla="*/ 1412 w 11628"/>
+              <a:gd name="T15" fmla="*/ 10672 h 10672"/>
+              <a:gd name="T16" fmla="*/ 1412 w 11628"/>
+              <a:gd name="T17" fmla="*/ 6645 h 10672"/>
+              <a:gd name="T18" fmla="*/ 5846 w 11628"/>
+              <a:gd name="T19" fmla="*/ 2773 h 10672"/>
+              <a:gd name="T20" fmla="*/ 5845 w 11628"/>
+              <a:gd name="T21" fmla="*/ 1728 h 10672"/>
+              <a:gd name="T22" fmla="*/ 10763 w 11628"/>
+              <a:gd name="T23" fmla="*/ 6054 h 10672"/>
+              <a:gd name="T24" fmla="*/ 11628 w 11628"/>
+              <a:gd name="T25" fmla="*/ 5189 h 10672"/>
+              <a:gd name="T26" fmla="*/ 5847 w 11628"/>
+              <a:gd name="T27" fmla="*/ 0 h 10672"/>
+              <a:gd name="T28" fmla="*/ 0 w 11628"/>
+              <a:gd name="T29" fmla="*/ 5227 h 10672"/>
+              <a:gd name="T30" fmla="*/ 863 w 11628"/>
+              <a:gd name="T31" fmla="*/ 6093 h 10672"/>
+              <a:gd name="T32" fmla="*/ 5845 w 11628"/>
+              <a:gd name="T33" fmla="*/ 1728 h 10672"/>
+            </a:gdLst>
+            <a:ahLst/>
+            <a:cxnLst>
+              <a:cxn ang="0">
+                <a:pos x="T0" y="T1"/>
+              </a:cxn>
+              <a:cxn ang="0">
+                <a:pos x="T2" y="T3"/>
+              </a:cxn>
+              <a:cxn ang="0">
+                <a:pos x="T4" y="T5"/>
+              </a:cxn>
+              <a:cxn ang="0">
+                <a:pos x="T6" y="T7"/>
+              </a:cxn>
+              <a:cxn ang="0">
+                <a:pos x="T8" y="T9"/>
+              </a:cxn>
+              <a:cxn ang="0">
+                <a:pos x="T10" y="T11"/>
+              </a:cxn>
+              <a:cxn ang="0">
+                <a:pos x="T12" y="T13"/>
+              </a:cxn>
+              <a:cxn ang="0">
+                <a:pos x="T14" y="T15"/>
+              </a:cxn>
+              <a:cxn ang="0">
+                <a:pos x="T16" y="T17"/>
+              </a:cxn>
+              <a:cxn ang="0">
+                <a:pos x="T18" y="T19"/>
+              </a:cxn>
+              <a:cxn ang="0">
+                <a:pos x="T20" y="T21"/>
+              </a:cxn>
+              <a:cxn ang="0">
+                <a:pos x="T22" y="T23"/>
+              </a:cxn>
+              <a:cxn ang="0">
+                <a:pos x="T24" y="T25"/>
+              </a:cxn>
+              <a:cxn ang="0">
+                <a:pos x="T26" y="T27"/>
+              </a:cxn>
+              <a:cxn ang="0">
+                <a:pos x="T28" y="T29"/>
+              </a:cxn>
+              <a:cxn ang="0">
+                <a:pos x="T30" y="T31"/>
+              </a:cxn>
+              <a:cxn ang="0">
+                <a:pos x="T32" y="T33"/>
+              </a:cxn>
+            </a:cxnLst>
+            <a:rect l="0" t="0" r="r" b="b"/>
+            <a:pathLst>
+              <a:path w="11628" h="10672">
+                <a:moveTo>
+                  <a:pt x="5846" y="2773"/>
+                </a:moveTo>
+                <a:lnTo>
+                  <a:pt x="10279" y="6614"/>
+                </a:lnTo>
+                <a:lnTo>
+                  <a:pt x="10279" y="10672"/>
+                </a:lnTo>
+                <a:lnTo>
+                  <a:pt x="7058" y="10672"/>
+                </a:lnTo>
+                <a:lnTo>
+                  <a:pt x="7058" y="8331"/>
+                </a:lnTo>
+                <a:lnTo>
+                  <a:pt x="4633" y="8331"/>
+                </a:lnTo>
+                <a:lnTo>
+                  <a:pt x="4633" y="10672"/>
+                </a:lnTo>
+                <a:lnTo>
+                  <a:pt x="1412" y="10672"/>
+                </a:lnTo>
+                <a:lnTo>
+                  <a:pt x="1412" y="6645"/>
+                </a:lnTo>
+                <a:lnTo>
+                  <a:pt x="5846" y="2773"/>
+                </a:lnTo>
+                <a:close/>
+                <a:moveTo>
+                  <a:pt x="5845" y="1728"/>
+                </a:moveTo>
+                <a:lnTo>
+                  <a:pt x="10763" y="6054"/>
+                </a:lnTo>
+                <a:lnTo>
+                  <a:pt x="11628" y="5189"/>
+                </a:lnTo>
+                <a:lnTo>
+                  <a:pt x="5847" y="0"/>
+                </a:lnTo>
+                <a:lnTo>
+                  <a:pt x="0" y="5227"/>
+                </a:lnTo>
+                <a:lnTo>
+                  <a:pt x="863" y="6093"/>
+                </a:lnTo>
+                <a:lnTo>
+                  <a:pt x="5845" y="1728"/>
+                </a:lnTo>
+                <a:close/>
+              </a:path>
+            </a:pathLst>
+          </a:custGeom>
+          <a:solidFill>
+            <a:schemeClr val="tx1"/>
+          </a:solidFill>
+          <a:ln w="0">
+            <a:noFill/>
+            <a:prstDash val="solid"/>
+            <a:round/>
+            <a:headEnd/>
+            <a:tailEnd/>
+          </a:ln>
+        </p:spPr>
+        <p:txBody>
+          <a:bodyPr vert="horz" wrap="square" lIns="91440" tIns="45720" rIns="91440" bIns="45720" numCol="1" anchor="t" anchorCtr="0" compatLnSpc="1">
+            <a:prstTxWarp prst="textNoShape">
+              <a:avLst/>
+            </a:prstTxWarp>
+          </a:bodyPr>
+          <a:lstStyle/>
+          <a:p>
+            <a:endParaRPr lang="en-GB"/>
+          </a:p>
+        </p:txBody>
+      </p:sp>
+      <p:sp>
+        <p:nvSpPr>
+          <p:cNvPr id="17" name="Freeform 5"/>
+          <p:cNvSpPr>
+            <a:spLocks noEditPoints="1"/>
+          </p:cNvSpPr>
+          <p:nvPr/>
+        </p:nvSpPr>
+        <p:spPr bwMode="auto">
+          <a:xfrm>
+            <a:off x="6156176" y="2780928"/>
+            <a:ext cx="1593833" cy="1584176"/>
+          </a:xfrm>
+          <a:custGeom>
+            <a:avLst/>
+            <a:gdLst>
+              <a:gd name="T0" fmla="*/ 7014 w 11627"/>
+              <a:gd name="T1" fmla="*/ 1857 h 11569"/>
+              <a:gd name="T2" fmla="*/ 697 w 11627"/>
+              <a:gd name="T3" fmla="*/ 8174 h 11569"/>
+              <a:gd name="T4" fmla="*/ 0 w 11627"/>
+              <a:gd name="T5" fmla="*/ 11569 h 11569"/>
+              <a:gd name="T6" fmla="*/ 3453 w 11627"/>
+              <a:gd name="T7" fmla="*/ 10931 h 11569"/>
+              <a:gd name="T8" fmla="*/ 9771 w 11627"/>
+              <a:gd name="T9" fmla="*/ 4613 h 11569"/>
+              <a:gd name="T10" fmla="*/ 7014 w 11627"/>
+              <a:gd name="T11" fmla="*/ 1857 h 11569"/>
+              <a:gd name="T12" fmla="*/ 1408 w 11627"/>
+              <a:gd name="T13" fmla="*/ 8881 h 11569"/>
+              <a:gd name="T14" fmla="*/ 7018 w 11627"/>
+              <a:gd name="T15" fmla="*/ 3271 h 11569"/>
+              <a:gd name="T16" fmla="*/ 7366 w 11627"/>
+              <a:gd name="T17" fmla="*/ 3618 h 11569"/>
+              <a:gd name="T18" fmla="*/ 1755 w 11627"/>
+              <a:gd name="T19" fmla="*/ 9228 h 11569"/>
+              <a:gd name="T20" fmla="*/ 1408 w 11627"/>
+              <a:gd name="T21" fmla="*/ 8881 h 11569"/>
+              <a:gd name="T22" fmla="*/ 2740 w 11627"/>
+              <a:gd name="T23" fmla="*/ 10220 h 11569"/>
+              <a:gd name="T24" fmla="*/ 2392 w 11627"/>
+              <a:gd name="T25" fmla="*/ 9873 h 11569"/>
+              <a:gd name="T26" fmla="*/ 8003 w 11627"/>
+              <a:gd name="T27" fmla="*/ 4263 h 11569"/>
+              <a:gd name="T28" fmla="*/ 8350 w 11627"/>
+              <a:gd name="T29" fmla="*/ 4610 h 11569"/>
+              <a:gd name="T30" fmla="*/ 2740 w 11627"/>
+              <a:gd name="T31" fmla="*/ 10220 h 11569"/>
+              <a:gd name="T32" fmla="*/ 11627 w 11627"/>
+              <a:gd name="T33" fmla="*/ 2757 h 11569"/>
+              <a:gd name="T34" fmla="*/ 10389 w 11627"/>
+              <a:gd name="T35" fmla="*/ 3995 h 11569"/>
+              <a:gd name="T36" fmla="*/ 7632 w 11627"/>
+              <a:gd name="T37" fmla="*/ 1239 h 11569"/>
+              <a:gd name="T38" fmla="*/ 8871 w 11627"/>
+              <a:gd name="T39" fmla="*/ 0 h 11569"/>
+              <a:gd name="T40" fmla="*/ 11627 w 11627"/>
+              <a:gd name="T41" fmla="*/ 2757 h 11569"/>
+            </a:gdLst>
+            <a:ahLst/>
+            <a:cxnLst>
+              <a:cxn ang="0">
+                <a:pos x="T0" y="T1"/>
+              </a:cxn>
+              <a:cxn ang="0">
+                <a:pos x="T2" y="T3"/>
+              </a:cxn>
+              <a:cxn ang="0">
+                <a:pos x="T4" y="T5"/>
+              </a:cxn>
+              <a:cxn ang="0">
+                <a:pos x="T6" y="T7"/>
+              </a:cxn>
+              <a:cxn ang="0">
+                <a:pos x="T8" y="T9"/>
+              </a:cxn>
+              <a:cxn ang="0">
+                <a:pos x="T10" y="T11"/>
+              </a:cxn>
+              <a:cxn ang="0">
+                <a:pos x="T12" y="T13"/>
+              </a:cxn>
+              <a:cxn ang="0">
+                <a:pos x="T14" y="T15"/>
+              </a:cxn>
+              <a:cxn ang="0">
+                <a:pos x="T16" y="T17"/>
+              </a:cxn>
+              <a:cxn ang="0">
+                <a:pos x="T18" y="T19"/>
+              </a:cxn>
+              <a:cxn ang="0">
+                <a:pos x="T20" y="T21"/>
+              </a:cxn>
+              <a:cxn ang="0">
+                <a:pos x="T22" y="T23"/>
+              </a:cxn>
+              <a:cxn ang="0">
+                <a:pos x="T24" y="T25"/>
+              </a:cxn>
+              <a:cxn ang="0">
+                <a:pos x="T26" y="T27"/>
+              </a:cxn>
+              <a:cxn ang="0">
+                <a:pos x="T28" y="T29"/>
+              </a:cxn>
+              <a:cxn ang="0">
+                <a:pos x="T30" y="T31"/>
+              </a:cxn>
+              <a:cxn ang="0">
+                <a:pos x="T32" y="T33"/>
+              </a:cxn>
+              <a:cxn ang="0">
+                <a:pos x="T34" y="T35"/>
+              </a:cxn>
+              <a:cxn ang="0">
+                <a:pos x="T36" y="T37"/>
+              </a:cxn>
+              <a:cxn ang="0">
+                <a:pos x="T38" y="T39"/>
+              </a:cxn>
+              <a:cxn ang="0">
+                <a:pos x="T40" y="T41"/>
+              </a:cxn>
+            </a:cxnLst>
+            <a:rect l="0" t="0" r="r" b="b"/>
+            <a:pathLst>
+              <a:path w="11627" h="11569">
+                <a:moveTo>
+                  <a:pt x="7014" y="1857"/>
+                </a:moveTo>
+                <a:lnTo>
+                  <a:pt x="697" y="8174"/>
+                </a:lnTo>
+                <a:lnTo>
+                  <a:pt x="0" y="11569"/>
+                </a:lnTo>
+                <a:lnTo>
+                  <a:pt x="3453" y="10931"/>
+                </a:lnTo>
+                <a:lnTo>
+                  <a:pt x="9771" y="4613"/>
+                </a:lnTo>
+                <a:lnTo>
+                  <a:pt x="7014" y="1857"/>
+                </a:lnTo>
+                <a:close/>
+                <a:moveTo>
+                  <a:pt x="1408" y="8881"/>
+                </a:moveTo>
+                <a:lnTo>
+                  <a:pt x="7018" y="3271"/>
+                </a:lnTo>
+                <a:lnTo>
+                  <a:pt x="7366" y="3618"/>
+                </a:lnTo>
+                <a:lnTo>
+                  <a:pt x="1755" y="9228"/>
+                </a:lnTo>
+                <a:lnTo>
+                  <a:pt x="1408" y="8881"/>
+                </a:lnTo>
+                <a:close/>
+                <a:moveTo>
+                  <a:pt x="2740" y="10220"/>
+                </a:moveTo>
+                <a:lnTo>
+                  <a:pt x="2392" y="9873"/>
+                </a:lnTo>
+                <a:lnTo>
+                  <a:pt x="8003" y="4263"/>
+                </a:lnTo>
+                <a:lnTo>
+                  <a:pt x="8350" y="4610"/>
+                </a:lnTo>
+                <a:lnTo>
+                  <a:pt x="2740" y="10220"/>
+                </a:lnTo>
+                <a:close/>
+                <a:moveTo>
+                  <a:pt x="11627" y="2757"/>
+                </a:moveTo>
+                <a:lnTo>
+                  <a:pt x="10389" y="3995"/>
+                </a:lnTo>
+                <a:lnTo>
+                  <a:pt x="7632" y="1239"/>
+                </a:lnTo>
+                <a:lnTo>
+                  <a:pt x="8871" y="0"/>
+                </a:lnTo>
+                <a:lnTo>
+                  <a:pt x="11627" y="2757"/>
+                </a:lnTo>
+                <a:close/>
+              </a:path>
+            </a:pathLst>
+          </a:custGeom>
+          <a:solidFill>
+            <a:schemeClr val="tx1"/>
+          </a:solidFill>
+          <a:ln w="0">
+            <a:noFill/>
+            <a:prstDash val="solid"/>
+            <a:round/>
+            <a:headEnd/>
+            <a:tailEnd/>
+          </a:ln>
+        </p:spPr>
+        <p:txBody>
+          <a:bodyPr vert="horz" wrap="square" lIns="91440" tIns="45720" rIns="91440" bIns="45720" numCol="1" anchor="t" anchorCtr="0" compatLnSpc="1">
+            <a:prstTxWarp prst="textNoShape">
+              <a:avLst/>
+            </a:prstTxWarp>
+          </a:bodyPr>
+          <a:lstStyle/>
+          <a:p>
+            <a:endParaRPr lang="en-GB"/>
+          </a:p>
+        </p:txBody>
+      </p:sp>
+      <p:sp>
+        <p:nvSpPr>
+          <p:cNvPr id="18" name="Freeform 30"/>
+          <p:cNvSpPr>
+            <a:spLocks noEditPoints="1"/>
+          </p:cNvSpPr>
+          <p:nvPr/>
+        </p:nvSpPr>
+        <p:spPr bwMode="auto">
+          <a:xfrm>
+            <a:off x="6156176" y="4581128"/>
+            <a:ext cx="1584176" cy="1544784"/>
+          </a:xfrm>
+          <a:custGeom>
+            <a:avLst/>
+            <a:gdLst>
+              <a:gd name="T0" fmla="*/ 7601 w 12081"/>
+              <a:gd name="T1" fmla="*/ 8193 h 11777"/>
+              <a:gd name="T2" fmla="*/ 7620 w 12081"/>
+              <a:gd name="T3" fmla="*/ 9454 h 11777"/>
+              <a:gd name="T4" fmla="*/ 5855 w 12081"/>
+              <a:gd name="T5" fmla="*/ 11759 h 11777"/>
+              <a:gd name="T6" fmla="*/ 113 w 12081"/>
+              <a:gd name="T7" fmla="*/ 7008 h 11777"/>
+              <a:gd name="T8" fmla="*/ 2082 w 12081"/>
+              <a:gd name="T9" fmla="*/ 4773 h 11777"/>
+              <a:gd name="T10" fmla="*/ 3213 w 12081"/>
+              <a:gd name="T11" fmla="*/ 4614 h 11777"/>
+              <a:gd name="T12" fmla="*/ 7601 w 12081"/>
+              <a:gd name="T13" fmla="*/ 8193 h 11777"/>
+              <a:gd name="T14" fmla="*/ 281 w 12081"/>
+              <a:gd name="T15" fmla="*/ 4204 h 11777"/>
+              <a:gd name="T16" fmla="*/ 18 w 12081"/>
+              <a:gd name="T17" fmla="*/ 6114 h 11777"/>
+              <a:gd name="T18" fmla="*/ 1751 w 12081"/>
+              <a:gd name="T19" fmla="*/ 4310 h 11777"/>
+              <a:gd name="T20" fmla="*/ 1741 w 12081"/>
+              <a:gd name="T21" fmla="*/ 4270 h 11777"/>
+              <a:gd name="T22" fmla="*/ 281 w 12081"/>
+              <a:gd name="T23" fmla="*/ 4204 h 11777"/>
+              <a:gd name="T24" fmla="*/ 11430 w 12081"/>
+              <a:gd name="T25" fmla="*/ 4381 h 11777"/>
+              <a:gd name="T26" fmla="*/ 9085 w 12081"/>
+              <a:gd name="T27" fmla="*/ 3333 h 11777"/>
+              <a:gd name="T28" fmla="*/ 8785 w 12081"/>
+              <a:gd name="T29" fmla="*/ 3629 h 11777"/>
+              <a:gd name="T30" fmla="*/ 8750 w 12081"/>
+              <a:gd name="T31" fmla="*/ 8110 h 11777"/>
+              <a:gd name="T32" fmla="*/ 8788 w 12081"/>
+              <a:gd name="T33" fmla="*/ 9418 h 11777"/>
+              <a:gd name="T34" fmla="*/ 9128 w 12081"/>
+              <a:gd name="T35" fmla="*/ 10733 h 11777"/>
+              <a:gd name="T36" fmla="*/ 11430 w 12081"/>
+              <a:gd name="T37" fmla="*/ 4381 h 11777"/>
+              <a:gd name="T38" fmla="*/ 7393 w 12081"/>
+              <a:gd name="T39" fmla="*/ 3075 h 11777"/>
+              <a:gd name="T40" fmla="*/ 3427 w 12081"/>
+              <a:gd name="T41" fmla="*/ 3920 h 11777"/>
+              <a:gd name="T42" fmla="*/ 3433 w 12081"/>
+              <a:gd name="T43" fmla="*/ 4089 h 11777"/>
+              <a:gd name="T44" fmla="*/ 8114 w 12081"/>
+              <a:gd name="T45" fmla="*/ 7943 h 11777"/>
+              <a:gd name="T46" fmla="*/ 8210 w 12081"/>
+              <a:gd name="T47" fmla="*/ 7935 h 11777"/>
+              <a:gd name="T48" fmla="*/ 8224 w 12081"/>
+              <a:gd name="T49" fmla="*/ 3725 h 11777"/>
+              <a:gd name="T50" fmla="*/ 7393 w 12081"/>
+              <a:gd name="T51" fmla="*/ 3075 h 11777"/>
+              <a:gd name="T52" fmla="*/ 8203 w 12081"/>
+              <a:gd name="T53" fmla="*/ 2047 h 11777"/>
+              <a:gd name="T54" fmla="*/ 9141 w 12081"/>
+              <a:gd name="T55" fmla="*/ 2762 h 11777"/>
+              <a:gd name="T56" fmla="*/ 11120 w 12081"/>
+              <a:gd name="T57" fmla="*/ 3532 h 11777"/>
+              <a:gd name="T58" fmla="*/ 7037 w 12081"/>
+              <a:gd name="T59" fmla="*/ 257 h 11777"/>
+              <a:gd name="T60" fmla="*/ 8203 w 12081"/>
+              <a:gd name="T61" fmla="*/ 2047 h 11777"/>
+              <a:gd name="T62" fmla="*/ 494 w 12081"/>
+              <a:gd name="T63" fmla="*/ 3633 h 11777"/>
+              <a:gd name="T64" fmla="*/ 1809 w 12081"/>
+              <a:gd name="T65" fmla="*/ 3708 h 11777"/>
+              <a:gd name="T66" fmla="*/ 3160 w 12081"/>
+              <a:gd name="T67" fmla="*/ 3417 h 11777"/>
+              <a:gd name="T68" fmla="*/ 7400 w 12081"/>
+              <a:gd name="T69" fmla="*/ 2510 h 11777"/>
+              <a:gd name="T70" fmla="*/ 7645 w 12081"/>
+              <a:gd name="T71" fmla="*/ 2204 h 11777"/>
+              <a:gd name="T72" fmla="*/ 6159 w 12081"/>
+              <a:gd name="T73" fmla="*/ 141 h 11777"/>
+              <a:gd name="T74" fmla="*/ 494 w 12081"/>
+              <a:gd name="T75" fmla="*/ 3633 h 11777"/>
+              <a:gd name="T76" fmla="*/ 8155 w 12081"/>
+              <a:gd name="T77" fmla="*/ 9658 h 11777"/>
+              <a:gd name="T78" fmla="*/ 6736 w 12081"/>
+              <a:gd name="T79" fmla="*/ 11688 h 11777"/>
+              <a:gd name="T80" fmla="*/ 8607 w 12081"/>
+              <a:gd name="T81" fmla="*/ 11054 h 11777"/>
+              <a:gd name="T82" fmla="*/ 8268 w 12081"/>
+              <a:gd name="T83" fmla="*/ 9654 h 11777"/>
+              <a:gd name="T84" fmla="*/ 8155 w 12081"/>
+              <a:gd name="T85" fmla="*/ 9658 h 11777"/>
+            </a:gdLst>
+            <a:ahLst/>
+            <a:cxnLst>
+              <a:cxn ang="0">
+                <a:pos x="T0" y="T1"/>
+              </a:cxn>
+              <a:cxn ang="0">
+                <a:pos x="T2" y="T3"/>
+              </a:cxn>
+              <a:cxn ang="0">
+                <a:pos x="T4" y="T5"/>
+              </a:cxn>
+              <a:cxn ang="0">
+                <a:pos x="T6" y="T7"/>
+              </a:cxn>
+              <a:cxn ang="0">
+                <a:pos x="T8" y="T9"/>
+              </a:cxn>
+              <a:cxn ang="0">
+                <a:pos x="T10" y="T11"/>
+              </a:cxn>
+              <a:cxn ang="0">
+                <a:pos x="T12" y="T13"/>
+              </a:cxn>
+              <a:cxn ang="0">
+                <a:pos x="T14" y="T15"/>
+              </a:cxn>
+              <a:cxn ang="0">
+                <a:pos x="T16" y="T17"/>
+              </a:cxn>
+              <a:cxn ang="0">
+                <a:pos x="T18" y="T19"/>
+              </a:cxn>
+              <a:cxn ang="0">
+                <a:pos x="T20" y="T21"/>
+              </a:cxn>
+              <a:cxn ang="0">
+                <a:pos x="T22" y="T23"/>
+              </a:cxn>
+              <a:cxn ang="0">
+                <a:pos x="T24" y="T25"/>
+              </a:cxn>
+              <a:cxn ang="0">
+                <a:pos x="T26" y="T27"/>
+              </a:cxn>
+              <a:cxn ang="0">
+                <a:pos x="T28" y="T29"/>
+              </a:cxn>
+              <a:cxn ang="0">
+                <a:pos x="T30" y="T31"/>
+              </a:cxn>
+              <a:cxn ang="0">
+                <a:pos x="T32" y="T33"/>
+              </a:cxn>
+              <a:cxn ang="0">
+                <a:pos x="T34" y="T35"/>
+              </a:cxn>
+              <a:cxn ang="0">
+                <a:pos x="T36" y="T37"/>
+              </a:cxn>
+              <a:cxn ang="0">
+                <a:pos x="T38" y="T39"/>
+              </a:cxn>
+              <a:cxn ang="0">
+                <a:pos x="T40" y="T41"/>
+              </a:cxn>
+              <a:cxn ang="0">
+                <a:pos x="T42" y="T43"/>
+              </a:cxn>
+              <a:cxn ang="0">
+                <a:pos x="T44" y="T45"/>
+              </a:cxn>
+              <a:cxn ang="0">
+                <a:pos x="T46" y="T47"/>
+              </a:cxn>
+              <a:cxn ang="0">
+                <a:pos x="T48" y="T49"/>
+              </a:cxn>
+              <a:cxn ang="0">
+                <a:pos x="T50" y="T51"/>
+              </a:cxn>
+              <a:cxn ang="0">
+                <a:pos x="T52" y="T53"/>
+              </a:cxn>
+              <a:cxn ang="0">
+                <a:pos x="T54" y="T55"/>
+              </a:cxn>
+              <a:cxn ang="0">
+                <a:pos x="T56" y="T57"/>
+              </a:cxn>
+              <a:cxn ang="0">
+                <a:pos x="T58" y="T59"/>
+              </a:cxn>
+              <a:cxn ang="0">
+                <a:pos x="T60" y="T61"/>
+              </a:cxn>
+              <a:cxn ang="0">
+                <a:pos x="T62" y="T63"/>
+              </a:cxn>
+              <a:cxn ang="0">
+                <a:pos x="T64" y="T65"/>
+              </a:cxn>
+              <a:cxn ang="0">
+                <a:pos x="T66" y="T67"/>
+              </a:cxn>
+              <a:cxn ang="0">
+                <a:pos x="T68" y="T69"/>
+              </a:cxn>
+              <a:cxn ang="0">
+                <a:pos x="T70" y="T71"/>
+              </a:cxn>
+              <a:cxn ang="0">
+                <a:pos x="T72" y="T73"/>
+              </a:cxn>
+              <a:cxn ang="0">
+                <a:pos x="T74" y="T75"/>
+              </a:cxn>
+              <a:cxn ang="0">
+                <a:pos x="T76" y="T77"/>
+              </a:cxn>
+              <a:cxn ang="0">
+                <a:pos x="T78" y="T79"/>
+              </a:cxn>
+              <a:cxn ang="0">
+                <a:pos x="T80" y="T81"/>
+              </a:cxn>
+              <a:cxn ang="0">
+                <a:pos x="T82" y="T83"/>
+              </a:cxn>
+              <a:cxn ang="0">
+                <a:pos x="T84" y="T85"/>
+              </a:cxn>
+            </a:cxnLst>
+            <a:rect l="0" t="0" r="r" b="b"/>
+            <a:pathLst>
+              <a:path w="12081" h="11777">
+                <a:moveTo>
+                  <a:pt x="7601" y="8193"/>
+                </a:moveTo>
+                <a:cubicBezTo>
+                  <a:pt x="7234" y="8551"/>
+                  <a:pt x="7244" y="9130"/>
+                  <a:pt x="7620" y="9454"/>
+                </a:cubicBezTo>
+                <a:cubicBezTo>
+                  <a:pt x="7174" y="10326"/>
+                  <a:pt x="6573" y="11106"/>
+                  <a:pt x="5855" y="11759"/>
+                </a:cubicBezTo>
+                <a:cubicBezTo>
+                  <a:pt x="3039" y="11777"/>
+                  <a:pt x="621" y="9754"/>
+                  <a:pt x="113" y="7008"/>
+                </a:cubicBezTo>
+                <a:cubicBezTo>
+                  <a:pt x="626" y="6147"/>
+                  <a:pt x="1296" y="5388"/>
+                  <a:pt x="2082" y="4773"/>
+                </a:cubicBezTo>
+                <a:cubicBezTo>
+                  <a:pt x="2436" y="5012"/>
+                  <a:pt x="2922" y="4944"/>
+                  <a:pt x="3213" y="4614"/>
+                </a:cubicBezTo>
+                <a:cubicBezTo>
+                  <a:pt x="5071" y="5240"/>
+                  <a:pt x="6627" y="6526"/>
+                  <a:pt x="7601" y="8193"/>
+                </a:cubicBezTo>
+                <a:close/>
+                <a:moveTo>
+                  <a:pt x="281" y="4204"/>
+                </a:moveTo>
+                <a:cubicBezTo>
+                  <a:pt x="89" y="4817"/>
+                  <a:pt x="0" y="5457"/>
+                  <a:pt x="18" y="6114"/>
+                </a:cubicBezTo>
+                <a:cubicBezTo>
+                  <a:pt x="504" y="5436"/>
+                  <a:pt x="1082" y="4831"/>
+                  <a:pt x="1751" y="4310"/>
+                </a:cubicBezTo>
+                <a:cubicBezTo>
+                  <a:pt x="1747" y="4297"/>
+                  <a:pt x="1744" y="4283"/>
+                  <a:pt x="1741" y="4270"/>
+                </a:cubicBezTo>
+                <a:cubicBezTo>
+                  <a:pt x="1240" y="4202"/>
+                  <a:pt x="763" y="4182"/>
+                  <a:pt x="281" y="4204"/>
+                </a:cubicBezTo>
+                <a:close/>
+                <a:moveTo>
+                  <a:pt x="11430" y="4381"/>
+                </a:moveTo>
+                <a:cubicBezTo>
+                  <a:pt x="10718" y="3914"/>
+                  <a:pt x="9929" y="3556"/>
+                  <a:pt x="9085" y="3333"/>
+                </a:cubicBezTo>
+                <a:cubicBezTo>
+                  <a:pt x="9017" y="3458"/>
+                  <a:pt x="8913" y="3560"/>
+                  <a:pt x="8785" y="3629"/>
+                </a:cubicBezTo>
+                <a:cubicBezTo>
+                  <a:pt x="9165" y="5093"/>
+                  <a:pt x="9154" y="6649"/>
+                  <a:pt x="8750" y="8110"/>
+                </a:cubicBezTo>
+                <a:cubicBezTo>
+                  <a:pt x="9167" y="8429"/>
+                  <a:pt x="9187" y="9049"/>
+                  <a:pt x="8788" y="9418"/>
+                </a:cubicBezTo>
+                <a:cubicBezTo>
+                  <a:pt x="8936" y="9845"/>
+                  <a:pt x="9049" y="10284"/>
+                  <a:pt x="9128" y="10733"/>
+                </a:cubicBezTo>
+                <a:cubicBezTo>
+                  <a:pt x="11223" y="9287"/>
+                  <a:pt x="12081" y="6717"/>
+                  <a:pt x="11430" y="4381"/>
+                </a:cubicBezTo>
+                <a:close/>
+                <a:moveTo>
+                  <a:pt x="7393" y="3075"/>
+                </a:moveTo>
+                <a:cubicBezTo>
+                  <a:pt x="6012" y="3013"/>
+                  <a:pt x="4653" y="3303"/>
+                  <a:pt x="3427" y="3920"/>
+                </a:cubicBezTo>
+                <a:cubicBezTo>
+                  <a:pt x="3436" y="3985"/>
+                  <a:pt x="3436" y="4037"/>
+                  <a:pt x="3433" y="4089"/>
+                </a:cubicBezTo>
+                <a:cubicBezTo>
+                  <a:pt x="5472" y="4782"/>
+                  <a:pt x="7111" y="6207"/>
+                  <a:pt x="8114" y="7943"/>
+                </a:cubicBezTo>
+                <a:cubicBezTo>
+                  <a:pt x="8148" y="7938"/>
+                  <a:pt x="8173" y="7936"/>
+                  <a:pt x="8210" y="7935"/>
+                </a:cubicBezTo>
+                <a:cubicBezTo>
+                  <a:pt x="8588" y="6562"/>
+                  <a:pt x="8593" y="5103"/>
+                  <a:pt x="8224" y="3725"/>
+                </a:cubicBezTo>
+                <a:cubicBezTo>
+                  <a:pt x="7836" y="3672"/>
+                  <a:pt x="7513" y="3405"/>
+                  <a:pt x="7393" y="3075"/>
+                </a:cubicBezTo>
+                <a:close/>
+                <a:moveTo>
+                  <a:pt x="8203" y="2047"/>
+                </a:moveTo>
+                <a:cubicBezTo>
+                  <a:pt x="8646" y="2068"/>
+                  <a:pt x="9030" y="2376"/>
+                  <a:pt x="9141" y="2762"/>
+                </a:cubicBezTo>
+                <a:cubicBezTo>
+                  <a:pt x="9831" y="2935"/>
+                  <a:pt x="10495" y="3194"/>
+                  <a:pt x="11120" y="3532"/>
+                </a:cubicBezTo>
+                <a:cubicBezTo>
+                  <a:pt x="10365" y="1879"/>
+                  <a:pt x="8858" y="642"/>
+                  <a:pt x="7037" y="257"/>
+                </a:cubicBezTo>
+                <a:cubicBezTo>
+                  <a:pt x="7503" y="808"/>
+                  <a:pt x="7893" y="1409"/>
+                  <a:pt x="8203" y="2047"/>
+                </a:cubicBezTo>
+                <a:close/>
+                <a:moveTo>
+                  <a:pt x="494" y="3633"/>
+                </a:moveTo>
+                <a:cubicBezTo>
+                  <a:pt x="931" y="3625"/>
+                  <a:pt x="1360" y="3648"/>
+                  <a:pt x="1809" y="3708"/>
+                </a:cubicBezTo>
+                <a:cubicBezTo>
+                  <a:pt x="2062" y="3189"/>
+                  <a:pt x="2739" y="3042"/>
+                  <a:pt x="3160" y="3417"/>
+                </a:cubicBezTo>
+                <a:cubicBezTo>
+                  <a:pt x="4500" y="2741"/>
+                  <a:pt x="5962" y="2448"/>
+                  <a:pt x="7400" y="2510"/>
+                </a:cubicBezTo>
+                <a:cubicBezTo>
+                  <a:pt x="7452" y="2387"/>
+                  <a:pt x="7537" y="2283"/>
+                  <a:pt x="7645" y="2204"/>
+                </a:cubicBezTo>
+                <a:cubicBezTo>
+                  <a:pt x="7260" y="1439"/>
+                  <a:pt x="6757" y="743"/>
+                  <a:pt x="6159" y="141"/>
+                </a:cubicBezTo>
+                <a:cubicBezTo>
+                  <a:pt x="3645" y="0"/>
+                  <a:pt x="1434" y="1467"/>
+                  <a:pt x="494" y="3633"/>
+                </a:cubicBezTo>
+                <a:close/>
+                <a:moveTo>
+                  <a:pt x="8155" y="9658"/>
+                </a:moveTo>
+                <a:cubicBezTo>
+                  <a:pt x="7787" y="10392"/>
+                  <a:pt x="7311" y="11075"/>
+                  <a:pt x="6736" y="11688"/>
+                </a:cubicBezTo>
+                <a:cubicBezTo>
+                  <a:pt x="7404" y="11584"/>
+                  <a:pt x="8035" y="11365"/>
+                  <a:pt x="8607" y="11054"/>
+                </a:cubicBezTo>
+                <a:cubicBezTo>
+                  <a:pt x="8536" y="10572"/>
+                  <a:pt x="8421" y="10104"/>
+                  <a:pt x="8268" y="9654"/>
+                </a:cubicBezTo>
+                <a:cubicBezTo>
+                  <a:pt x="8234" y="9657"/>
+                  <a:pt x="8203" y="9659"/>
+                  <a:pt x="8155" y="9658"/>
+                </a:cubicBezTo>
+                <a:close/>
+              </a:path>
+            </a:pathLst>
+          </a:custGeom>
+          <a:solidFill>
+            <a:schemeClr val="tx1"/>
+          </a:solidFill>
+          <a:ln>
+            <a:noFill/>
+          </a:ln>
+        </p:spPr>
+        <p:style>
+          <a:lnRef idx="2">
+            <a:schemeClr val="accent1">
+              <a:shade val="50000"/>
+            </a:schemeClr>
+          </a:lnRef>
+          <a:fillRef idx="1">
+            <a:schemeClr val="accent1"/>
+          </a:fillRef>
+          <a:effectRef idx="0">
+            <a:schemeClr val="accent1"/>
+          </a:effectRef>
+          <a:fontRef idx="minor">
+            <a:schemeClr val="lt1"/>
+          </a:fontRef>
+        </p:style>
+        <p:txBody>
+          <a:bodyPr rot="0" spcFirstLastPara="0" vertOverflow="overflow" horzOverflow="overflow" vert="horz" wrap="square" lIns="91440" tIns="45720" rIns="91440" bIns="45720" numCol="1" spcCol="0" rtlCol="0" fromWordArt="0" anchor="ctr" anchorCtr="0" forceAA="0" compatLnSpc="1">
+            <a:prstTxWarp prst="textNoShape">
+              <a:avLst/>
+            </a:prstTxWarp>
+            <a:noAutofit/>
+          </a:bodyPr>
+          <a:lstStyle/>
+          <a:p>
+            <a:pPr algn="ctr"/>
+            <a:endParaRPr lang="en-GB">
+              <a:solidFill>
+                <a:schemeClr val="lt1"/>
+              </a:solidFill>
+            </a:endParaRPr>
+          </a:p>
+        </p:txBody>
+      </p:sp>
+    </p:spTree>
+  </p:cSld>
+  <p:clrMapOvr>
+    <a:masterClrMapping/>
+  </p:clrMapOvr>
+  <p:timing>
+    <p:tnLst>
+      <p:par>
+        <p:cTn id="1" dur="indefinite" restart="never" nodeType="tmRoot"/>
+      </p:par>
+    </p:tnLst>
+  </p:timing>
+</p:sld>
+</file>
+
+<file path=ppt/slides/slide28.xml><?xml version="1.0" encoding="utf-8"?>
+<p:sld xmlns:a="http://schemas.openxmlformats.org/drawingml/2006/main" xmlns:r="http://schemas.openxmlformats.org/officeDocument/2006/relationships" xmlns:p="http://schemas.openxmlformats.org/presentationml/2006/main">
+  <p:cSld>
+    <p:spTree>
+      <p:nvGrpSpPr>
+        <p:cNvPr id="1" name=""/>
+        <p:cNvGrpSpPr/>
+        <p:nvPr/>
+      </p:nvGrpSpPr>
+      <p:grpSpPr>
+        <a:xfrm>
+          <a:off x="0" y="0"/>
+          <a:ext cx="0" cy="0"/>
+          <a:chOff x="0" y="0"/>
+          <a:chExt cx="0" cy="0"/>
+        </a:xfrm>
+      </p:grpSpPr>
+      <p:sp>
+        <p:nvSpPr>
+          <p:cNvPr id="10" name="Rectangle 9"/>
+          <p:cNvSpPr/>
+          <p:nvPr/>
+        </p:nvSpPr>
+        <p:spPr>
+          <a:xfrm>
+            <a:off x="0" y="0"/>
+            <a:ext cx="5711230" cy="5472608"/>
+          </a:xfrm>
+          <a:prstGeom prst="rect">
+            <a:avLst/>
+          </a:prstGeom>
+          <a:solidFill>
+            <a:schemeClr val="accent5"/>
+          </a:solidFill>
+          <a:ln>
+            <a:noFill/>
+          </a:ln>
+        </p:spPr>
+        <p:style>
+          <a:lnRef idx="2">
+            <a:schemeClr val="accent1">
+              <a:shade val="50000"/>
+            </a:schemeClr>
+          </a:lnRef>
+          <a:fillRef idx="1">
+            <a:schemeClr val="accent1"/>
+          </a:fillRef>
+          <a:effectRef idx="0">
+            <a:schemeClr val="accent1"/>
+          </a:effectRef>
+          <a:fontRef idx="minor">
+            <a:schemeClr val="lt1"/>
+          </a:fontRef>
+        </p:style>
+        <p:txBody>
+          <a:bodyPr rtlCol="0" anchor="ctr"/>
+          <a:lstStyle/>
+          <a:p>
+            <a:pPr algn="ctr"/>
+            <a:r>
+              <a:rPr lang="id-ID" sz="4400" b="1" dirty="0" smtClean="0">
+                <a:solidFill>
+                  <a:schemeClr val="tx1"/>
+                </a:solidFill>
+              </a:rPr>
+              <a:t>DFD</a:t>
+            </a:r>
+            <a:endParaRPr lang="en-GB" sz="4400" b="1" dirty="0">
+              <a:solidFill>
+                <a:schemeClr val="tx1"/>
+              </a:solidFill>
+            </a:endParaRPr>
+          </a:p>
+        </p:txBody>
+      </p:sp>
+      <p:sp>
+        <p:nvSpPr>
+          <p:cNvPr id="2" name="Title 1"/>
+          <p:cNvSpPr>
+            <a:spLocks noGrp="1"/>
+          </p:cNvSpPr>
+          <p:nvPr>
+            <p:ph type="title"/>
+          </p:nvPr>
+        </p:nvSpPr>
+        <p:spPr/>
+        <p:txBody>
+          <a:bodyPr/>
+          <a:lstStyle/>
+          <a:p>
+            <a:r>
+              <a:rPr lang="id-ID" dirty="0" smtClean="0"/>
+              <a:t>B-4. Desain</a:t>
+            </a:r>
+            <a:endParaRPr lang="en-US" dirty="0"/>
+          </a:p>
+        </p:txBody>
+      </p:sp>
+      <p:sp>
+        <p:nvSpPr>
+          <p:cNvPr id="8" name="Rectangle 7"/>
+          <p:cNvSpPr/>
+          <p:nvPr/>
+        </p:nvSpPr>
+        <p:spPr>
+          <a:xfrm>
+            <a:off x="611560" y="1035320"/>
+            <a:ext cx="2376264" cy="445550"/>
+          </a:xfrm>
+          <a:prstGeom prst="rect">
+            <a:avLst/>
+          </a:prstGeom>
+          <a:noFill/>
+          <a:ln>
+            <a:noFill/>
+          </a:ln>
+        </p:spPr>
+        <p:style>
+          <a:lnRef idx="2">
+            <a:schemeClr val="accent1">
+              <a:shade val="50000"/>
+            </a:schemeClr>
+          </a:lnRef>
+          <a:fillRef idx="1">
+            <a:schemeClr val="accent1"/>
+          </a:fillRef>
+          <a:effectRef idx="0">
+            <a:schemeClr val="accent1"/>
+          </a:effectRef>
+          <a:fontRef idx="minor">
+            <a:schemeClr val="lt1"/>
+          </a:fontRef>
+        </p:style>
+        <p:txBody>
+          <a:bodyPr lIns="0" rIns="0" rtlCol="0" anchor="ctr"/>
+          <a:lstStyle/>
+          <a:p>
+            <a:r>
+              <a:rPr lang="en-GB" b="1" dirty="0" smtClean="0">
+                <a:solidFill>
+                  <a:schemeClr val="tx1"/>
+                </a:solidFill>
+              </a:rPr>
+              <a:t>A</a:t>
+            </a:r>
+            <a:r>
+              <a:rPr lang="id-ID" b="1" dirty="0" smtClean="0">
+                <a:solidFill>
+                  <a:schemeClr val="tx1"/>
+                </a:solidFill>
+              </a:rPr>
+              <a:t>-2</a:t>
+            </a:r>
+            <a:r>
+              <a:rPr lang="en-GB" b="1" dirty="0" smtClean="0">
+                <a:solidFill>
+                  <a:schemeClr val="tx1"/>
+                </a:solidFill>
+              </a:rPr>
+              <a:t>. </a:t>
+            </a:r>
+            <a:r>
+              <a:rPr lang="id-ID" b="1" dirty="0" smtClean="0">
+                <a:solidFill>
+                  <a:schemeClr val="tx1"/>
+                </a:solidFill>
+              </a:rPr>
+              <a:t>Alur Aplikasi</a:t>
+            </a:r>
+            <a:endParaRPr lang="en-GB" b="1" dirty="0">
+              <a:solidFill>
+                <a:schemeClr val="tx1"/>
+              </a:solidFill>
+            </a:endParaRPr>
+          </a:p>
+        </p:txBody>
+      </p:sp>
+      <p:sp>
+        <p:nvSpPr>
+          <p:cNvPr id="12" name="Trapezoid 11"/>
+          <p:cNvSpPr/>
+          <p:nvPr/>
+        </p:nvSpPr>
+        <p:spPr>
+          <a:xfrm rot="16200000">
+            <a:off x="2148760" y="-779417"/>
+            <a:ext cx="5349518" cy="8640961"/>
+          </a:xfrm>
+          <a:prstGeom prst="trapezoid">
+            <a:avLst>
+              <a:gd name="adj" fmla="val 0"/>
+            </a:avLst>
+          </a:prstGeom>
+          <a:solidFill>
+            <a:srgbClr val="009F3C"/>
+          </a:solidFill>
+          <a:ln>
+            <a:noFill/>
+          </a:ln>
+        </p:spPr>
+        <p:style>
+          <a:lnRef idx="2">
+            <a:schemeClr val="accent1">
+              <a:shade val="50000"/>
+            </a:schemeClr>
+          </a:lnRef>
+          <a:fillRef idx="1">
+            <a:schemeClr val="accent1"/>
+          </a:fillRef>
+          <a:effectRef idx="0">
+            <a:schemeClr val="accent1"/>
+          </a:effectRef>
+          <a:fontRef idx="minor">
+            <a:schemeClr val="lt1"/>
+          </a:fontRef>
+        </p:style>
+        <p:txBody>
+          <a:bodyPr rtlCol="0" anchor="ctr"/>
+          <a:lstStyle/>
+          <a:p>
+            <a:pPr algn="ctr"/>
+            <a:endParaRPr lang="en-US"/>
+          </a:p>
+        </p:txBody>
+      </p:sp>
+      <p:grpSp>
+        <p:nvGrpSpPr>
+          <p:cNvPr id="13" name="Group 12"/>
+          <p:cNvGrpSpPr/>
+          <p:nvPr/>
+        </p:nvGrpSpPr>
+        <p:grpSpPr>
+          <a:xfrm>
+            <a:off x="153348" y="202288"/>
+            <a:ext cx="8847277" cy="5832648"/>
+            <a:chOff x="139700" y="188640"/>
+            <a:chExt cx="8847277" cy="5832648"/>
+          </a:xfrm>
+        </p:grpSpPr>
+        <p:pic>
+          <p:nvPicPr>
+            <p:cNvPr id="2050" name="Picture 2" descr="C:\Documents and Settings\Feldy\My Documents\Downloads\DFD_Dua.jpg"/>
+            <p:cNvPicPr>
+              <a:picLocks noChangeAspect="1" noChangeArrowheads="1"/>
+            </p:cNvPicPr>
+            <p:nvPr/>
+          </p:nvPicPr>
+          <p:blipFill>
+            <a:blip r:embed="rId2" cstate="print"/>
+            <a:srcRect l="3367" t="8207" r="5726" b="7054"/>
+            <a:stretch>
+              <a:fillRect/>
+            </a:stretch>
+          </p:blipFill>
+          <p:spPr bwMode="auto">
+            <a:xfrm>
+              <a:off x="139700" y="188640"/>
+              <a:ext cx="8847277" cy="5832648"/>
+            </a:xfrm>
+            <a:prstGeom prst="rect">
+              <a:avLst/>
+            </a:prstGeom>
+            <a:noFill/>
+          </p:spPr>
+        </p:pic>
+        <p:sp>
+          <p:nvSpPr>
+            <p:cNvPr id="11" name="Rectangle 10"/>
+            <p:cNvSpPr/>
+            <p:nvPr/>
+          </p:nvSpPr>
+          <p:spPr>
+            <a:xfrm>
+              <a:off x="6960964" y="4653136"/>
+              <a:ext cx="2016224" cy="1368152"/>
+            </a:xfrm>
+            <a:prstGeom prst="rect">
+              <a:avLst/>
+            </a:prstGeom>
+            <a:solidFill>
+              <a:schemeClr val="tx1"/>
+            </a:solidFill>
+            <a:ln>
+              <a:noFill/>
+            </a:ln>
+          </p:spPr>
+          <p:style>
+            <a:lnRef idx="2">
+              <a:schemeClr val="accent1">
+                <a:shade val="50000"/>
+              </a:schemeClr>
+            </a:lnRef>
+            <a:fillRef idx="1">
+              <a:schemeClr val="accent1"/>
+            </a:fillRef>
+            <a:effectRef idx="0">
+              <a:schemeClr val="accent1"/>
+            </a:effectRef>
+            <a:fontRef idx="minor">
+              <a:schemeClr val="lt1"/>
+            </a:fontRef>
+          </p:style>
+          <p:txBody>
+            <a:bodyPr rtlCol="0" anchor="ctr"/>
+            <a:lstStyle/>
+            <a:p>
+              <a:pPr algn="ctr"/>
+              <a:endParaRPr lang="en-US"/>
+            </a:p>
+          </p:txBody>
+        </p:sp>
+      </p:grpSp>
+      <p:sp>
+        <p:nvSpPr>
+          <p:cNvPr id="14" name="TextBox 13"/>
+          <p:cNvSpPr txBox="1"/>
+          <p:nvPr/>
+        </p:nvSpPr>
+        <p:spPr>
+          <a:xfrm>
+            <a:off x="5796136" y="4941168"/>
+            <a:ext cx="2592288" cy="400110"/>
+          </a:xfrm>
+          <a:prstGeom prst="rect">
+            <a:avLst/>
+          </a:prstGeom>
+          <a:noFill/>
+        </p:spPr>
+        <p:txBody>
+          <a:bodyPr wrap="square" rtlCol="0">
+            <a:spAutoFit/>
+          </a:bodyPr>
+          <a:lstStyle/>
+          <a:p>
+            <a:r>
+              <a:rPr lang="id-ID" sz="2000" b="1" dirty="0" smtClean="0">
+                <a:solidFill>
+                  <a:schemeClr val="accent5"/>
+                </a:solidFill>
+                <a:latin typeface="+mj-lt"/>
+                <a:cs typeface="Aharoni" pitchFamily="2" charset="-79"/>
+              </a:rPr>
+              <a:t>A-2. Alur Aplikasi</a:t>
+            </a:r>
+            <a:endParaRPr lang="en-GB" sz="2000" b="1" dirty="0">
+              <a:solidFill>
+                <a:schemeClr val="accent5"/>
+              </a:solidFill>
+              <a:latin typeface="+mj-lt"/>
+              <a:cs typeface="Aharoni" pitchFamily="2" charset="-79"/>
+            </a:endParaRPr>
+          </a:p>
+        </p:txBody>
+      </p:sp>
+    </p:spTree>
+  </p:cSld>
+  <p:clrMapOvr>
+    <a:masterClrMapping/>
+  </p:clrMapOvr>
+  <p:timing>
+    <p:tnLst>
+      <p:par>
+        <p:cTn id="1" dur="indefinite" restart="never" nodeType="tmRoot"/>
+      </p:par>
+    </p:tnLst>
+  </p:timing>
+</p:sld>
+</file>
+
+<file path=ppt/slides/slide29.xml><?xml version="1.0" encoding="utf-8"?>
+<p:sld xmlns:a="http://schemas.openxmlformats.org/drawingml/2006/main" xmlns:r="http://schemas.openxmlformats.org/officeDocument/2006/relationships" xmlns:p="http://schemas.openxmlformats.org/presentationml/2006/main">
+  <p:cSld>
+    <p:spTree>
+      <p:nvGrpSpPr>
+        <p:cNvPr id="1" name=""/>
+        <p:cNvGrpSpPr/>
+        <p:nvPr/>
+      </p:nvGrpSpPr>
+      <p:grpSpPr>
+        <a:xfrm>
+          <a:off x="0" y="0"/>
+          <a:ext cx="0" cy="0"/>
+          <a:chOff x="0" y="0"/>
+          <a:chExt cx="0" cy="0"/>
+        </a:xfrm>
+      </p:grpSpPr>
+      <p:pic>
+        <p:nvPicPr>
+          <p:cNvPr id="3075" name="Picture 3" descr="C:\xampp\htdocs\pgn\doc\contoh_gantt\Model Data\rr.png"/>
           <p:cNvPicPr>
             <a:picLocks noChangeAspect="1" noChangeArrowheads="1"/>
           </p:cNvPicPr>
@@ -30609,8 +32019,8 @@
         </p:blipFill>
         <p:spPr bwMode="auto">
           <a:xfrm>
-            <a:off x="2123728" y="4869160"/>
-            <a:ext cx="1080120" cy="1080120"/>
+            <a:off x="179512" y="188639"/>
+            <a:ext cx="8712968" cy="5976665"/>
           </a:xfrm>
           <a:prstGeom prst="rect">
             <a:avLst/>
@@ -30618,6 +32028,202 @@
           <a:noFill/>
         </p:spPr>
       </p:pic>
+      <p:sp>
+        <p:nvSpPr>
+          <p:cNvPr id="2" name="Title 1"/>
+          <p:cNvSpPr>
+            <a:spLocks noGrp="1"/>
+          </p:cNvSpPr>
+          <p:nvPr>
+            <p:ph type="title"/>
+          </p:nvPr>
+        </p:nvSpPr>
+        <p:spPr>
+          <a:xfrm>
+            <a:off x="251520" y="5157192"/>
+            <a:ext cx="4824536" cy="581570"/>
+          </a:xfrm>
+        </p:spPr>
+        <p:txBody>
+          <a:bodyPr>
+            <a:noAutofit/>
+          </a:bodyPr>
+          <a:lstStyle/>
+          <a:p>
+            <a:r>
+              <a:rPr lang="id-ID" sz="3600" b="1" dirty="0" smtClean="0"/>
+              <a:t>B-</a:t>
+            </a:r>
+            <a:r>
+              <a:rPr lang="en-US" sz="3600" b="1" dirty="0" smtClean="0"/>
+              <a:t> </a:t>
+            </a:r>
+            <a:r>
+              <a:rPr lang="id-ID" sz="3600" b="1" dirty="0" smtClean="0"/>
+              <a:t>4</a:t>
+            </a:r>
+            <a:r>
+              <a:rPr lang="id-ID" sz="3600" b="1" dirty="0" smtClean="0"/>
+              <a:t>. Desain</a:t>
+            </a:r>
+            <a:endParaRPr lang="en-US" sz="3600" b="1" dirty="0"/>
+          </a:p>
+        </p:txBody>
+      </p:sp>
+      <p:sp>
+        <p:nvSpPr>
+          <p:cNvPr id="8" name="Rectangle 7"/>
+          <p:cNvSpPr/>
+          <p:nvPr/>
+        </p:nvSpPr>
+        <p:spPr>
+          <a:xfrm>
+            <a:off x="395536" y="5733256"/>
+            <a:ext cx="2952328" cy="445550"/>
+          </a:xfrm>
+          <a:prstGeom prst="rect">
+            <a:avLst/>
+          </a:prstGeom>
+          <a:noFill/>
+          <a:ln>
+            <a:noFill/>
+          </a:ln>
+        </p:spPr>
+        <p:style>
+          <a:lnRef idx="2">
+            <a:schemeClr val="accent1">
+              <a:shade val="50000"/>
+            </a:schemeClr>
+          </a:lnRef>
+          <a:fillRef idx="1">
+            <a:schemeClr val="accent1"/>
+          </a:fillRef>
+          <a:effectRef idx="0">
+            <a:schemeClr val="accent1"/>
+          </a:effectRef>
+          <a:fontRef idx="minor">
+            <a:schemeClr val="lt1"/>
+          </a:fontRef>
+        </p:style>
+        <p:txBody>
+          <a:bodyPr lIns="0" rIns="0" rtlCol="0" anchor="ctr"/>
+          <a:lstStyle/>
+          <a:p>
+            <a:r>
+              <a:rPr lang="id-ID" b="1" dirty="0" smtClean="0">
+                <a:solidFill>
+                  <a:srgbClr val="002060"/>
+                </a:solidFill>
+              </a:rPr>
+              <a:t>B-1</a:t>
+            </a:r>
+            <a:r>
+              <a:rPr lang="en-GB" b="1" dirty="0" smtClean="0">
+                <a:solidFill>
+                  <a:srgbClr val="002060"/>
+                </a:solidFill>
+              </a:rPr>
+              <a:t>. </a:t>
+            </a:r>
+            <a:r>
+              <a:rPr lang="id-ID" b="1" dirty="0" smtClean="0">
+                <a:solidFill>
+                  <a:srgbClr val="002060"/>
+                </a:solidFill>
+              </a:rPr>
+              <a:t>Database Design</a:t>
+            </a:r>
+          </a:p>
+        </p:txBody>
+      </p:sp>
+      <p:pic>
+        <p:nvPicPr>
+          <p:cNvPr id="10" name="Picture 9"/>
+          <p:cNvPicPr>
+            <a:picLocks noChangeAspect="1"/>
+          </p:cNvPicPr>
+          <p:nvPr/>
+        </p:nvPicPr>
+        <p:blipFill>
+          <a:blip r:embed="rId3" cstate="print">
+            <a:extLst>
+              <a:ext uri="{28A0092B-C50C-407E-A947-70E740481C1C}">
+                <a14:useLocalDpi xmlns:a14="http://schemas.microsoft.com/office/drawing/2010/main" xmlns="" val="0"/>
+              </a:ext>
+            </a:extLst>
+          </a:blip>
+          <a:stretch>
+            <a:fillRect/>
+          </a:stretch>
+        </p:blipFill>
+        <p:spPr>
+          <a:xfrm>
+            <a:off x="2764221" y="5760553"/>
+            <a:ext cx="379576" cy="365518"/>
+          </a:xfrm>
+          <a:prstGeom prst="rect">
+            <a:avLst/>
+          </a:prstGeom>
+        </p:spPr>
+      </p:pic>
+      <p:sp>
+        <p:nvSpPr>
+          <p:cNvPr id="11" name="Rectangle 10"/>
+          <p:cNvSpPr/>
+          <p:nvPr/>
+        </p:nvSpPr>
+        <p:spPr>
+          <a:xfrm>
+            <a:off x="3131840" y="5760552"/>
+            <a:ext cx="1944216" cy="364623"/>
+          </a:xfrm>
+          <a:prstGeom prst="rect">
+            <a:avLst/>
+          </a:prstGeom>
+          <a:solidFill>
+            <a:srgbClr val="009F3C"/>
+          </a:solidFill>
+          <a:ln>
+            <a:noFill/>
+          </a:ln>
+        </p:spPr>
+        <p:style>
+          <a:lnRef idx="2">
+            <a:schemeClr val="accent1">
+              <a:shade val="50000"/>
+            </a:schemeClr>
+          </a:lnRef>
+          <a:fillRef idx="1">
+            <a:schemeClr val="accent1"/>
+          </a:fillRef>
+          <a:effectRef idx="0">
+            <a:schemeClr val="accent1"/>
+          </a:effectRef>
+          <a:fontRef idx="minor">
+            <a:schemeClr val="lt1"/>
+          </a:fontRef>
+        </p:style>
+        <p:txBody>
+          <a:bodyPr rtlCol="0" anchor="ctr"/>
+          <a:lstStyle/>
+          <a:p>
+            <a:pPr algn="ctr"/>
+            <a:r>
+              <a:rPr lang="id-ID" sz="1400" dirty="0" smtClean="0">
+                <a:solidFill>
+                  <a:schemeClr val="tx1"/>
+                </a:solidFill>
+              </a:rPr>
+              <a:t>Click Me For Detail !</a:t>
+            </a:r>
+            <a:endParaRPr lang="en-GB" sz="1400" dirty="0">
+              <a:solidFill>
+                <a:schemeClr val="tx1"/>
+              </a:solidFill>
+            </a:endParaRPr>
+          </a:p>
+        </p:txBody>
+      </p:sp>
     </p:spTree>
   </p:cSld>
   <p:clrMapOvr>
@@ -31358,6 +32964,3136 @@
         <p14:creationId xmlns="" xmlns:p14="http://schemas.microsoft.com/office/powerpoint/2010/main" val="801267067"/>
       </p:ext>
     </p:extLst>
+  </p:cSld>
+  <p:clrMapOvr>
+    <a:masterClrMapping/>
+  </p:clrMapOvr>
+  <p:timing>
+    <p:tnLst>
+      <p:par>
+        <p:cTn id="1" dur="indefinite" restart="never" nodeType="tmRoot"/>
+      </p:par>
+    </p:tnLst>
+  </p:timing>
+</p:sld>
+</file>
+
+<file path=ppt/slides/slide30.xml><?xml version="1.0" encoding="utf-8"?>
+<p:sld xmlns:a="http://schemas.openxmlformats.org/drawingml/2006/main" xmlns:r="http://schemas.openxmlformats.org/officeDocument/2006/relationships" xmlns:p="http://schemas.openxmlformats.org/presentationml/2006/main">
+  <p:cSld>
+    <p:spTree>
+      <p:nvGrpSpPr>
+        <p:cNvPr id="1" name=""/>
+        <p:cNvGrpSpPr/>
+        <p:nvPr/>
+      </p:nvGrpSpPr>
+      <p:grpSpPr>
+        <a:xfrm>
+          <a:off x="0" y="0"/>
+          <a:ext cx="0" cy="0"/>
+          <a:chOff x="0" y="0"/>
+          <a:chExt cx="0" cy="0"/>
+        </a:xfrm>
+      </p:grpSpPr>
+      <p:sp>
+        <p:nvSpPr>
+          <p:cNvPr id="21" name="Rectangle 20"/>
+          <p:cNvSpPr>
+            <a:spLocks/>
+          </p:cNvSpPr>
+          <p:nvPr/>
+        </p:nvSpPr>
+        <p:spPr>
+          <a:xfrm>
+            <a:off x="5220072" y="1196752"/>
+            <a:ext cx="3456384" cy="2044799"/>
+          </a:xfrm>
+          <a:prstGeom prst="rect">
+            <a:avLst/>
+          </a:prstGeom>
+          <a:solidFill>
+            <a:srgbClr val="F58D01"/>
+          </a:solidFill>
+          <a:ln>
+            <a:noFill/>
+          </a:ln>
+        </p:spPr>
+        <p:style>
+          <a:lnRef idx="2">
+            <a:schemeClr val="accent1">
+              <a:shade val="50000"/>
+            </a:schemeClr>
+          </a:lnRef>
+          <a:fillRef idx="1">
+            <a:schemeClr val="accent1"/>
+          </a:fillRef>
+          <a:effectRef idx="0">
+            <a:schemeClr val="accent1"/>
+          </a:effectRef>
+          <a:fontRef idx="minor">
+            <a:schemeClr val="lt1"/>
+          </a:fontRef>
+        </p:style>
+        <p:txBody>
+          <a:bodyPr rtlCol="0" anchor="ctr"/>
+          <a:lstStyle/>
+          <a:p>
+            <a:pPr algn="ctr"/>
+            <a:endParaRPr lang="en-GB"/>
+          </a:p>
+        </p:txBody>
+      </p:sp>
+      <p:sp>
+        <p:nvSpPr>
+          <p:cNvPr id="7" name="Title 6"/>
+          <p:cNvSpPr>
+            <a:spLocks noGrp="1"/>
+          </p:cNvSpPr>
+          <p:nvPr>
+            <p:ph type="title"/>
+          </p:nvPr>
+        </p:nvSpPr>
+        <p:spPr/>
+        <p:txBody>
+          <a:bodyPr/>
+          <a:lstStyle/>
+          <a:p>
+            <a:r>
+              <a:rPr lang="id-ID" dirty="0" smtClean="0"/>
+              <a:t>B-5. Pengkodean</a:t>
+            </a:r>
+            <a:endParaRPr lang="en-US" dirty="0"/>
+          </a:p>
+        </p:txBody>
+      </p:sp>
+      <p:pic>
+        <p:nvPicPr>
+          <p:cNvPr id="1026" name="Picture 2" descr="C:\xampp\htdocs\pgn\doc\ppt_new\doc_pendukung\mvc.gif"/>
+          <p:cNvPicPr>
+            <a:picLocks noChangeAspect="1" noChangeArrowheads="1"/>
+          </p:cNvPicPr>
+          <p:nvPr/>
+        </p:nvPicPr>
+        <p:blipFill>
+          <a:blip r:embed="rId2" cstate="print"/>
+          <a:srcRect/>
+          <a:stretch>
+            <a:fillRect/>
+          </a:stretch>
+        </p:blipFill>
+        <p:spPr bwMode="auto">
+          <a:xfrm>
+            <a:off x="5333024" y="3284984"/>
+            <a:ext cx="3343275" cy="2867025"/>
+          </a:xfrm>
+          <a:prstGeom prst="rect">
+            <a:avLst/>
+          </a:prstGeom>
+          <a:noFill/>
+        </p:spPr>
+      </p:pic>
+      <p:sp>
+        <p:nvSpPr>
+          <p:cNvPr id="18" name="Rectangle 17"/>
+          <p:cNvSpPr>
+            <a:spLocks/>
+          </p:cNvSpPr>
+          <p:nvPr/>
+        </p:nvSpPr>
+        <p:spPr>
+          <a:xfrm>
+            <a:off x="467544" y="1196752"/>
+            <a:ext cx="4824536" cy="4968552"/>
+          </a:xfrm>
+          <a:prstGeom prst="rect">
+            <a:avLst/>
+          </a:prstGeom>
+          <a:solidFill>
+            <a:srgbClr val="F58D01"/>
+          </a:solidFill>
+          <a:ln>
+            <a:noFill/>
+          </a:ln>
+        </p:spPr>
+        <p:style>
+          <a:lnRef idx="2">
+            <a:schemeClr val="accent1">
+              <a:shade val="50000"/>
+            </a:schemeClr>
+          </a:lnRef>
+          <a:fillRef idx="1">
+            <a:schemeClr val="accent1"/>
+          </a:fillRef>
+          <a:effectRef idx="0">
+            <a:schemeClr val="accent1"/>
+          </a:effectRef>
+          <a:fontRef idx="minor">
+            <a:schemeClr val="lt1"/>
+          </a:fontRef>
+        </p:style>
+        <p:txBody>
+          <a:bodyPr rtlCol="0" anchor="ctr"/>
+          <a:lstStyle/>
+          <a:p>
+            <a:pPr algn="ctr"/>
+            <a:endParaRPr lang="en-GB"/>
+          </a:p>
+        </p:txBody>
+      </p:sp>
+      <p:pic>
+        <p:nvPicPr>
+          <p:cNvPr id="1027" name="Picture 3" descr="C:\Documents and Settings\Feldy\My Documents\Downloads\windows8_icons\Programming_File_Types\html\html-512.png"/>
+          <p:cNvPicPr>
+            <a:picLocks noChangeAspect="1" noChangeArrowheads="1"/>
+          </p:cNvPicPr>
+          <p:nvPr/>
+        </p:nvPicPr>
+        <p:blipFill>
+          <a:blip r:embed="rId3" cstate="print"/>
+          <a:srcRect/>
+          <a:stretch>
+            <a:fillRect/>
+          </a:stretch>
+        </p:blipFill>
+        <p:spPr bwMode="auto">
+          <a:xfrm rot="20707894">
+            <a:off x="581077" y="4005644"/>
+            <a:ext cx="1296144" cy="1296144"/>
+          </a:xfrm>
+          <a:prstGeom prst="rect">
+            <a:avLst/>
+          </a:prstGeom>
+          <a:noFill/>
+        </p:spPr>
+      </p:pic>
+      <p:pic>
+        <p:nvPicPr>
+          <p:cNvPr id="1028" name="Picture 4" descr="C:\Documents and Settings\Feldy\My Documents\Downloads\windows8_icons\Programming_File_Types\php\php-512.png"/>
+          <p:cNvPicPr>
+            <a:picLocks noChangeAspect="1" noChangeArrowheads="1"/>
+          </p:cNvPicPr>
+          <p:nvPr/>
+        </p:nvPicPr>
+        <p:blipFill>
+          <a:blip r:embed="rId4" cstate="print"/>
+          <a:srcRect/>
+          <a:stretch>
+            <a:fillRect/>
+          </a:stretch>
+        </p:blipFill>
+        <p:spPr bwMode="auto">
+          <a:xfrm rot="544308">
+            <a:off x="1836031" y="5085519"/>
+            <a:ext cx="996702" cy="996702"/>
+          </a:xfrm>
+          <a:prstGeom prst="rect">
+            <a:avLst/>
+          </a:prstGeom>
+          <a:noFill/>
+        </p:spPr>
+      </p:pic>
+      <p:pic>
+        <p:nvPicPr>
+          <p:cNvPr id="1029" name="Picture 5" descr="C:\Documents and Settings\Feldy\My Documents\Downloads\windows8_icons\Programming_File_Types\css\css-512.png"/>
+          <p:cNvPicPr>
+            <a:picLocks noChangeAspect="1" noChangeArrowheads="1"/>
+          </p:cNvPicPr>
+          <p:nvPr/>
+        </p:nvPicPr>
+        <p:blipFill>
+          <a:blip r:embed="rId5" cstate="print"/>
+          <a:srcRect/>
+          <a:stretch>
+            <a:fillRect/>
+          </a:stretch>
+        </p:blipFill>
+        <p:spPr bwMode="auto">
+          <a:xfrm rot="20350400">
+            <a:off x="4355976" y="3861048"/>
+            <a:ext cx="643211" cy="643211"/>
+          </a:xfrm>
+          <a:prstGeom prst="rect">
+            <a:avLst/>
+          </a:prstGeom>
+          <a:noFill/>
+        </p:spPr>
+      </p:pic>
+      <p:pic>
+        <p:nvPicPr>
+          <p:cNvPr id="1030" name="Picture 6" descr="C:\Documents and Settings\Feldy\My Documents\Downloads\windows8_icons\Programming_File_Types\js\js-512.png"/>
+          <p:cNvPicPr>
+            <a:picLocks noChangeAspect="1" noChangeArrowheads="1"/>
+          </p:cNvPicPr>
+          <p:nvPr/>
+        </p:nvPicPr>
+        <p:blipFill>
+          <a:blip r:embed="rId6" cstate="print"/>
+          <a:srcRect/>
+          <a:stretch>
+            <a:fillRect/>
+          </a:stretch>
+        </p:blipFill>
+        <p:spPr bwMode="auto">
+          <a:xfrm>
+            <a:off x="2987824" y="4509120"/>
+            <a:ext cx="1512167" cy="1512167"/>
+          </a:xfrm>
+          <a:prstGeom prst="rect">
+            <a:avLst/>
+          </a:prstGeom>
+          <a:noFill/>
+        </p:spPr>
+      </p:pic>
+      <p:sp>
+        <p:nvSpPr>
+          <p:cNvPr id="17" name="Content Placeholder 13"/>
+          <p:cNvSpPr txBox="1">
+            <a:spLocks/>
+          </p:cNvSpPr>
+          <p:nvPr/>
+        </p:nvSpPr>
+        <p:spPr>
+          <a:xfrm>
+            <a:off x="72008" y="1268760"/>
+            <a:ext cx="8676456" cy="3168352"/>
+          </a:xfrm>
+          <a:prstGeom prst="rect">
+            <a:avLst/>
+          </a:prstGeom>
+        </p:spPr>
+        <p:txBody>
+          <a:bodyPr/>
+          <a:lstStyle>
+            <a:lvl1pPr marL="342900" indent="-342900" algn="l" defTabSz="914400" rtl="0" eaLnBrk="1" latinLnBrk="0" hangingPunct="1">
+              <a:spcBef>
+                <a:spcPct val="20000"/>
+              </a:spcBef>
+              <a:buFont typeface="Arial" pitchFamily="34" charset="0"/>
+              <a:buChar char="•"/>
+              <a:defRPr sz="2800" kern="1200">
+                <a:solidFill>
+                  <a:schemeClr val="tx1"/>
+                </a:solidFill>
+                <a:latin typeface="+mn-lt"/>
+                <a:ea typeface="+mn-ea"/>
+                <a:cs typeface="+mn-cs"/>
+              </a:defRPr>
+            </a:lvl1pPr>
+            <a:lvl2pPr marL="742950" indent="-285750" algn="l" defTabSz="914400" rtl="0" eaLnBrk="1" latinLnBrk="0" hangingPunct="1">
+              <a:spcBef>
+                <a:spcPct val="20000"/>
+              </a:spcBef>
+              <a:buFont typeface="Arial" pitchFamily="34" charset="0"/>
+              <a:buChar char="–"/>
+              <a:defRPr sz="2400" kern="1200">
+                <a:solidFill>
+                  <a:schemeClr val="tx1"/>
+                </a:solidFill>
+                <a:latin typeface="+mn-lt"/>
+                <a:ea typeface="+mn-ea"/>
+                <a:cs typeface="+mn-cs"/>
+              </a:defRPr>
+            </a:lvl2pPr>
+            <a:lvl3pPr marL="1143000" indent="-228600" algn="l" defTabSz="914400" rtl="0" eaLnBrk="1" latinLnBrk="0" hangingPunct="1">
+              <a:spcBef>
+                <a:spcPct val="20000"/>
+              </a:spcBef>
+              <a:buFont typeface="Arial" pitchFamily="34" charset="0"/>
+              <a:buChar char="•"/>
+              <a:defRPr sz="2000" kern="1200">
+                <a:solidFill>
+                  <a:schemeClr val="tx1"/>
+                </a:solidFill>
+                <a:latin typeface="+mn-lt"/>
+                <a:ea typeface="+mn-ea"/>
+                <a:cs typeface="+mn-cs"/>
+              </a:defRPr>
+            </a:lvl3pPr>
+            <a:lvl4pPr marL="1600200" indent="-228600" algn="l" defTabSz="914400" rtl="0" eaLnBrk="1" latinLnBrk="0" hangingPunct="1">
+              <a:spcBef>
+                <a:spcPct val="20000"/>
+              </a:spcBef>
+              <a:buFont typeface="Arial" pitchFamily="34" charset="0"/>
+              <a:buChar char="–"/>
+              <a:defRPr sz="1800" kern="1200">
+                <a:solidFill>
+                  <a:schemeClr val="tx1"/>
+                </a:solidFill>
+                <a:latin typeface="+mn-lt"/>
+                <a:ea typeface="+mn-ea"/>
+                <a:cs typeface="+mn-cs"/>
+              </a:defRPr>
+            </a:lvl4pPr>
+            <a:lvl5pPr marL="2057400" indent="-228600" algn="l" defTabSz="914400" rtl="0" eaLnBrk="1" latinLnBrk="0" hangingPunct="1">
+              <a:spcBef>
+                <a:spcPct val="20000"/>
+              </a:spcBef>
+              <a:buFont typeface="Arial" pitchFamily="34" charset="0"/>
+              <a:buChar char="»"/>
+              <a:defRPr sz="1800" kern="1200">
+                <a:solidFill>
+                  <a:schemeClr val="tx1"/>
+                </a:solidFill>
+                <a:latin typeface="+mn-lt"/>
+                <a:ea typeface="+mn-ea"/>
+                <a:cs typeface="+mn-cs"/>
+              </a:defRPr>
+            </a:lvl5pPr>
+            <a:lvl6pPr marL="2514600" indent="-228600" algn="l" defTabSz="914400" rtl="0" eaLnBrk="1" latinLnBrk="0" hangingPunct="1">
+              <a:spcBef>
+                <a:spcPct val="20000"/>
+              </a:spcBef>
+              <a:buFont typeface="Arial" pitchFamily="34" charset="0"/>
+              <a:buChar char="•"/>
+              <a:defRPr sz="2000" kern="1200">
+                <a:solidFill>
+                  <a:schemeClr val="tx1"/>
+                </a:solidFill>
+                <a:latin typeface="+mn-lt"/>
+                <a:ea typeface="+mn-ea"/>
+                <a:cs typeface="+mn-cs"/>
+              </a:defRPr>
+            </a:lvl6pPr>
+            <a:lvl7pPr marL="2971800" indent="-228600" algn="l" defTabSz="914400" rtl="0" eaLnBrk="1" latinLnBrk="0" hangingPunct="1">
+              <a:spcBef>
+                <a:spcPct val="20000"/>
+              </a:spcBef>
+              <a:buFont typeface="Arial" pitchFamily="34" charset="0"/>
+              <a:buChar char="•"/>
+              <a:defRPr sz="2000" kern="1200">
+                <a:solidFill>
+                  <a:schemeClr val="tx1"/>
+                </a:solidFill>
+                <a:latin typeface="+mn-lt"/>
+                <a:ea typeface="+mn-ea"/>
+                <a:cs typeface="+mn-cs"/>
+              </a:defRPr>
+            </a:lvl7pPr>
+            <a:lvl8pPr marL="3429000" indent="-228600" algn="l" defTabSz="914400" rtl="0" eaLnBrk="1" latinLnBrk="0" hangingPunct="1">
+              <a:spcBef>
+                <a:spcPct val="20000"/>
+              </a:spcBef>
+              <a:buFont typeface="Arial" pitchFamily="34" charset="0"/>
+              <a:buChar char="•"/>
+              <a:defRPr sz="2000" kern="1200">
+                <a:solidFill>
+                  <a:schemeClr val="tx1"/>
+                </a:solidFill>
+                <a:latin typeface="+mn-lt"/>
+                <a:ea typeface="+mn-ea"/>
+                <a:cs typeface="+mn-cs"/>
+              </a:defRPr>
+            </a:lvl8pPr>
+            <a:lvl9pPr marL="3886200" indent="-228600" algn="l" defTabSz="914400" rtl="0" eaLnBrk="1" latinLnBrk="0" hangingPunct="1">
+              <a:spcBef>
+                <a:spcPct val="20000"/>
+              </a:spcBef>
+              <a:buFont typeface="Arial" pitchFamily="34" charset="0"/>
+              <a:buChar char="•"/>
+              <a:defRPr sz="2000" kern="1200">
+                <a:solidFill>
+                  <a:schemeClr val="tx1"/>
+                </a:solidFill>
+                <a:latin typeface="+mn-lt"/>
+                <a:ea typeface="+mn-ea"/>
+                <a:cs typeface="+mn-cs"/>
+              </a:defRPr>
+            </a:lvl9pPr>
+          </a:lstStyle>
+          <a:p>
+            <a:pPr>
+              <a:buNone/>
+            </a:pPr>
+            <a:r>
+              <a:rPr lang="en-US" sz="1800" dirty="0" smtClean="0">
+                <a:solidFill>
+                  <a:schemeClr val="bg1">
+                    <a:lumMod val="50000"/>
+                  </a:schemeClr>
+                </a:solidFill>
+              </a:rPr>
+              <a:t>	</a:t>
+            </a:r>
+            <a:r>
+              <a:rPr lang="id-ID" sz="1800" dirty="0" smtClean="0">
+                <a:solidFill>
+                  <a:schemeClr val="bg1">
+                    <a:lumMod val="50000"/>
+                  </a:schemeClr>
+                </a:solidFill>
+              </a:rPr>
+              <a:t>Kami </a:t>
+            </a:r>
+            <a:r>
+              <a:rPr lang="id-ID" sz="1800" dirty="0" smtClean="0">
+                <a:solidFill>
+                  <a:schemeClr val="bg1">
+                    <a:lumMod val="50000"/>
+                  </a:schemeClr>
+                </a:solidFill>
+              </a:rPr>
+              <a:t>Menggunakan konsep MVC (Model, View, Controller) pada aplikasi </a:t>
+            </a:r>
+            <a:r>
+              <a:rPr lang="id-ID" sz="1800" dirty="0" smtClean="0">
+                <a:solidFill>
+                  <a:schemeClr val="bg1">
+                    <a:lumMod val="50000"/>
+                  </a:schemeClr>
+                </a:solidFill>
+              </a:rPr>
+              <a:t>y</a:t>
+            </a:r>
+            <a:r>
+              <a:rPr lang="en-US" sz="1800" dirty="0" smtClean="0">
+                <a:solidFill>
+                  <a:schemeClr val="bg1">
+                    <a:lumMod val="50000"/>
+                  </a:schemeClr>
+                </a:solidFill>
+              </a:rPr>
+              <a:t>an</a:t>
+            </a:r>
+            <a:r>
+              <a:rPr lang="id-ID" sz="1800" dirty="0" smtClean="0">
+                <a:solidFill>
+                  <a:schemeClr val="bg1">
+                    <a:lumMod val="50000"/>
+                  </a:schemeClr>
+                </a:solidFill>
+              </a:rPr>
+              <a:t>g </a:t>
+            </a:r>
+            <a:r>
+              <a:rPr lang="id-ID" sz="1800" dirty="0" smtClean="0">
+                <a:solidFill>
+                  <a:schemeClr val="bg1">
+                    <a:lumMod val="50000"/>
+                  </a:schemeClr>
+                </a:solidFill>
+              </a:rPr>
+              <a:t>kami </a:t>
+            </a:r>
+            <a:r>
+              <a:rPr lang="id-ID" sz="1800" dirty="0" smtClean="0">
+                <a:solidFill>
+                  <a:schemeClr val="bg1">
+                    <a:lumMod val="50000"/>
+                  </a:schemeClr>
+                </a:solidFill>
+              </a:rPr>
+              <a:t>buat.</a:t>
+            </a:r>
+            <a:r>
+              <a:rPr lang="en-US" sz="1800" dirty="0" smtClean="0">
+                <a:solidFill>
+                  <a:schemeClr val="bg1">
+                    <a:lumMod val="50000"/>
+                  </a:schemeClr>
+                </a:solidFill>
+              </a:rPr>
+              <a:t> </a:t>
+            </a:r>
+            <a:r>
+              <a:rPr lang="id-ID" sz="1800" dirty="0" smtClean="0">
+                <a:solidFill>
+                  <a:schemeClr val="bg1">
+                    <a:lumMod val="50000"/>
+                  </a:schemeClr>
+                </a:solidFill>
+              </a:rPr>
+              <a:t>Adapun Berbagai Bahasa Pemograman </a:t>
+            </a:r>
+            <a:r>
+              <a:rPr lang="id-ID" sz="1800" dirty="0" smtClean="0">
+                <a:solidFill>
+                  <a:schemeClr val="bg1">
+                    <a:lumMod val="50000"/>
+                  </a:schemeClr>
+                </a:solidFill>
+              </a:rPr>
+              <a:t>yang kami gunakan yaitu</a:t>
+            </a:r>
+            <a:r>
+              <a:rPr lang="id-ID" sz="1800" dirty="0" smtClean="0">
+                <a:solidFill>
+                  <a:schemeClr val="bg1">
+                    <a:lumMod val="50000"/>
+                  </a:schemeClr>
+                </a:solidFill>
+              </a:rPr>
+              <a:t>:</a:t>
+            </a:r>
+            <a:endParaRPr lang="id-ID" sz="1800" dirty="0" smtClean="0">
+              <a:solidFill>
+                <a:schemeClr val="bg1">
+                  <a:lumMod val="50000"/>
+                </a:schemeClr>
+              </a:solidFill>
+            </a:endParaRPr>
+          </a:p>
+          <a:p>
+            <a:pPr lvl="1"/>
+            <a:r>
+              <a:rPr lang="id-ID" sz="2000" dirty="0" smtClean="0">
+                <a:solidFill>
+                  <a:schemeClr val="bg1">
+                    <a:lumMod val="50000"/>
+                  </a:schemeClr>
+                </a:solidFill>
+              </a:rPr>
+              <a:t> </a:t>
+            </a:r>
+            <a:r>
+              <a:rPr lang="id-ID" sz="1600" dirty="0" smtClean="0">
+                <a:solidFill>
+                  <a:schemeClr val="bg1">
+                    <a:lumMod val="50000"/>
+                  </a:schemeClr>
+                </a:solidFill>
+              </a:rPr>
+              <a:t>HTML</a:t>
+            </a:r>
+          </a:p>
+          <a:p>
+            <a:pPr lvl="1"/>
+            <a:r>
+              <a:rPr lang="en-GB" sz="1600" dirty="0" smtClean="0">
+                <a:solidFill>
+                  <a:schemeClr val="bg1">
+                    <a:lumMod val="50000"/>
+                  </a:schemeClr>
+                </a:solidFill>
+              </a:rPr>
+              <a:t> </a:t>
+            </a:r>
+            <a:r>
+              <a:rPr lang="en-GB" sz="1600" dirty="0" smtClean="0">
+                <a:solidFill>
+                  <a:schemeClr val="bg1">
+                    <a:lumMod val="50000"/>
+                  </a:schemeClr>
+                </a:solidFill>
+              </a:rPr>
+              <a:t>PHP (Hypertext </a:t>
+            </a:r>
+            <a:r>
+              <a:rPr lang="en-GB" sz="1600" dirty="0" err="1" smtClean="0">
+                <a:solidFill>
+                  <a:schemeClr val="bg1">
+                    <a:lumMod val="50000"/>
+                  </a:schemeClr>
+                </a:solidFill>
+              </a:rPr>
+              <a:t>Preprocessor</a:t>
+            </a:r>
+            <a:r>
+              <a:rPr lang="en-GB" sz="1600" dirty="0" smtClean="0">
+                <a:solidFill>
+                  <a:schemeClr val="bg1">
+                    <a:lumMod val="50000"/>
+                  </a:schemeClr>
+                </a:solidFill>
+              </a:rPr>
+              <a:t>) </a:t>
+            </a:r>
+            <a:r>
+              <a:rPr lang="en-GB" sz="1600" dirty="0" err="1" smtClean="0">
+                <a:solidFill>
+                  <a:schemeClr val="bg1">
+                    <a:lumMod val="50000"/>
+                  </a:schemeClr>
+                </a:solidFill>
+              </a:rPr>
+              <a:t>Sebagai</a:t>
+            </a:r>
+            <a:r>
+              <a:rPr lang="en-GB" sz="1600" dirty="0" smtClean="0">
+                <a:solidFill>
+                  <a:schemeClr val="bg1">
+                    <a:lumMod val="50000"/>
+                  </a:schemeClr>
+                </a:solidFill>
+              </a:rPr>
+              <a:t> Scripting </a:t>
+            </a:r>
+            <a:r>
+              <a:rPr lang="en-GB" sz="1600" dirty="0" err="1" smtClean="0">
+                <a:solidFill>
+                  <a:schemeClr val="bg1">
+                    <a:lumMod val="50000"/>
+                  </a:schemeClr>
+                </a:solidFill>
+              </a:rPr>
+              <a:t>di</a:t>
+            </a:r>
+            <a:r>
+              <a:rPr lang="en-GB" sz="1600" dirty="0" smtClean="0">
+                <a:solidFill>
+                  <a:schemeClr val="bg1">
+                    <a:lumMod val="50000"/>
+                  </a:schemeClr>
+                </a:solidFill>
+              </a:rPr>
+              <a:t> </a:t>
+            </a:r>
+            <a:r>
+              <a:rPr lang="en-GB" sz="1600" dirty="0" err="1" smtClean="0">
+                <a:solidFill>
+                  <a:schemeClr val="bg1">
+                    <a:lumMod val="50000"/>
+                  </a:schemeClr>
+                </a:solidFill>
+              </a:rPr>
+              <a:t>sisi</a:t>
+            </a:r>
+            <a:r>
+              <a:rPr lang="en-GB" sz="1600" dirty="0" smtClean="0">
+                <a:solidFill>
+                  <a:schemeClr val="bg1">
+                    <a:lumMod val="50000"/>
+                  </a:schemeClr>
+                </a:solidFill>
+              </a:rPr>
+              <a:t> Service/Backend</a:t>
+            </a:r>
+          </a:p>
+          <a:p>
+            <a:pPr lvl="1"/>
+            <a:r>
+              <a:rPr lang="id-ID" sz="1600" dirty="0" smtClean="0">
+                <a:solidFill>
+                  <a:schemeClr val="bg1">
+                    <a:lumMod val="50000"/>
+                  </a:schemeClr>
+                </a:solidFill>
+              </a:rPr>
+              <a:t> </a:t>
+            </a:r>
+            <a:r>
+              <a:rPr lang="id-ID" sz="1600" dirty="0" smtClean="0">
+                <a:solidFill>
+                  <a:schemeClr val="bg1">
+                    <a:lumMod val="50000"/>
+                  </a:schemeClr>
+                </a:solidFill>
+              </a:rPr>
+              <a:t>Framework Javascript Dojo sebagai source untuk membantu pembuatan</a:t>
+            </a:r>
+            <a:r>
+              <a:rPr lang="en-US" sz="1600" dirty="0" smtClean="0">
+                <a:solidFill>
+                  <a:schemeClr val="bg1">
+                    <a:lumMod val="50000"/>
+                  </a:schemeClr>
+                </a:solidFill>
+              </a:rPr>
+              <a:t> </a:t>
+            </a:r>
+            <a:r>
+              <a:rPr lang="id-ID" sz="1600" dirty="0" smtClean="0">
+                <a:solidFill>
+                  <a:schemeClr val="bg1">
+                    <a:lumMod val="50000"/>
+                  </a:schemeClr>
+                </a:solidFill>
+              </a:rPr>
+              <a:t>desain User Interfaces</a:t>
+            </a:r>
+          </a:p>
+          <a:p>
+            <a:pPr lvl="1"/>
+            <a:r>
+              <a:rPr lang="id-ID" sz="1600" dirty="0" smtClean="0">
+                <a:solidFill>
+                  <a:schemeClr val="bg1">
+                    <a:lumMod val="50000"/>
+                  </a:schemeClr>
+                </a:solidFill>
+              </a:rPr>
+              <a:t> </a:t>
+            </a:r>
+            <a:r>
+              <a:rPr lang="id-ID" sz="1600" dirty="0" smtClean="0">
+                <a:solidFill>
+                  <a:schemeClr val="bg1">
+                    <a:lumMod val="50000"/>
+                  </a:schemeClr>
+                </a:solidFill>
+              </a:rPr>
+              <a:t>Mysql sebagai database</a:t>
+            </a:r>
+            <a:endParaRPr lang="en-US" sz="1600" dirty="0">
+              <a:solidFill>
+                <a:schemeClr val="bg1">
+                  <a:lumMod val="50000"/>
+                </a:schemeClr>
+              </a:solidFill>
+            </a:endParaRPr>
+          </a:p>
+        </p:txBody>
+      </p:sp>
+    </p:spTree>
+  </p:cSld>
+  <p:clrMapOvr>
+    <a:masterClrMapping/>
+  </p:clrMapOvr>
+  <p:timing>
+    <p:tnLst>
+      <p:par>
+        <p:cTn id="1" dur="indefinite" restart="never" nodeType="tmRoot"/>
+      </p:par>
+    </p:tnLst>
+  </p:timing>
+</p:sld>
+</file>
+
+<file path=ppt/slides/slide31.xml><?xml version="1.0" encoding="utf-8"?>
+<p:sld xmlns:a="http://schemas.openxmlformats.org/drawingml/2006/main" xmlns:r="http://schemas.openxmlformats.org/officeDocument/2006/relationships" xmlns:p="http://schemas.openxmlformats.org/presentationml/2006/main">
+  <p:cSld>
+    <p:spTree>
+      <p:nvGrpSpPr>
+        <p:cNvPr id="1" name=""/>
+        <p:cNvGrpSpPr/>
+        <p:nvPr/>
+      </p:nvGrpSpPr>
+      <p:grpSpPr>
+        <a:xfrm>
+          <a:off x="0" y="0"/>
+          <a:ext cx="0" cy="0"/>
+          <a:chOff x="0" y="0"/>
+          <a:chExt cx="0" cy="0"/>
+        </a:xfrm>
+      </p:grpSpPr>
+      <p:sp>
+        <p:nvSpPr>
+          <p:cNvPr id="7" name="Title 6"/>
+          <p:cNvSpPr>
+            <a:spLocks noGrp="1"/>
+          </p:cNvSpPr>
+          <p:nvPr>
+            <p:ph type="title"/>
+          </p:nvPr>
+        </p:nvSpPr>
+        <p:spPr>
+          <a:xfrm>
+            <a:off x="395536" y="332656"/>
+            <a:ext cx="8229600" cy="850106"/>
+          </a:xfrm>
+        </p:spPr>
+        <p:txBody>
+          <a:bodyPr/>
+          <a:lstStyle/>
+          <a:p>
+            <a:r>
+              <a:rPr lang="id-ID" dirty="0" smtClean="0"/>
+              <a:t>B-</a:t>
+            </a:r>
+            <a:r>
+              <a:rPr lang="en-US" dirty="0" smtClean="0"/>
+              <a:t>6</a:t>
+            </a:r>
+            <a:r>
+              <a:rPr lang="id-ID" dirty="0" smtClean="0"/>
+              <a:t>. </a:t>
+            </a:r>
+            <a:r>
+              <a:rPr lang="en-US" dirty="0" err="1" smtClean="0"/>
+              <a:t>Pengujian</a:t>
+            </a:r>
+            <a:endParaRPr lang="en-US" dirty="0"/>
+          </a:p>
+        </p:txBody>
+      </p:sp>
+      <p:sp>
+        <p:nvSpPr>
+          <p:cNvPr id="9" name="Rectangle 8"/>
+          <p:cNvSpPr/>
+          <p:nvPr/>
+        </p:nvSpPr>
+        <p:spPr>
+          <a:xfrm>
+            <a:off x="467544" y="1556792"/>
+            <a:ext cx="6840760" cy="4248472"/>
+          </a:xfrm>
+          <a:prstGeom prst="rect">
+            <a:avLst/>
+          </a:prstGeom>
+          <a:solidFill>
+            <a:srgbClr val="4BACC6"/>
+          </a:solidFill>
+          <a:ln>
+            <a:noFill/>
+          </a:ln>
+        </p:spPr>
+        <p:style>
+          <a:lnRef idx="2">
+            <a:schemeClr val="accent1">
+              <a:shade val="50000"/>
+            </a:schemeClr>
+          </a:lnRef>
+          <a:fillRef idx="1">
+            <a:schemeClr val="accent1"/>
+          </a:fillRef>
+          <a:effectRef idx="0">
+            <a:schemeClr val="accent1"/>
+          </a:effectRef>
+          <a:fontRef idx="minor">
+            <a:schemeClr val="lt1"/>
+          </a:fontRef>
+        </p:style>
+        <p:txBody>
+          <a:bodyPr rtlCol="0" anchor="ctr"/>
+          <a:lstStyle/>
+          <a:p>
+            <a:pPr algn="ctr"/>
+            <a:endParaRPr lang="en-US"/>
+          </a:p>
+        </p:txBody>
+      </p:sp>
+      <p:sp>
+        <p:nvSpPr>
+          <p:cNvPr id="12" name="Flowchart: Manual Operation 11"/>
+          <p:cNvSpPr/>
+          <p:nvPr/>
+        </p:nvSpPr>
+        <p:spPr>
+          <a:xfrm rot="5400000">
+            <a:off x="2118354" y="-248782"/>
+            <a:ext cx="5051307" cy="8064896"/>
+          </a:xfrm>
+          <a:prstGeom prst="flowChartManualOperation">
+            <a:avLst/>
+          </a:prstGeom>
+          <a:solidFill>
+            <a:srgbClr val="009F3C"/>
+          </a:solidFill>
+          <a:ln>
+            <a:noFill/>
+          </a:ln>
+        </p:spPr>
+        <p:style>
+          <a:lnRef idx="2">
+            <a:schemeClr val="accent1">
+              <a:shade val="50000"/>
+            </a:schemeClr>
+          </a:lnRef>
+          <a:fillRef idx="1">
+            <a:schemeClr val="accent1"/>
+          </a:fillRef>
+          <a:effectRef idx="0">
+            <a:schemeClr val="accent1"/>
+          </a:effectRef>
+          <a:fontRef idx="minor">
+            <a:schemeClr val="lt1"/>
+          </a:fontRef>
+        </p:style>
+        <p:txBody>
+          <a:bodyPr rtlCol="0" anchor="ctr"/>
+          <a:lstStyle/>
+          <a:p>
+            <a:pPr algn="ctr"/>
+            <a:endParaRPr lang="en-US" dirty="0"/>
+          </a:p>
+        </p:txBody>
+      </p:sp>
+      <p:sp>
+        <p:nvSpPr>
+          <p:cNvPr id="13" name="Flowchart: Manual Operation 12"/>
+          <p:cNvSpPr/>
+          <p:nvPr/>
+        </p:nvSpPr>
+        <p:spPr>
+          <a:xfrm rot="5400000">
+            <a:off x="2262370" y="-8101"/>
+            <a:ext cx="4763278" cy="7605032"/>
+          </a:xfrm>
+          <a:prstGeom prst="flowChartManualOperation">
+            <a:avLst/>
+          </a:prstGeom>
+          <a:solidFill>
+            <a:schemeClr val="bg1">
+              <a:lumMod val="75000"/>
+            </a:schemeClr>
+          </a:solidFill>
+          <a:ln>
+            <a:noFill/>
+          </a:ln>
+        </p:spPr>
+        <p:style>
+          <a:lnRef idx="2">
+            <a:schemeClr val="accent1">
+              <a:shade val="50000"/>
+            </a:schemeClr>
+          </a:lnRef>
+          <a:fillRef idx="1">
+            <a:schemeClr val="accent1"/>
+          </a:fillRef>
+          <a:effectRef idx="0">
+            <a:schemeClr val="accent1"/>
+          </a:effectRef>
+          <a:fontRef idx="minor">
+            <a:schemeClr val="lt1"/>
+          </a:fontRef>
+        </p:style>
+        <p:txBody>
+          <a:bodyPr rtlCol="0" anchor="ctr"/>
+          <a:lstStyle/>
+          <a:p>
+            <a:pPr algn="ctr"/>
+            <a:endParaRPr lang="en-US" dirty="0"/>
+          </a:p>
+        </p:txBody>
+      </p:sp>
+      <p:sp>
+        <p:nvSpPr>
+          <p:cNvPr id="16" name="TextBox 15"/>
+          <p:cNvSpPr txBox="1"/>
+          <p:nvPr/>
+        </p:nvSpPr>
+        <p:spPr>
+          <a:xfrm>
+            <a:off x="899592" y="2420888"/>
+            <a:ext cx="7776864" cy="1077218"/>
+          </a:xfrm>
+          <a:prstGeom prst="rect">
+            <a:avLst/>
+          </a:prstGeom>
+          <a:noFill/>
+        </p:spPr>
+        <p:txBody>
+          <a:bodyPr wrap="square" rtlCol="0">
+            <a:spAutoFit/>
+          </a:bodyPr>
+          <a:lstStyle/>
+          <a:p>
+            <a:r>
+              <a:rPr lang="id-ID" sz="1600" dirty="0" smtClean="0"/>
+              <a:t>1. PENGUJIAN UNIT</a:t>
+            </a:r>
+            <a:br>
+              <a:rPr lang="id-ID" sz="1600" dirty="0" smtClean="0"/>
+            </a:br>
+            <a:r>
+              <a:rPr lang="id-ID" sz="1600" dirty="0" smtClean="0"/>
+              <a:t>Unit testing (uji coba unit) fokusnya pada usaha verifikasi pada unit terkecil dari desain perangkat lunak, yakni modul. Uji coba unit selalu berorientasi pada white box testing dan dapat dikerjakan paralel atau beruntun dengan modul lainnya.</a:t>
+            </a:r>
+            <a:endParaRPr lang="en-US" sz="1600" dirty="0"/>
+          </a:p>
+        </p:txBody>
+      </p:sp>
+      <p:sp>
+        <p:nvSpPr>
+          <p:cNvPr id="8" name="TextBox 7"/>
+          <p:cNvSpPr txBox="1"/>
+          <p:nvPr/>
+        </p:nvSpPr>
+        <p:spPr>
+          <a:xfrm>
+            <a:off x="899592" y="3645024"/>
+            <a:ext cx="7776864" cy="1077218"/>
+          </a:xfrm>
+          <a:prstGeom prst="rect">
+            <a:avLst/>
+          </a:prstGeom>
+          <a:noFill/>
+        </p:spPr>
+        <p:txBody>
+          <a:bodyPr wrap="square" rtlCol="0">
+            <a:spAutoFit/>
+          </a:bodyPr>
+          <a:lstStyle/>
+          <a:p>
+            <a:r>
+              <a:rPr lang="id-ID" sz="1600" dirty="0" smtClean="0"/>
+              <a:t>2. PENGUJIAN INTEGRASI</a:t>
+            </a:r>
+            <a:br>
+              <a:rPr lang="id-ID" sz="1600" dirty="0" smtClean="0"/>
+            </a:br>
+            <a:r>
+              <a:rPr lang="id-ID" sz="1600" dirty="0" smtClean="0"/>
+              <a:t>Pengujian terintegrasi adalah teknik yg sistematis untuk penyusunan struktur program, pada saat bersamaan dikerjakan uji coba untuk memeriksa kesalahan yg nantinya digabungkan dengan interface.</a:t>
+            </a:r>
+            <a:endParaRPr lang="en-US" sz="1600" dirty="0"/>
+          </a:p>
+        </p:txBody>
+      </p:sp>
+      <p:sp>
+        <p:nvSpPr>
+          <p:cNvPr id="11" name="Flowchart: Manual Operation 10"/>
+          <p:cNvSpPr/>
+          <p:nvPr/>
+        </p:nvSpPr>
+        <p:spPr>
+          <a:xfrm rot="5400000">
+            <a:off x="6627868" y="4253452"/>
+            <a:ext cx="1339881" cy="2139249"/>
+          </a:xfrm>
+          <a:prstGeom prst="flowChartManualOperation">
+            <a:avLst/>
+          </a:prstGeom>
+          <a:solidFill>
+            <a:srgbClr val="FF0000"/>
+          </a:solidFill>
+          <a:ln>
+            <a:noFill/>
+          </a:ln>
+        </p:spPr>
+        <p:style>
+          <a:lnRef idx="2">
+            <a:schemeClr val="accent1">
+              <a:shade val="50000"/>
+            </a:schemeClr>
+          </a:lnRef>
+          <a:fillRef idx="1">
+            <a:schemeClr val="accent1"/>
+          </a:fillRef>
+          <a:effectRef idx="0">
+            <a:schemeClr val="accent1"/>
+          </a:effectRef>
+          <a:fontRef idx="minor">
+            <a:schemeClr val="lt1"/>
+          </a:fontRef>
+        </p:style>
+        <p:txBody>
+          <a:bodyPr rtlCol="0" anchor="ctr"/>
+          <a:lstStyle/>
+          <a:p>
+            <a:pPr algn="ctr"/>
+            <a:endParaRPr lang="en-US" dirty="0"/>
+          </a:p>
+        </p:txBody>
+      </p:sp>
+      <p:pic>
+        <p:nvPicPr>
+          <p:cNvPr id="2050" name="Picture 2" descr="C:\Documents and Settings\Feldy\My Documents\Downloads\windows8_icons\Sciences_Classes\test_tube\test_tube-512.png"/>
+          <p:cNvPicPr>
+            <a:picLocks noChangeAspect="1" noChangeArrowheads="1"/>
+          </p:cNvPicPr>
+          <p:nvPr/>
+        </p:nvPicPr>
+        <p:blipFill>
+          <a:blip r:embed="rId2" cstate="print"/>
+          <a:srcRect/>
+          <a:stretch>
+            <a:fillRect/>
+          </a:stretch>
+        </p:blipFill>
+        <p:spPr bwMode="auto">
+          <a:xfrm>
+            <a:off x="7308304" y="4797152"/>
+            <a:ext cx="1008112" cy="1008112"/>
+          </a:xfrm>
+          <a:prstGeom prst="rect">
+            <a:avLst/>
+          </a:prstGeom>
+          <a:noFill/>
+        </p:spPr>
+      </p:pic>
+    </p:spTree>
+  </p:cSld>
+  <p:clrMapOvr>
+    <a:masterClrMapping/>
+  </p:clrMapOvr>
+  <p:timing>
+    <p:tnLst>
+      <p:par>
+        <p:cTn id="1" dur="indefinite" restart="never" nodeType="tmRoot"/>
+      </p:par>
+    </p:tnLst>
+  </p:timing>
+</p:sld>
+</file>
+
+<file path=ppt/slides/slide32.xml><?xml version="1.0" encoding="utf-8"?>
+<p:sld xmlns:a="http://schemas.openxmlformats.org/drawingml/2006/main" xmlns:r="http://schemas.openxmlformats.org/officeDocument/2006/relationships" xmlns:p="http://schemas.openxmlformats.org/presentationml/2006/main">
+  <p:cSld>
+    <p:spTree>
+      <p:nvGrpSpPr>
+        <p:cNvPr id="1" name=""/>
+        <p:cNvGrpSpPr/>
+        <p:nvPr/>
+      </p:nvGrpSpPr>
+      <p:grpSpPr>
+        <a:xfrm>
+          <a:off x="0" y="0"/>
+          <a:ext cx="0" cy="0"/>
+          <a:chOff x="0" y="0"/>
+          <a:chExt cx="0" cy="0"/>
+        </a:xfrm>
+      </p:grpSpPr>
+      <p:sp>
+        <p:nvSpPr>
+          <p:cNvPr id="7" name="Title 6"/>
+          <p:cNvSpPr>
+            <a:spLocks noGrp="1"/>
+          </p:cNvSpPr>
+          <p:nvPr>
+            <p:ph type="title"/>
+          </p:nvPr>
+        </p:nvSpPr>
+        <p:spPr>
+          <a:xfrm>
+            <a:off x="395536" y="332656"/>
+            <a:ext cx="8229600" cy="850106"/>
+          </a:xfrm>
+        </p:spPr>
+        <p:txBody>
+          <a:bodyPr/>
+          <a:lstStyle/>
+          <a:p>
+            <a:r>
+              <a:rPr lang="id-ID" dirty="0" smtClean="0"/>
+              <a:t>B-7. Customer Evaluation</a:t>
+            </a:r>
+            <a:endParaRPr lang="en-US" dirty="0"/>
+          </a:p>
+        </p:txBody>
+      </p:sp>
+      <p:sp>
+        <p:nvSpPr>
+          <p:cNvPr id="9" name="Rectangle 8"/>
+          <p:cNvSpPr/>
+          <p:nvPr/>
+        </p:nvSpPr>
+        <p:spPr>
+          <a:xfrm flipH="1">
+            <a:off x="1794752" y="1700808"/>
+            <a:ext cx="6840760" cy="4248472"/>
+          </a:xfrm>
+          <a:prstGeom prst="rect">
+            <a:avLst/>
+          </a:prstGeom>
+          <a:solidFill>
+            <a:srgbClr val="009F3C"/>
+          </a:solidFill>
+          <a:ln>
+            <a:noFill/>
+          </a:ln>
+        </p:spPr>
+        <p:style>
+          <a:lnRef idx="2">
+            <a:schemeClr val="accent1">
+              <a:shade val="50000"/>
+            </a:schemeClr>
+          </a:lnRef>
+          <a:fillRef idx="1">
+            <a:schemeClr val="accent1"/>
+          </a:fillRef>
+          <a:effectRef idx="0">
+            <a:schemeClr val="accent1"/>
+          </a:effectRef>
+          <a:fontRef idx="minor">
+            <a:schemeClr val="lt1"/>
+          </a:fontRef>
+        </p:style>
+        <p:txBody>
+          <a:bodyPr rtlCol="0" anchor="ctr"/>
+          <a:lstStyle/>
+          <a:p>
+            <a:pPr algn="ctr"/>
+            <a:endParaRPr lang="en-US"/>
+          </a:p>
+        </p:txBody>
+      </p:sp>
+      <p:sp>
+        <p:nvSpPr>
+          <p:cNvPr id="12" name="Flowchart: Manual Operation 11"/>
+          <p:cNvSpPr/>
+          <p:nvPr/>
+        </p:nvSpPr>
+        <p:spPr>
+          <a:xfrm rot="5400000" flipV="1">
+            <a:off x="1918254" y="-264704"/>
+            <a:ext cx="5051307" cy="8096742"/>
+          </a:xfrm>
+          <a:prstGeom prst="flowChartManualOperation">
+            <a:avLst/>
+          </a:prstGeom>
+          <a:solidFill>
+            <a:srgbClr val="4BACC6"/>
+          </a:solidFill>
+          <a:ln>
+            <a:noFill/>
+          </a:ln>
+        </p:spPr>
+        <p:style>
+          <a:lnRef idx="2">
+            <a:schemeClr val="accent1">
+              <a:shade val="50000"/>
+            </a:schemeClr>
+          </a:lnRef>
+          <a:fillRef idx="1">
+            <a:schemeClr val="accent1"/>
+          </a:fillRef>
+          <a:effectRef idx="0">
+            <a:schemeClr val="accent1"/>
+          </a:effectRef>
+          <a:fontRef idx="minor">
+            <a:schemeClr val="lt1"/>
+          </a:fontRef>
+        </p:style>
+        <p:txBody>
+          <a:bodyPr rtlCol="0" anchor="ctr"/>
+          <a:lstStyle/>
+          <a:p>
+            <a:pPr algn="ctr"/>
+            <a:endParaRPr lang="en-US" dirty="0"/>
+          </a:p>
+        </p:txBody>
+      </p:sp>
+      <p:sp>
+        <p:nvSpPr>
+          <p:cNvPr id="13" name="Flowchart: Manual Operation 12"/>
+          <p:cNvSpPr/>
+          <p:nvPr/>
+        </p:nvSpPr>
+        <p:spPr>
+          <a:xfrm rot="5400000" flipV="1">
+            <a:off x="2062270" y="-23114"/>
+            <a:ext cx="4763278" cy="7635058"/>
+          </a:xfrm>
+          <a:prstGeom prst="flowChartManualOperation">
+            <a:avLst/>
+          </a:prstGeom>
+          <a:solidFill>
+            <a:schemeClr val="bg1">
+              <a:lumMod val="75000"/>
+            </a:schemeClr>
+          </a:solidFill>
+          <a:ln>
+            <a:noFill/>
+          </a:ln>
+        </p:spPr>
+        <p:style>
+          <a:lnRef idx="2">
+            <a:schemeClr val="accent1">
+              <a:shade val="50000"/>
+            </a:schemeClr>
+          </a:lnRef>
+          <a:fillRef idx="1">
+            <a:schemeClr val="accent1"/>
+          </a:fillRef>
+          <a:effectRef idx="0">
+            <a:schemeClr val="accent1"/>
+          </a:effectRef>
+          <a:fontRef idx="minor">
+            <a:schemeClr val="lt1"/>
+          </a:fontRef>
+        </p:style>
+        <p:txBody>
+          <a:bodyPr rtlCol="0" anchor="ctr"/>
+          <a:lstStyle/>
+          <a:p>
+            <a:pPr algn="ctr"/>
+            <a:endParaRPr lang="en-US" dirty="0"/>
+          </a:p>
+        </p:txBody>
+      </p:sp>
+      <p:sp>
+        <p:nvSpPr>
+          <p:cNvPr id="11" name="Flowchart: Manual Operation 10"/>
+          <p:cNvSpPr/>
+          <p:nvPr/>
+        </p:nvSpPr>
+        <p:spPr>
+          <a:xfrm rot="5400000" flipV="1">
+            <a:off x="1159483" y="4321238"/>
+            <a:ext cx="1339881" cy="2147694"/>
+          </a:xfrm>
+          <a:prstGeom prst="flowChartManualOperation">
+            <a:avLst/>
+          </a:prstGeom>
+          <a:solidFill>
+            <a:srgbClr val="FF0000"/>
+          </a:solidFill>
+          <a:ln>
+            <a:noFill/>
+          </a:ln>
+        </p:spPr>
+        <p:style>
+          <a:lnRef idx="2">
+            <a:schemeClr val="accent1">
+              <a:shade val="50000"/>
+            </a:schemeClr>
+          </a:lnRef>
+          <a:fillRef idx="1">
+            <a:schemeClr val="accent1"/>
+          </a:fillRef>
+          <a:effectRef idx="0">
+            <a:schemeClr val="accent1"/>
+          </a:effectRef>
+          <a:fontRef idx="minor">
+            <a:schemeClr val="lt1"/>
+          </a:fontRef>
+        </p:style>
+        <p:txBody>
+          <a:bodyPr rtlCol="0" anchor="ctr"/>
+          <a:lstStyle/>
+          <a:p>
+            <a:pPr algn="ctr"/>
+            <a:endParaRPr lang="en-US" dirty="0"/>
+          </a:p>
+        </p:txBody>
+      </p:sp>
+      <p:sp>
+        <p:nvSpPr>
+          <p:cNvPr id="10" name="TextBox 9"/>
+          <p:cNvSpPr txBox="1"/>
+          <p:nvPr/>
+        </p:nvSpPr>
+        <p:spPr>
+          <a:xfrm>
+            <a:off x="611560" y="2467922"/>
+            <a:ext cx="7776864" cy="2185214"/>
+          </a:xfrm>
+          <a:prstGeom prst="rect">
+            <a:avLst/>
+          </a:prstGeom>
+          <a:noFill/>
+        </p:spPr>
+        <p:txBody>
+          <a:bodyPr wrap="square" rtlCol="0">
+            <a:spAutoFit/>
+          </a:bodyPr>
+          <a:lstStyle/>
+          <a:p>
+            <a:r>
+              <a:rPr lang="id-ID" sz="1600" dirty="0" smtClean="0"/>
+              <a:t>Pada tahap ini adalah tahap sebelum finalisasi(cutt off) dilakukan. Dalam proses costumer evaluation management akan dihadapkan dengan perubahan permintaan (</a:t>
+            </a:r>
+            <a:r>
+              <a:rPr lang="id-ID" sz="1600" i="1" dirty="0" smtClean="0"/>
+              <a:t>change request</a:t>
+            </a:r>
+            <a:r>
+              <a:rPr lang="id-ID" sz="1600" dirty="0" smtClean="0"/>
+              <a:t>) yang terjadi sebelum finalisasi (</a:t>
+            </a:r>
+            <a:r>
+              <a:rPr lang="id-ID" sz="1600" i="1" dirty="0" smtClean="0"/>
+              <a:t>cut off</a:t>
+            </a:r>
+            <a:r>
+              <a:rPr lang="id-ID" sz="1600" dirty="0" smtClean="0"/>
+              <a:t>).</a:t>
+            </a:r>
+          </a:p>
+          <a:p>
+            <a:endParaRPr lang="id-ID" sz="1600" dirty="0" smtClean="0"/>
+          </a:p>
+          <a:p>
+            <a:r>
+              <a:rPr lang="id-ID" sz="1600" dirty="0" smtClean="0"/>
+              <a:t>Adapun perubahan yang terjadi dalam proses </a:t>
+            </a:r>
+            <a:r>
+              <a:rPr lang="id-ID" sz="1600" dirty="0" smtClean="0"/>
+              <a:t>customer evaluation </a:t>
+            </a:r>
+            <a:r>
+              <a:rPr lang="id-ID" sz="1600" dirty="0" smtClean="0"/>
+              <a:t>adalah :</a:t>
+            </a:r>
+          </a:p>
+          <a:p>
+            <a:r>
+              <a:rPr lang="id-ID" sz="1600" dirty="0" smtClean="0"/>
+              <a:t>	- Perubahan Desain</a:t>
+            </a:r>
+          </a:p>
+          <a:p>
+            <a:r>
+              <a:rPr lang="id-ID" sz="1600" dirty="0" smtClean="0"/>
+              <a:t>	- Perubahan fungsi &amp; kegunaan</a:t>
+            </a:r>
+          </a:p>
+          <a:p>
+            <a:endParaRPr lang="en-US" sz="2000" dirty="0"/>
+          </a:p>
+        </p:txBody>
+      </p:sp>
+      <p:pic>
+        <p:nvPicPr>
+          <p:cNvPr id="3074" name="Picture 2" descr="C:\Documents and Settings\Feldy\My Documents\Downloads\windows8_icons\Emoticons\happy\happy-128.png"/>
+          <p:cNvPicPr>
+            <a:picLocks noChangeAspect="1" noChangeArrowheads="1"/>
+          </p:cNvPicPr>
+          <p:nvPr/>
+        </p:nvPicPr>
+        <p:blipFill>
+          <a:blip r:embed="rId2" cstate="print"/>
+          <a:srcRect/>
+          <a:stretch>
+            <a:fillRect/>
+          </a:stretch>
+        </p:blipFill>
+        <p:spPr bwMode="auto">
+          <a:xfrm>
+            <a:off x="1043608" y="5013176"/>
+            <a:ext cx="798041" cy="798041"/>
+          </a:xfrm>
+          <a:prstGeom prst="rect">
+            <a:avLst/>
+          </a:prstGeom>
+          <a:noFill/>
+        </p:spPr>
+      </p:pic>
+    </p:spTree>
+  </p:cSld>
+  <p:clrMapOvr>
+    <a:masterClrMapping/>
+  </p:clrMapOvr>
+  <p:timing>
+    <p:tnLst>
+      <p:par>
+        <p:cTn id="1" dur="indefinite" restart="never" nodeType="tmRoot"/>
+      </p:par>
+    </p:tnLst>
+  </p:timing>
+</p:sld>
+</file>
+
+<file path=ppt/slides/slide33.xml><?xml version="1.0" encoding="utf-8"?>
+<p:sld xmlns:a="http://schemas.openxmlformats.org/drawingml/2006/main" xmlns:r="http://schemas.openxmlformats.org/officeDocument/2006/relationships" xmlns:p="http://schemas.openxmlformats.org/presentationml/2006/main">
+  <p:cSld>
+    <p:spTree>
+      <p:nvGrpSpPr>
+        <p:cNvPr id="1" name=""/>
+        <p:cNvGrpSpPr/>
+        <p:nvPr/>
+      </p:nvGrpSpPr>
+      <p:grpSpPr>
+        <a:xfrm>
+          <a:off x="0" y="0"/>
+          <a:ext cx="0" cy="0"/>
+          <a:chOff x="0" y="0"/>
+          <a:chExt cx="0" cy="0"/>
+        </a:xfrm>
+      </p:grpSpPr>
+      <p:sp>
+        <p:nvSpPr>
+          <p:cNvPr id="7" name="Title 6"/>
+          <p:cNvSpPr>
+            <a:spLocks noGrp="1"/>
+          </p:cNvSpPr>
+          <p:nvPr>
+            <p:ph type="title"/>
+          </p:nvPr>
+        </p:nvSpPr>
+        <p:spPr>
+          <a:xfrm>
+            <a:off x="395536" y="332656"/>
+            <a:ext cx="8229600" cy="850106"/>
+          </a:xfrm>
+        </p:spPr>
+        <p:txBody>
+          <a:bodyPr/>
+          <a:lstStyle/>
+          <a:p>
+            <a:r>
+              <a:rPr lang="id-ID" dirty="0" smtClean="0"/>
+              <a:t>B-8. Cut Off</a:t>
+            </a:r>
+            <a:endParaRPr lang="en-US" dirty="0"/>
+          </a:p>
+        </p:txBody>
+      </p:sp>
+      <p:sp>
+        <p:nvSpPr>
+          <p:cNvPr id="14" name="Trapezoid 13"/>
+          <p:cNvSpPr/>
+          <p:nvPr/>
+        </p:nvSpPr>
+        <p:spPr>
+          <a:xfrm>
+            <a:off x="395536" y="1568313"/>
+            <a:ext cx="8208912" cy="4596991"/>
+          </a:xfrm>
+          <a:prstGeom prst="trapezoid">
+            <a:avLst>
+              <a:gd name="adj" fmla="val 24703"/>
+            </a:avLst>
+          </a:prstGeom>
+          <a:solidFill>
+            <a:srgbClr val="F58D01"/>
+          </a:solidFill>
+          <a:ln>
+            <a:noFill/>
+          </a:ln>
+        </p:spPr>
+        <p:style>
+          <a:lnRef idx="2">
+            <a:schemeClr val="accent1">
+              <a:shade val="50000"/>
+            </a:schemeClr>
+          </a:lnRef>
+          <a:fillRef idx="1">
+            <a:schemeClr val="accent1"/>
+          </a:fillRef>
+          <a:effectRef idx="0">
+            <a:schemeClr val="accent1"/>
+          </a:effectRef>
+          <a:fontRef idx="minor">
+            <a:schemeClr val="lt1"/>
+          </a:fontRef>
+        </p:style>
+        <p:txBody>
+          <a:bodyPr rtlCol="0" anchor="ctr"/>
+          <a:lstStyle/>
+          <a:p>
+            <a:pPr algn="ctr"/>
+            <a:endParaRPr lang="en-US" dirty="0"/>
+          </a:p>
+        </p:txBody>
+      </p:sp>
+      <p:sp>
+        <p:nvSpPr>
+          <p:cNvPr id="15" name="Trapezoid 14"/>
+          <p:cNvSpPr/>
+          <p:nvPr/>
+        </p:nvSpPr>
+        <p:spPr>
+          <a:xfrm>
+            <a:off x="611560" y="2060848"/>
+            <a:ext cx="7776864" cy="4355044"/>
+          </a:xfrm>
+          <a:prstGeom prst="trapezoid">
+            <a:avLst>
+              <a:gd name="adj" fmla="val 24703"/>
+            </a:avLst>
+          </a:prstGeom>
+          <a:solidFill>
+            <a:schemeClr val="bg2">
+              <a:lumMod val="75000"/>
+            </a:schemeClr>
+          </a:solidFill>
+          <a:ln>
+            <a:noFill/>
+          </a:ln>
+        </p:spPr>
+        <p:style>
+          <a:lnRef idx="2">
+            <a:schemeClr val="accent1">
+              <a:shade val="50000"/>
+            </a:schemeClr>
+          </a:lnRef>
+          <a:fillRef idx="1">
+            <a:schemeClr val="accent1"/>
+          </a:fillRef>
+          <a:effectRef idx="0">
+            <a:schemeClr val="accent1"/>
+          </a:effectRef>
+          <a:fontRef idx="minor">
+            <a:schemeClr val="lt1"/>
+          </a:fontRef>
+        </p:style>
+        <p:txBody>
+          <a:bodyPr rtlCol="0" anchor="ctr"/>
+          <a:lstStyle/>
+          <a:p>
+            <a:pPr algn="ctr"/>
+            <a:endParaRPr lang="en-US" dirty="0"/>
+          </a:p>
+        </p:txBody>
+      </p:sp>
+      <p:sp>
+        <p:nvSpPr>
+          <p:cNvPr id="16" name="TextBox 15"/>
+          <p:cNvSpPr txBox="1"/>
+          <p:nvPr/>
+        </p:nvSpPr>
+        <p:spPr>
+          <a:xfrm>
+            <a:off x="1331640" y="4509120"/>
+            <a:ext cx="6336704" cy="1323439"/>
+          </a:xfrm>
+          <a:prstGeom prst="rect">
+            <a:avLst/>
+          </a:prstGeom>
+          <a:noFill/>
+        </p:spPr>
+        <p:txBody>
+          <a:bodyPr wrap="square" rtlCol="0">
+            <a:spAutoFit/>
+          </a:bodyPr>
+          <a:lstStyle/>
+          <a:p>
+            <a:pPr algn="just"/>
+            <a:r>
+              <a:rPr lang="id-ID" sz="2000" dirty="0" smtClean="0"/>
+              <a:t>Merupakan </a:t>
+            </a:r>
+            <a:r>
+              <a:rPr lang="id-ID" sz="2000" dirty="0" smtClean="0"/>
+              <a:t>bagian finalisasi dalam proses pembuatan software. Dalam proses ini user mengesahkan atas program yang telah diajukan dan untuk selanjutnya mulai memasuki fase pemeliharaan</a:t>
+            </a:r>
+          </a:p>
+        </p:txBody>
+      </p:sp>
+      <p:sp>
+        <p:nvSpPr>
+          <p:cNvPr id="17" name="Rounded Rectangle 16"/>
+          <p:cNvSpPr/>
+          <p:nvPr/>
+        </p:nvSpPr>
+        <p:spPr>
+          <a:xfrm>
+            <a:off x="2555776" y="2276872"/>
+            <a:ext cx="3600400" cy="1944216"/>
+          </a:xfrm>
+          <a:prstGeom prst="roundRect">
+            <a:avLst>
+              <a:gd name="adj" fmla="val 6839"/>
+            </a:avLst>
+          </a:prstGeom>
+          <a:solidFill>
+            <a:schemeClr val="tx1"/>
+          </a:solidFill>
+          <a:ln>
+            <a:noFill/>
+          </a:ln>
+        </p:spPr>
+        <p:style>
+          <a:lnRef idx="2">
+            <a:schemeClr val="accent1">
+              <a:shade val="50000"/>
+            </a:schemeClr>
+          </a:lnRef>
+          <a:fillRef idx="1">
+            <a:schemeClr val="accent1"/>
+          </a:fillRef>
+          <a:effectRef idx="0">
+            <a:schemeClr val="accent1"/>
+          </a:effectRef>
+          <a:fontRef idx="minor">
+            <a:schemeClr val="lt1"/>
+          </a:fontRef>
+        </p:style>
+        <p:txBody>
+          <a:bodyPr rtlCol="0" anchor="ctr"/>
+          <a:lstStyle/>
+          <a:p>
+            <a:pPr algn="ctr"/>
+            <a:endParaRPr lang="en-US" dirty="0"/>
+          </a:p>
+        </p:txBody>
+      </p:sp>
+      <p:pic>
+        <p:nvPicPr>
+          <p:cNvPr id="4098" name="Picture 2" descr="C:\Documents and Settings\Feldy\My Documents\Downloads\windows8_icons\Ecommerce\handshake\handshake-512.png"/>
+          <p:cNvPicPr>
+            <a:picLocks noChangeAspect="1" noChangeArrowheads="1"/>
+          </p:cNvPicPr>
+          <p:nvPr/>
+        </p:nvPicPr>
+        <p:blipFill>
+          <a:blip r:embed="rId2" cstate="print"/>
+          <a:srcRect/>
+          <a:stretch>
+            <a:fillRect/>
+          </a:stretch>
+        </p:blipFill>
+        <p:spPr bwMode="auto">
+          <a:xfrm>
+            <a:off x="3275856" y="1988840"/>
+            <a:ext cx="2376264" cy="2376264"/>
+          </a:xfrm>
+          <a:prstGeom prst="rect">
+            <a:avLst/>
+          </a:prstGeom>
+          <a:noFill/>
+        </p:spPr>
+      </p:pic>
+    </p:spTree>
+  </p:cSld>
+  <p:clrMapOvr>
+    <a:masterClrMapping/>
+  </p:clrMapOvr>
+  <p:timing>
+    <p:tnLst>
+      <p:par>
+        <p:cTn id="1" dur="indefinite" restart="never" nodeType="tmRoot"/>
+      </p:par>
+    </p:tnLst>
+  </p:timing>
+</p:sld>
+</file>
+
+<file path=ppt/slides/slide34.xml><?xml version="1.0" encoding="utf-8"?>
+<p:sld xmlns:a="http://schemas.openxmlformats.org/drawingml/2006/main" xmlns:r="http://schemas.openxmlformats.org/officeDocument/2006/relationships" xmlns:p="http://schemas.openxmlformats.org/presentationml/2006/main">
+  <p:cSld>
+    <p:spTree>
+      <p:nvGrpSpPr>
+        <p:cNvPr id="1" name=""/>
+        <p:cNvGrpSpPr/>
+        <p:nvPr/>
+      </p:nvGrpSpPr>
+      <p:grpSpPr>
+        <a:xfrm>
+          <a:off x="0" y="0"/>
+          <a:ext cx="0" cy="0"/>
+          <a:chOff x="0" y="0"/>
+          <a:chExt cx="0" cy="0"/>
+        </a:xfrm>
+      </p:grpSpPr>
+      <p:sp>
+        <p:nvSpPr>
+          <p:cNvPr id="7" name="Title 6"/>
+          <p:cNvSpPr>
+            <a:spLocks noGrp="1"/>
+          </p:cNvSpPr>
+          <p:nvPr>
+            <p:ph type="title"/>
+          </p:nvPr>
+        </p:nvSpPr>
+        <p:spPr>
+          <a:xfrm>
+            <a:off x="395536" y="332656"/>
+            <a:ext cx="8229600" cy="850106"/>
+          </a:xfrm>
+        </p:spPr>
+        <p:txBody>
+          <a:bodyPr/>
+          <a:lstStyle/>
+          <a:p>
+            <a:r>
+              <a:rPr lang="id-ID" dirty="0" smtClean="0"/>
+              <a:t>B-9. Pemeliharaan</a:t>
+            </a:r>
+            <a:endParaRPr lang="en-US" dirty="0"/>
+          </a:p>
+        </p:txBody>
+      </p:sp>
+      <p:sp>
+        <p:nvSpPr>
+          <p:cNvPr id="8" name="TextBox 7"/>
+          <p:cNvSpPr txBox="1"/>
+          <p:nvPr/>
+        </p:nvSpPr>
+        <p:spPr>
+          <a:xfrm>
+            <a:off x="323528" y="1268760"/>
+            <a:ext cx="8640960" cy="923330"/>
+          </a:xfrm>
+          <a:prstGeom prst="rect">
+            <a:avLst/>
+          </a:prstGeom>
+          <a:noFill/>
+        </p:spPr>
+        <p:txBody>
+          <a:bodyPr wrap="square" rtlCol="0">
+            <a:spAutoFit/>
+          </a:bodyPr>
+          <a:lstStyle/>
+          <a:p>
+            <a:r>
+              <a:rPr lang="id-ID" dirty="0" smtClean="0"/>
+              <a:t>Pemeliharaan merupakan satu dari kelima proses pada kelompok primary, </a:t>
+            </a:r>
+            <a:r>
+              <a:rPr lang="id-ID" dirty="0" smtClean="0"/>
+              <a:t>dimana </a:t>
+            </a:r>
+            <a:r>
+              <a:rPr lang="id-ID" dirty="0" smtClean="0"/>
+              <a:t>aktivitas pemeliharaan ini terdiri dari :</a:t>
+            </a:r>
+          </a:p>
+          <a:p>
+            <a:endParaRPr lang="en-US" dirty="0"/>
+          </a:p>
+        </p:txBody>
+      </p:sp>
+      <p:sp>
+        <p:nvSpPr>
+          <p:cNvPr id="9" name="TextBox 8"/>
+          <p:cNvSpPr txBox="1"/>
+          <p:nvPr/>
+        </p:nvSpPr>
+        <p:spPr>
+          <a:xfrm>
+            <a:off x="395536" y="1844824"/>
+            <a:ext cx="6938790" cy="4647426"/>
+          </a:xfrm>
+          <a:prstGeom prst="rect">
+            <a:avLst/>
+          </a:prstGeom>
+          <a:noFill/>
+        </p:spPr>
+        <p:txBody>
+          <a:bodyPr wrap="square" rtlCol="0">
+            <a:spAutoFit/>
+          </a:bodyPr>
+          <a:lstStyle/>
+          <a:p>
+            <a:pPr marL="342900" indent="-342900">
+              <a:buFontTx/>
+              <a:buChar char="-"/>
+            </a:pPr>
+            <a:r>
+              <a:rPr lang="id-ID" sz="2000" dirty="0" smtClean="0">
+                <a:solidFill>
+                  <a:srgbClr val="009F3C"/>
+                </a:solidFill>
+              </a:rPr>
+              <a:t>Implementasi </a:t>
+            </a:r>
+            <a:r>
+              <a:rPr lang="id-ID" sz="2000" dirty="0" smtClean="0">
+                <a:solidFill>
+                  <a:srgbClr val="009F3C"/>
+                </a:solidFill>
+              </a:rPr>
+              <a:t>Proses</a:t>
+            </a:r>
+          </a:p>
+          <a:p>
+            <a:pPr marL="800100" lvl="1" indent="-342900">
+              <a:buFontTx/>
+              <a:buChar char="-"/>
+            </a:pPr>
+            <a:r>
+              <a:rPr lang="en-GB" sz="1600" dirty="0" err="1" smtClean="0"/>
+              <a:t>Mencakup</a:t>
+            </a:r>
+            <a:r>
+              <a:rPr lang="en-GB" sz="1600" dirty="0" smtClean="0"/>
+              <a:t> </a:t>
+            </a:r>
+            <a:r>
+              <a:rPr lang="en-GB" sz="1600" dirty="0" err="1" smtClean="0"/>
+              <a:t>rencana</a:t>
+            </a:r>
+            <a:r>
+              <a:rPr lang="en-GB" sz="1600" dirty="0" smtClean="0"/>
+              <a:t> </a:t>
+            </a:r>
+            <a:r>
+              <a:rPr lang="en-GB" sz="1600" dirty="0" err="1" smtClean="0"/>
+              <a:t>pengembangan</a:t>
+            </a:r>
+            <a:r>
+              <a:rPr lang="en-GB" sz="1600" dirty="0" smtClean="0"/>
+              <a:t> </a:t>
+            </a:r>
+            <a:r>
+              <a:rPr lang="en-GB" sz="1600" dirty="0" err="1" smtClean="0"/>
+              <a:t>dan</a:t>
+            </a:r>
+            <a:r>
+              <a:rPr lang="en-GB" sz="1600" dirty="0" smtClean="0"/>
+              <a:t> </a:t>
+            </a:r>
+            <a:r>
+              <a:rPr lang="en-GB" sz="1600" dirty="0" err="1" smtClean="0"/>
+              <a:t>prosedur</a:t>
+            </a:r>
+            <a:r>
+              <a:rPr lang="en-GB" sz="1600" dirty="0" smtClean="0"/>
+              <a:t> </a:t>
+            </a:r>
+            <a:r>
+              <a:rPr lang="en-GB" sz="1600" dirty="0" err="1" smtClean="0"/>
+              <a:t>pemeliharaan</a:t>
+            </a:r>
+            <a:r>
+              <a:rPr lang="en-GB" sz="1600" dirty="0" smtClean="0"/>
+              <a:t> </a:t>
+            </a:r>
+            <a:r>
+              <a:rPr lang="en-GB" sz="1600" dirty="0" err="1" smtClean="0"/>
+              <a:t>perangkat</a:t>
+            </a:r>
+            <a:r>
+              <a:rPr lang="en-GB" sz="1600" dirty="0" smtClean="0"/>
+              <a:t> </a:t>
+            </a:r>
+            <a:r>
+              <a:rPr lang="en-GB" sz="1600" dirty="0" err="1" smtClean="0"/>
+              <a:t>lunak</a:t>
+            </a:r>
+            <a:r>
+              <a:rPr lang="en-GB" sz="1600" dirty="0" smtClean="0"/>
+              <a:t>, </a:t>
+            </a:r>
+            <a:r>
+              <a:rPr lang="en-GB" sz="1600" dirty="0" err="1" smtClean="0"/>
+              <a:t>menciptakan</a:t>
+            </a:r>
+            <a:r>
+              <a:rPr lang="en-GB" sz="1600" dirty="0" smtClean="0"/>
+              <a:t> </a:t>
+            </a:r>
+            <a:r>
+              <a:rPr lang="en-GB" sz="1600" dirty="0" err="1" smtClean="0"/>
+              <a:t>prosedur</a:t>
+            </a:r>
+            <a:r>
+              <a:rPr lang="en-GB" sz="1600" dirty="0" smtClean="0"/>
+              <a:t> </a:t>
+            </a:r>
+            <a:r>
+              <a:rPr lang="en-GB" sz="1600" dirty="0" err="1" smtClean="0"/>
+              <a:t>penerimaan</a:t>
+            </a:r>
+            <a:r>
+              <a:rPr lang="en-GB" sz="1600" dirty="0" smtClean="0"/>
+              <a:t>, </a:t>
+            </a:r>
+            <a:r>
+              <a:rPr lang="en-GB" sz="1600" dirty="0" err="1" smtClean="0"/>
+              <a:t>pencatatan</a:t>
+            </a:r>
+            <a:r>
+              <a:rPr lang="en-GB" sz="1600" dirty="0" smtClean="0"/>
+              <a:t> </a:t>
+            </a:r>
+            <a:r>
+              <a:rPr lang="en-GB" sz="1600" dirty="0" err="1" smtClean="0"/>
+              <a:t>secara</a:t>
+            </a:r>
+            <a:r>
+              <a:rPr lang="en-GB" sz="1600" dirty="0" smtClean="0"/>
+              <a:t> </a:t>
+            </a:r>
+            <a:r>
+              <a:rPr lang="en-GB" sz="1600" dirty="0" err="1" smtClean="0"/>
+              <a:t>terintegrasi</a:t>
+            </a:r>
+            <a:r>
+              <a:rPr lang="en-GB" sz="1600" dirty="0" smtClean="0"/>
+              <a:t>.</a:t>
+            </a:r>
+            <a:endParaRPr lang="en-GB" sz="1600" dirty="0" smtClean="0"/>
+          </a:p>
+          <a:p>
+            <a:pPr marL="342900" indent="-342900">
+              <a:buFontTx/>
+              <a:buChar char="-"/>
+            </a:pPr>
+            <a:r>
+              <a:rPr lang="id-ID" sz="2000" dirty="0" smtClean="0"/>
+              <a:t>Modifikasi dan Analisa Masalah </a:t>
+            </a:r>
+            <a:endParaRPr lang="id-ID" sz="2000" dirty="0" smtClean="0"/>
+          </a:p>
+          <a:p>
+            <a:pPr marL="800100" lvl="1" indent="-342900">
+              <a:buFontTx/>
+              <a:buChar char="-"/>
+            </a:pPr>
+            <a:r>
+              <a:rPr lang="id-ID" sz="1600" dirty="0" smtClean="0"/>
+              <a:t>Mencangkup perubahan yang diakibatkan </a:t>
+            </a:r>
+            <a:r>
+              <a:rPr lang="id-ID" sz="1600" dirty="0" smtClean="0"/>
+              <a:t>oleh berubahnya </a:t>
+            </a:r>
+            <a:r>
+              <a:rPr lang="id-ID" sz="1600" dirty="0" smtClean="0"/>
+              <a:t>sistem user </a:t>
+            </a:r>
+            <a:r>
+              <a:rPr lang="id-ID" sz="1600" dirty="0" smtClean="0"/>
+              <a:t>internal</a:t>
+            </a:r>
+            <a:endParaRPr lang="id-ID" sz="2000" dirty="0" smtClean="0"/>
+          </a:p>
+          <a:p>
+            <a:pPr marL="342900" indent="-342900">
+              <a:buFontTx/>
+              <a:buChar char="-"/>
+            </a:pPr>
+            <a:r>
+              <a:rPr lang="id-ID" sz="2000" dirty="0" smtClean="0">
+                <a:solidFill>
+                  <a:srgbClr val="4BACC6"/>
+                </a:solidFill>
+              </a:rPr>
+              <a:t>Implementasi Modifikasi</a:t>
+            </a:r>
+          </a:p>
+          <a:p>
+            <a:pPr marL="800100" lvl="1" indent="-342900">
+              <a:buFontTx/>
+              <a:buChar char="-"/>
+            </a:pPr>
+            <a:r>
+              <a:rPr lang="id-ID" sz="1600" dirty="0" smtClean="0"/>
+              <a:t>Merupakan </a:t>
+            </a:r>
+            <a:r>
+              <a:rPr lang="nn-NO" sz="1600" dirty="0" smtClean="0"/>
+              <a:t>identifikasi item yang perlu dimodifikasi dan pengajuan proses </a:t>
+            </a:r>
+            <a:r>
+              <a:rPr lang="nn-NO" sz="1600" dirty="0" smtClean="0"/>
+              <a:t>pengembangan</a:t>
+            </a:r>
+            <a:endParaRPr lang="id-ID" sz="1600" dirty="0" smtClean="0"/>
+          </a:p>
+          <a:p>
+            <a:pPr marL="342900" indent="-342900">
+              <a:buFontTx/>
+              <a:buChar char="-"/>
+            </a:pPr>
+            <a:r>
+              <a:rPr lang="id-ID" sz="2000" dirty="0" smtClean="0">
+                <a:solidFill>
+                  <a:srgbClr val="FF0000"/>
+                </a:solidFill>
+              </a:rPr>
+              <a:t>Penerimaan/Pengkajian </a:t>
+            </a:r>
+            <a:r>
+              <a:rPr lang="id-ID" sz="2000" dirty="0" smtClean="0">
+                <a:solidFill>
+                  <a:srgbClr val="FF0000"/>
+                </a:solidFill>
+              </a:rPr>
+              <a:t>Pemeliharaan</a:t>
+            </a:r>
+          </a:p>
+          <a:p>
+            <a:pPr marL="800100" lvl="1" indent="-342900">
+              <a:buFontTx/>
+              <a:buChar char="-"/>
+            </a:pPr>
+            <a:r>
+              <a:rPr lang="id-ID" sz="1600" dirty="0" smtClean="0"/>
+              <a:t>Mencakup </a:t>
+            </a:r>
+            <a:r>
+              <a:rPr lang="id-ID" sz="1600" dirty="0" smtClean="0"/>
+              <a:t>penilaian integritas dari sistem termodifikasi </a:t>
+            </a:r>
+            <a:r>
+              <a:rPr lang="id-ID" sz="1600" dirty="0" smtClean="0"/>
+              <a:t>hingga </a:t>
+            </a:r>
+            <a:r>
+              <a:rPr lang="id-ID" sz="1600" dirty="0" smtClean="0"/>
+              <a:t>pengembang memperoleh pernyataan kepuasan </a:t>
+            </a:r>
+            <a:r>
+              <a:rPr lang="id-ID" sz="1600" dirty="0" smtClean="0"/>
+              <a:t>dari </a:t>
+            </a:r>
+            <a:r>
+              <a:rPr lang="id-ID" sz="1600" dirty="0" smtClean="0"/>
+              <a:t>terpenuhinya permintaan perubahan. </a:t>
+            </a:r>
+            <a:endParaRPr lang="id-ID" sz="2000" dirty="0" smtClean="0"/>
+          </a:p>
+          <a:p>
+            <a:pPr marL="342900" indent="-342900">
+              <a:buFontTx/>
+              <a:buChar char="-"/>
+            </a:pPr>
+            <a:r>
+              <a:rPr lang="id-ID" sz="2000" dirty="0" smtClean="0">
+                <a:solidFill>
+                  <a:srgbClr val="F58D01"/>
+                </a:solidFill>
+              </a:rPr>
+              <a:t>Migrasi</a:t>
+            </a:r>
+          </a:p>
+          <a:p>
+            <a:pPr marL="800100" lvl="1" indent="-342900">
+              <a:buFontTx/>
+              <a:buChar char="-"/>
+            </a:pPr>
+            <a:r>
+              <a:rPr lang="sv-SE" sz="1600" dirty="0" smtClean="0"/>
+              <a:t>Aktivitas ini terjadi ketika sistem perangkat </a:t>
+            </a:r>
+            <a:r>
+              <a:rPr lang="sv-SE" sz="1600" dirty="0" smtClean="0"/>
+              <a:t>lunak</a:t>
+            </a:r>
+            <a:r>
+              <a:rPr lang="id-ID" sz="1600" dirty="0" smtClean="0"/>
+              <a:t> </a:t>
+            </a:r>
+            <a:r>
+              <a:rPr lang="sv-SE" sz="1600" dirty="0" smtClean="0"/>
+              <a:t>dipindahkan dari satu ke lingkungan ke lingkungan</a:t>
+            </a:r>
+            <a:r>
+              <a:rPr lang="id-ID" sz="1600" dirty="0" smtClean="0"/>
+              <a:t> </a:t>
+            </a:r>
+            <a:r>
+              <a:rPr lang="sv-SE" sz="1600" dirty="0" smtClean="0"/>
+              <a:t>lainnya</a:t>
+            </a:r>
+            <a:endParaRPr lang="en-GB" sz="1600" dirty="0"/>
+          </a:p>
+        </p:txBody>
+      </p:sp>
+    </p:spTree>
+  </p:cSld>
+  <p:clrMapOvr>
+    <a:masterClrMapping/>
+  </p:clrMapOvr>
+  <p:timing>
+    <p:tnLst>
+      <p:par>
+        <p:cTn id="1" dur="indefinite" restart="never" nodeType="tmRoot"/>
+      </p:par>
+    </p:tnLst>
+  </p:timing>
+</p:sld>
+</file>
+
+<file path=ppt/slides/slide35.xml><?xml version="1.0" encoding="utf-8"?>
+<p:sld xmlns:a="http://schemas.openxmlformats.org/drawingml/2006/main" xmlns:r="http://schemas.openxmlformats.org/officeDocument/2006/relationships" xmlns:p="http://schemas.openxmlformats.org/presentationml/2006/main">
+  <p:cSld>
+    <p:spTree>
+      <p:nvGrpSpPr>
+        <p:cNvPr id="1" name=""/>
+        <p:cNvGrpSpPr/>
+        <p:nvPr/>
+      </p:nvGrpSpPr>
+      <p:grpSpPr>
+        <a:xfrm>
+          <a:off x="0" y="0"/>
+          <a:ext cx="0" cy="0"/>
+          <a:chOff x="0" y="0"/>
+          <a:chExt cx="0" cy="0"/>
+        </a:xfrm>
+      </p:grpSpPr>
+      <p:sp>
+        <p:nvSpPr>
+          <p:cNvPr id="2" name="Title 1"/>
+          <p:cNvSpPr>
+            <a:spLocks noGrp="1"/>
+          </p:cNvSpPr>
+          <p:nvPr>
+            <p:ph type="title"/>
+          </p:nvPr>
+        </p:nvSpPr>
+        <p:spPr/>
+        <p:txBody>
+          <a:bodyPr/>
+          <a:lstStyle/>
+          <a:p>
+            <a:r>
+              <a:rPr lang="id-ID" dirty="0" smtClean="0"/>
+              <a:t>Demo Aplikasi</a:t>
+            </a:r>
+            <a:endParaRPr lang="en-US" dirty="0"/>
+          </a:p>
+        </p:txBody>
+      </p:sp>
+      <p:grpSp>
+        <p:nvGrpSpPr>
+          <p:cNvPr id="6" name="Group 5"/>
+          <p:cNvGrpSpPr/>
+          <p:nvPr/>
+        </p:nvGrpSpPr>
+        <p:grpSpPr>
+          <a:xfrm>
+            <a:off x="2771800" y="2952240"/>
+            <a:ext cx="3744416" cy="864096"/>
+            <a:chOff x="2411760" y="2952240"/>
+            <a:chExt cx="3744416" cy="864096"/>
+          </a:xfrm>
+        </p:grpSpPr>
+        <p:sp>
+          <p:nvSpPr>
+            <p:cNvPr id="4" name="Rectangle 3">
+              <a:hlinkClick r:id="rId2"/>
+            </p:cNvPr>
+            <p:cNvSpPr/>
+            <p:nvPr/>
+          </p:nvSpPr>
+          <p:spPr>
+            <a:xfrm>
+              <a:off x="2411760" y="2996952"/>
+              <a:ext cx="3744416" cy="764792"/>
+            </a:xfrm>
+            <a:prstGeom prst="rect">
+              <a:avLst/>
+            </a:prstGeom>
+            <a:solidFill>
+              <a:srgbClr val="009F3C"/>
+            </a:solidFill>
+            <a:ln>
+              <a:noFill/>
+            </a:ln>
+          </p:spPr>
+          <p:style>
+            <a:lnRef idx="2">
+              <a:schemeClr val="accent1">
+                <a:shade val="50000"/>
+              </a:schemeClr>
+            </a:lnRef>
+            <a:fillRef idx="1">
+              <a:schemeClr val="accent1"/>
+            </a:fillRef>
+            <a:effectRef idx="0">
+              <a:schemeClr val="accent1"/>
+            </a:effectRef>
+            <a:fontRef idx="minor">
+              <a:schemeClr val="lt1"/>
+            </a:fontRef>
+          </p:style>
+          <p:txBody>
+            <a:bodyPr rtlCol="0" anchor="ctr"/>
+            <a:lstStyle/>
+            <a:p>
+              <a:pPr algn="ctr"/>
+              <a:r>
+                <a:rPr lang="id-ID" sz="2800" dirty="0" smtClean="0">
+                  <a:solidFill>
+                    <a:schemeClr val="tx1"/>
+                  </a:solidFill>
+                </a:rPr>
+                <a:t> </a:t>
+              </a:r>
+              <a:r>
+                <a:rPr lang="id-ID" sz="2800" dirty="0" smtClean="0">
+                  <a:solidFill>
+                    <a:schemeClr val="tx1"/>
+                  </a:solidFill>
+                </a:rPr>
+                <a:t>       Run Application</a:t>
+              </a:r>
+              <a:endParaRPr lang="en-GB" sz="2800" dirty="0">
+                <a:solidFill>
+                  <a:schemeClr val="tx1"/>
+                </a:solidFill>
+              </a:endParaRPr>
+            </a:p>
+          </p:txBody>
+        </p:sp>
+        <p:sp>
+          <p:nvSpPr>
+            <p:cNvPr id="5" name="Isosceles Triangle 4"/>
+            <p:cNvSpPr/>
+            <p:nvPr/>
+          </p:nvSpPr>
+          <p:spPr>
+            <a:xfrm rot="5400000">
+              <a:off x="2543361" y="3011833"/>
+              <a:ext cx="864096" cy="744910"/>
+            </a:xfrm>
+            <a:prstGeom prst="triangle">
+              <a:avLst/>
+            </a:prstGeom>
+            <a:solidFill>
+              <a:schemeClr val="bg1">
+                <a:lumMod val="75000"/>
+              </a:schemeClr>
+            </a:solidFill>
+            <a:ln>
+              <a:noFill/>
+            </a:ln>
+          </p:spPr>
+          <p:style>
+            <a:lnRef idx="2">
+              <a:schemeClr val="accent1">
+                <a:shade val="50000"/>
+              </a:schemeClr>
+            </a:lnRef>
+            <a:fillRef idx="1">
+              <a:schemeClr val="accent1"/>
+            </a:fillRef>
+            <a:effectRef idx="0">
+              <a:schemeClr val="accent1"/>
+            </a:effectRef>
+            <a:fontRef idx="minor">
+              <a:schemeClr val="lt1"/>
+            </a:fontRef>
+          </p:style>
+          <p:txBody>
+            <a:bodyPr rtlCol="0" anchor="ctr"/>
+            <a:lstStyle/>
+            <a:p>
+              <a:pPr algn="ctr"/>
+              <a:endParaRPr lang="en-US" dirty="0"/>
+            </a:p>
+          </p:txBody>
+        </p:sp>
+      </p:grpSp>
+    </p:spTree>
+  </p:cSld>
+  <p:clrMapOvr>
+    <a:masterClrMapping/>
+  </p:clrMapOvr>
+  <p:timing>
+    <p:tnLst>
+      <p:par>
+        <p:cTn id="1" dur="indefinite" restart="never" nodeType="tmRoot"/>
+      </p:par>
+    </p:tnLst>
+  </p:timing>
+</p:sld>
+</file>
+
+<file path=ppt/slides/slide36.xml><?xml version="1.0" encoding="utf-8"?>
+<p:sld xmlns:a="http://schemas.openxmlformats.org/drawingml/2006/main" xmlns:r="http://schemas.openxmlformats.org/officeDocument/2006/relationships" xmlns:p="http://schemas.openxmlformats.org/presentationml/2006/main">
+  <p:cSld>
+    <p:spTree>
+      <p:nvGrpSpPr>
+        <p:cNvPr id="1" name=""/>
+        <p:cNvGrpSpPr/>
+        <p:nvPr/>
+      </p:nvGrpSpPr>
+      <p:grpSpPr>
+        <a:xfrm>
+          <a:off x="0" y="0"/>
+          <a:ext cx="0" cy="0"/>
+          <a:chOff x="0" y="0"/>
+          <a:chExt cx="0" cy="0"/>
+        </a:xfrm>
+      </p:grpSpPr>
+      <p:sp>
+        <p:nvSpPr>
+          <p:cNvPr id="7" name="Rectangle 6"/>
+          <p:cNvSpPr/>
+          <p:nvPr/>
+        </p:nvSpPr>
+        <p:spPr>
+          <a:xfrm>
+            <a:off x="755576" y="2965475"/>
+            <a:ext cx="3096344" cy="3066405"/>
+          </a:xfrm>
+          <a:prstGeom prst="rect">
+            <a:avLst/>
+          </a:prstGeom>
+          <a:solidFill>
+            <a:schemeClr val="accent5"/>
+          </a:solidFill>
+          <a:ln>
+            <a:noFill/>
+          </a:ln>
+        </p:spPr>
+        <p:style>
+          <a:lnRef idx="2">
+            <a:schemeClr val="accent1">
+              <a:shade val="50000"/>
+            </a:schemeClr>
+          </a:lnRef>
+          <a:fillRef idx="1">
+            <a:schemeClr val="accent1"/>
+          </a:fillRef>
+          <a:effectRef idx="0">
+            <a:schemeClr val="accent1"/>
+          </a:effectRef>
+          <a:fontRef idx="minor">
+            <a:schemeClr val="lt1"/>
+          </a:fontRef>
+        </p:style>
+        <p:txBody>
+          <a:bodyPr rtlCol="0" anchor="ctr"/>
+          <a:lstStyle/>
+          <a:p>
+            <a:endParaRPr lang="en-GB" b="1">
+              <a:solidFill>
+                <a:schemeClr val="tx1"/>
+              </a:solidFill>
+            </a:endParaRPr>
+          </a:p>
+        </p:txBody>
+      </p:sp>
+      <p:sp>
+        <p:nvSpPr>
+          <p:cNvPr id="2" name="Title 1"/>
+          <p:cNvSpPr>
+            <a:spLocks noGrp="1"/>
+          </p:cNvSpPr>
+          <p:nvPr>
+            <p:ph type="title"/>
+          </p:nvPr>
+        </p:nvSpPr>
+        <p:spPr/>
+        <p:txBody>
+          <a:bodyPr>
+            <a:normAutofit/>
+          </a:bodyPr>
+          <a:lstStyle/>
+          <a:p>
+            <a:r>
+              <a:rPr lang="id-ID" dirty="0" smtClean="0"/>
+              <a:t>Ada Pertanyaan?</a:t>
+            </a:r>
+            <a:endParaRPr lang="en-GB" dirty="0"/>
+          </a:p>
+        </p:txBody>
+      </p:sp>
+      <p:cxnSp>
+        <p:nvCxnSpPr>
+          <p:cNvPr id="9" name="Straight Connector 8"/>
+          <p:cNvCxnSpPr>
+            <a:endCxn id="10" idx="1"/>
+          </p:cNvCxnSpPr>
+          <p:nvPr/>
+        </p:nvCxnSpPr>
+        <p:spPr>
+          <a:xfrm flipV="1">
+            <a:off x="3851920" y="3096308"/>
+            <a:ext cx="1440160" cy="260685"/>
+          </a:xfrm>
+          <a:prstGeom prst="line">
+            <a:avLst/>
+          </a:prstGeom>
+          <a:ln w="38100">
+            <a:solidFill>
+              <a:schemeClr val="tx1"/>
+            </a:solidFill>
+            <a:prstDash val="sysDot"/>
+          </a:ln>
+        </p:spPr>
+        <p:style>
+          <a:lnRef idx="1">
+            <a:schemeClr val="accent1"/>
+          </a:lnRef>
+          <a:fillRef idx="0">
+            <a:schemeClr val="accent1"/>
+          </a:fillRef>
+          <a:effectRef idx="0">
+            <a:schemeClr val="accent1"/>
+          </a:effectRef>
+          <a:fontRef idx="minor">
+            <a:schemeClr val="tx1"/>
+          </a:fontRef>
+        </p:style>
+      </p:cxnSp>
+      <p:grpSp>
+        <p:nvGrpSpPr>
+          <p:cNvPr id="3" name="Group 5"/>
+          <p:cNvGrpSpPr/>
+          <p:nvPr/>
+        </p:nvGrpSpPr>
+        <p:grpSpPr>
+          <a:xfrm>
+            <a:off x="5292080" y="1529445"/>
+            <a:ext cx="3133727" cy="3133725"/>
+            <a:chOff x="5004048" y="1268760"/>
+            <a:chExt cx="3133727" cy="3133725"/>
+          </a:xfrm>
+        </p:grpSpPr>
+        <p:sp>
+          <p:nvSpPr>
+            <p:cNvPr id="15" name="Freeform 6"/>
+            <p:cNvSpPr>
+              <a:spLocks noEditPoints="1"/>
+            </p:cNvSpPr>
+            <p:nvPr/>
+          </p:nvSpPr>
+          <p:spPr bwMode="auto">
+            <a:xfrm rot="16200000">
+              <a:off x="5311138" y="1690133"/>
+              <a:ext cx="2761809" cy="2223861"/>
+            </a:xfrm>
+            <a:prstGeom prst="rect">
+              <a:avLst/>
+            </a:prstGeom>
+            <a:solidFill>
+              <a:schemeClr val="tx1"/>
+            </a:solidFill>
+            <a:ln w="57150">
+              <a:noFill/>
+              <a:prstDash val="solid"/>
+              <a:round/>
+              <a:headEnd/>
+              <a:tailEnd/>
+            </a:ln>
+          </p:spPr>
+          <p:txBody>
+            <a:bodyPr vert="horz" wrap="square" lIns="91440" tIns="45720" rIns="91440" bIns="45720" numCol="1" anchor="t" anchorCtr="0" compatLnSpc="1">
+              <a:prstTxWarp prst="textNoShape">
+                <a:avLst/>
+              </a:prstTxWarp>
+            </a:bodyPr>
+            <a:lstStyle/>
+            <a:p>
+              <a:endParaRPr lang="en-GB"/>
+            </a:p>
+          </p:txBody>
+        </p:sp>
+        <p:sp>
+          <p:nvSpPr>
+            <p:cNvPr id="10" name="Freeform 6"/>
+            <p:cNvSpPr>
+              <a:spLocks noEditPoints="1"/>
+            </p:cNvSpPr>
+            <p:nvPr/>
+          </p:nvSpPr>
+          <p:spPr bwMode="auto">
+            <a:xfrm>
+              <a:off x="5004048" y="1268760"/>
+              <a:ext cx="3133725" cy="3133725"/>
+            </a:xfrm>
+            <a:custGeom>
+              <a:avLst/>
+              <a:gdLst>
+                <a:gd name="T0" fmla="*/ 5814 w 11628"/>
+                <a:gd name="T1" fmla="*/ 0 h 11628"/>
+                <a:gd name="T2" fmla="*/ 0 w 11628"/>
+                <a:gd name="T3" fmla="*/ 5814 h 11628"/>
+                <a:gd name="T4" fmla="*/ 5814 w 11628"/>
+                <a:gd name="T5" fmla="*/ 11628 h 11628"/>
+                <a:gd name="T6" fmla="*/ 11628 w 11628"/>
+                <a:gd name="T7" fmla="*/ 5814 h 11628"/>
+                <a:gd name="T8" fmla="*/ 5814 w 11628"/>
+                <a:gd name="T9" fmla="*/ 0 h 11628"/>
+                <a:gd name="T10" fmla="*/ 5877 w 11628"/>
+                <a:gd name="T11" fmla="*/ 9678 h 11628"/>
+                <a:gd name="T12" fmla="*/ 5051 w 11628"/>
+                <a:gd name="T13" fmla="*/ 8852 h 11628"/>
+                <a:gd name="T14" fmla="*/ 5877 w 11628"/>
+                <a:gd name="T15" fmla="*/ 8026 h 11628"/>
+                <a:gd name="T16" fmla="*/ 6703 w 11628"/>
+                <a:gd name="T17" fmla="*/ 8852 h 11628"/>
+                <a:gd name="T18" fmla="*/ 5877 w 11628"/>
+                <a:gd name="T19" fmla="*/ 9678 h 11628"/>
+                <a:gd name="T20" fmla="*/ 6527 w 11628"/>
+                <a:gd name="T21" fmla="*/ 7236 h 11628"/>
+                <a:gd name="T22" fmla="*/ 6527 w 11628"/>
+                <a:gd name="T23" fmla="*/ 7385 h 11628"/>
+                <a:gd name="T24" fmla="*/ 5165 w 11628"/>
+                <a:gd name="T25" fmla="*/ 7385 h 11628"/>
+                <a:gd name="T26" fmla="*/ 5165 w 11628"/>
+                <a:gd name="T27" fmla="*/ 7236 h 11628"/>
+                <a:gd name="T28" fmla="*/ 5715 w 11628"/>
+                <a:gd name="T29" fmla="*/ 5807 h 11628"/>
+                <a:gd name="T30" fmla="*/ 6813 w 11628"/>
+                <a:gd name="T31" fmla="*/ 4365 h 11628"/>
+                <a:gd name="T32" fmla="*/ 5797 w 11628"/>
+                <a:gd name="T33" fmla="*/ 3375 h 11628"/>
+                <a:gd name="T34" fmla="*/ 4767 w 11628"/>
+                <a:gd name="T35" fmla="*/ 4570 h 11628"/>
+                <a:gd name="T36" fmla="*/ 3443 w 11628"/>
+                <a:gd name="T37" fmla="*/ 4570 h 11628"/>
+                <a:gd name="T38" fmla="*/ 5805 w 11628"/>
+                <a:gd name="T39" fmla="*/ 2120 h 11628"/>
+                <a:gd name="T40" fmla="*/ 8185 w 11628"/>
+                <a:gd name="T41" fmla="*/ 4251 h 11628"/>
+                <a:gd name="T42" fmla="*/ 6527 w 11628"/>
+                <a:gd name="T43" fmla="*/ 7236 h 11628"/>
+              </a:gdLst>
+              <a:ahLst/>
+              <a:cxnLst>
+                <a:cxn ang="0">
+                  <a:pos x="T0" y="T1"/>
+                </a:cxn>
+                <a:cxn ang="0">
+                  <a:pos x="T2" y="T3"/>
+                </a:cxn>
+                <a:cxn ang="0">
+                  <a:pos x="T4" y="T5"/>
+                </a:cxn>
+                <a:cxn ang="0">
+                  <a:pos x="T6" y="T7"/>
+                </a:cxn>
+                <a:cxn ang="0">
+                  <a:pos x="T8" y="T9"/>
+                </a:cxn>
+                <a:cxn ang="0">
+                  <a:pos x="T10" y="T11"/>
+                </a:cxn>
+                <a:cxn ang="0">
+                  <a:pos x="T12" y="T13"/>
+                </a:cxn>
+                <a:cxn ang="0">
+                  <a:pos x="T14" y="T15"/>
+                </a:cxn>
+                <a:cxn ang="0">
+                  <a:pos x="T16" y="T17"/>
+                </a:cxn>
+                <a:cxn ang="0">
+                  <a:pos x="T18" y="T19"/>
+                </a:cxn>
+                <a:cxn ang="0">
+                  <a:pos x="T20" y="T21"/>
+                </a:cxn>
+                <a:cxn ang="0">
+                  <a:pos x="T22" y="T23"/>
+                </a:cxn>
+                <a:cxn ang="0">
+                  <a:pos x="T24" y="T25"/>
+                </a:cxn>
+                <a:cxn ang="0">
+                  <a:pos x="T26" y="T27"/>
+                </a:cxn>
+                <a:cxn ang="0">
+                  <a:pos x="T28" y="T29"/>
+                </a:cxn>
+                <a:cxn ang="0">
+                  <a:pos x="T30" y="T31"/>
+                </a:cxn>
+                <a:cxn ang="0">
+                  <a:pos x="T32" y="T33"/>
+                </a:cxn>
+                <a:cxn ang="0">
+                  <a:pos x="T34" y="T35"/>
+                </a:cxn>
+                <a:cxn ang="0">
+                  <a:pos x="T36" y="T37"/>
+                </a:cxn>
+                <a:cxn ang="0">
+                  <a:pos x="T38" y="T39"/>
+                </a:cxn>
+                <a:cxn ang="0">
+                  <a:pos x="T40" y="T41"/>
+                </a:cxn>
+                <a:cxn ang="0">
+                  <a:pos x="T42" y="T43"/>
+                </a:cxn>
+              </a:cxnLst>
+              <a:rect l="0" t="0" r="r" b="b"/>
+              <a:pathLst>
+                <a:path w="11628" h="11628">
+                  <a:moveTo>
+                    <a:pt x="5814" y="0"/>
+                  </a:moveTo>
+                  <a:cubicBezTo>
+                    <a:pt x="2603" y="0"/>
+                    <a:pt x="0" y="2603"/>
+                    <a:pt x="0" y="5814"/>
+                  </a:cubicBezTo>
+                  <a:cubicBezTo>
+                    <a:pt x="0" y="9025"/>
+                    <a:pt x="2603" y="11628"/>
+                    <a:pt x="5814" y="11628"/>
+                  </a:cubicBezTo>
+                  <a:cubicBezTo>
+                    <a:pt x="9025" y="11628"/>
+                    <a:pt x="11628" y="9025"/>
+                    <a:pt x="11628" y="5814"/>
+                  </a:cubicBezTo>
+                  <a:cubicBezTo>
+                    <a:pt x="11628" y="2603"/>
+                    <a:pt x="9025" y="0"/>
+                    <a:pt x="5814" y="0"/>
+                  </a:cubicBezTo>
+                  <a:close/>
+                  <a:moveTo>
+                    <a:pt x="5877" y="9678"/>
+                  </a:moveTo>
+                  <a:cubicBezTo>
+                    <a:pt x="5421" y="9678"/>
+                    <a:pt x="5051" y="9308"/>
+                    <a:pt x="5051" y="8852"/>
+                  </a:cubicBezTo>
+                  <a:cubicBezTo>
+                    <a:pt x="5051" y="8395"/>
+                    <a:pt x="5421" y="8026"/>
+                    <a:pt x="5877" y="8026"/>
+                  </a:cubicBezTo>
+                  <a:cubicBezTo>
+                    <a:pt x="6334" y="8026"/>
+                    <a:pt x="6703" y="8395"/>
+                    <a:pt x="6703" y="8852"/>
+                  </a:cubicBezTo>
+                  <a:cubicBezTo>
+                    <a:pt x="6703" y="9308"/>
+                    <a:pt x="6334" y="9678"/>
+                    <a:pt x="5877" y="9678"/>
+                  </a:cubicBezTo>
+                  <a:close/>
+                  <a:moveTo>
+                    <a:pt x="6527" y="7236"/>
+                  </a:moveTo>
+                  <a:lnTo>
+                    <a:pt x="6527" y="7385"/>
+                  </a:lnTo>
+                  <a:lnTo>
+                    <a:pt x="5165" y="7385"/>
+                  </a:lnTo>
+                  <a:lnTo>
+                    <a:pt x="5165" y="7236"/>
+                  </a:lnTo>
+                  <a:cubicBezTo>
+                    <a:pt x="5165" y="6816"/>
+                    <a:pt x="5227" y="6276"/>
+                    <a:pt x="5715" y="5807"/>
+                  </a:cubicBezTo>
+                  <a:cubicBezTo>
+                    <a:pt x="6203" y="5338"/>
+                    <a:pt x="6813" y="4951"/>
+                    <a:pt x="6813" y="4365"/>
+                  </a:cubicBezTo>
+                  <a:cubicBezTo>
+                    <a:pt x="6813" y="3717"/>
+                    <a:pt x="6363" y="3375"/>
+                    <a:pt x="5797" y="3375"/>
+                  </a:cubicBezTo>
+                  <a:cubicBezTo>
+                    <a:pt x="4852" y="3375"/>
+                    <a:pt x="4791" y="4354"/>
+                    <a:pt x="4767" y="4570"/>
+                  </a:cubicBezTo>
+                  <a:lnTo>
+                    <a:pt x="3443" y="4570"/>
+                  </a:lnTo>
+                  <a:cubicBezTo>
+                    <a:pt x="3478" y="3548"/>
+                    <a:pt x="3910" y="2120"/>
+                    <a:pt x="5805" y="2120"/>
+                  </a:cubicBezTo>
+                  <a:cubicBezTo>
+                    <a:pt x="7447" y="2120"/>
+                    <a:pt x="8185" y="3220"/>
+                    <a:pt x="8185" y="4251"/>
+                  </a:cubicBezTo>
+                  <a:cubicBezTo>
+                    <a:pt x="8185" y="5892"/>
+                    <a:pt x="6527" y="6177"/>
+                    <a:pt x="6527" y="7236"/>
+                  </a:cubicBezTo>
+                  <a:close/>
+                </a:path>
+              </a:pathLst>
+            </a:custGeom>
+            <a:solidFill>
+              <a:srgbClr val="F58D01"/>
+            </a:solidFill>
+            <a:ln w="57150">
+              <a:noFill/>
+              <a:prstDash val="solid"/>
+              <a:round/>
+              <a:headEnd/>
+              <a:tailEnd/>
+            </a:ln>
+          </p:spPr>
+          <p:txBody>
+            <a:bodyPr vert="horz" wrap="square" lIns="91440" tIns="45720" rIns="91440" bIns="45720" numCol="1" anchor="t" anchorCtr="0" compatLnSpc="1">
+              <a:prstTxWarp prst="textNoShape">
+                <a:avLst/>
+              </a:prstTxWarp>
+            </a:bodyPr>
+            <a:lstStyle/>
+            <a:p>
+              <a:endParaRPr lang="en-GB"/>
+            </a:p>
+          </p:txBody>
+        </p:sp>
+        <p:sp>
+          <p:nvSpPr>
+            <p:cNvPr id="11" name="Freeform 6"/>
+            <p:cNvSpPr>
+              <a:spLocks noEditPoints="1"/>
+            </p:cNvSpPr>
+            <p:nvPr/>
+          </p:nvSpPr>
+          <p:spPr bwMode="auto">
+            <a:xfrm>
+              <a:off x="5004049" y="1268760"/>
+              <a:ext cx="864095" cy="3133725"/>
+            </a:xfrm>
+            <a:prstGeom prst="rect">
+              <a:avLst/>
+            </a:prstGeom>
+            <a:solidFill>
+              <a:srgbClr val="F58D01"/>
+            </a:solidFill>
+            <a:ln w="57150">
+              <a:noFill/>
+              <a:prstDash val="solid"/>
+              <a:round/>
+              <a:headEnd/>
+              <a:tailEnd/>
+            </a:ln>
+          </p:spPr>
+          <p:txBody>
+            <a:bodyPr vert="horz" wrap="square" lIns="91440" tIns="45720" rIns="91440" bIns="45720" numCol="1" anchor="t" anchorCtr="0" compatLnSpc="1">
+              <a:prstTxWarp prst="textNoShape">
+                <a:avLst/>
+              </a:prstTxWarp>
+            </a:bodyPr>
+            <a:lstStyle/>
+            <a:p>
+              <a:endParaRPr lang="en-GB"/>
+            </a:p>
+          </p:txBody>
+        </p:sp>
+        <p:sp>
+          <p:nvSpPr>
+            <p:cNvPr id="12" name="Freeform 6"/>
+            <p:cNvSpPr>
+              <a:spLocks noEditPoints="1"/>
+            </p:cNvSpPr>
+            <p:nvPr/>
+          </p:nvSpPr>
+          <p:spPr bwMode="auto">
+            <a:xfrm>
+              <a:off x="7273678" y="1268760"/>
+              <a:ext cx="864095" cy="3133725"/>
+            </a:xfrm>
+            <a:prstGeom prst="rect">
+              <a:avLst/>
+            </a:prstGeom>
+            <a:solidFill>
+              <a:srgbClr val="F58D01"/>
+            </a:solidFill>
+            <a:ln w="57150">
+              <a:noFill/>
+              <a:prstDash val="solid"/>
+              <a:round/>
+              <a:headEnd/>
+              <a:tailEnd/>
+            </a:ln>
+          </p:spPr>
+          <p:txBody>
+            <a:bodyPr vert="horz" wrap="square" lIns="91440" tIns="45720" rIns="91440" bIns="45720" numCol="1" anchor="t" anchorCtr="0" compatLnSpc="1">
+              <a:prstTxWarp prst="textNoShape">
+                <a:avLst/>
+              </a:prstTxWarp>
+            </a:bodyPr>
+            <a:lstStyle/>
+            <a:p>
+              <a:endParaRPr lang="en-GB"/>
+            </a:p>
+          </p:txBody>
+        </p:sp>
+        <p:sp>
+          <p:nvSpPr>
+            <p:cNvPr id="13" name="Freeform 6"/>
+            <p:cNvSpPr>
+              <a:spLocks noEditPoints="1"/>
+            </p:cNvSpPr>
+            <p:nvPr/>
+          </p:nvSpPr>
+          <p:spPr bwMode="auto">
+            <a:xfrm rot="16200000">
+              <a:off x="6354888" y="2619598"/>
+              <a:ext cx="432048" cy="3133725"/>
+            </a:xfrm>
+            <a:prstGeom prst="rect">
+              <a:avLst/>
+            </a:prstGeom>
+            <a:solidFill>
+              <a:srgbClr val="F58D01"/>
+            </a:solidFill>
+            <a:ln w="57150">
+              <a:noFill/>
+              <a:prstDash val="solid"/>
+              <a:round/>
+              <a:headEnd/>
+              <a:tailEnd/>
+            </a:ln>
+          </p:spPr>
+          <p:txBody>
+            <a:bodyPr vert="horz" wrap="square" lIns="91440" tIns="45720" rIns="91440" bIns="45720" numCol="1" anchor="t" anchorCtr="0" compatLnSpc="1">
+              <a:prstTxWarp prst="textNoShape">
+                <a:avLst/>
+              </a:prstTxWarp>
+            </a:bodyPr>
+            <a:lstStyle/>
+            <a:p>
+              <a:endParaRPr lang="en-GB"/>
+            </a:p>
+          </p:txBody>
+        </p:sp>
+        <p:sp>
+          <p:nvSpPr>
+            <p:cNvPr id="14" name="Freeform 6"/>
+            <p:cNvSpPr>
+              <a:spLocks noEditPoints="1"/>
+            </p:cNvSpPr>
+            <p:nvPr/>
+          </p:nvSpPr>
+          <p:spPr bwMode="auto">
+            <a:xfrm rot="16200000">
+              <a:off x="6354889" y="-82079"/>
+              <a:ext cx="432048" cy="3133725"/>
+            </a:xfrm>
+            <a:prstGeom prst="rect">
+              <a:avLst/>
+            </a:prstGeom>
+            <a:solidFill>
+              <a:srgbClr val="F58D01"/>
+            </a:solidFill>
+            <a:ln w="57150">
+              <a:noFill/>
+              <a:prstDash val="solid"/>
+              <a:round/>
+              <a:headEnd/>
+              <a:tailEnd/>
+            </a:ln>
+          </p:spPr>
+          <p:txBody>
+            <a:bodyPr vert="horz" wrap="square" lIns="91440" tIns="45720" rIns="91440" bIns="45720" numCol="1" anchor="t" anchorCtr="0" compatLnSpc="1">
+              <a:prstTxWarp prst="textNoShape">
+                <a:avLst/>
+              </a:prstTxWarp>
+            </a:bodyPr>
+            <a:lstStyle/>
+            <a:p>
+              <a:endParaRPr lang="en-GB"/>
+            </a:p>
+          </p:txBody>
+        </p:sp>
+      </p:grpSp>
+      <p:pic>
+        <p:nvPicPr>
+          <p:cNvPr id="5123" name="Picture 3" descr="C:\Documents and Settings\Feldy\My Documents\Downloads\windows8_icons\Emoticons\guestion\guestion-512.png"/>
+          <p:cNvPicPr>
+            <a:picLocks noChangeAspect="1" noChangeArrowheads="1"/>
+          </p:cNvPicPr>
+          <p:nvPr/>
+        </p:nvPicPr>
+        <p:blipFill>
+          <a:blip r:embed="rId2" cstate="print"/>
+          <a:srcRect/>
+          <a:stretch>
+            <a:fillRect/>
+          </a:stretch>
+        </p:blipFill>
+        <p:spPr bwMode="auto">
+          <a:xfrm>
+            <a:off x="1187624" y="3501008"/>
+            <a:ext cx="2304256" cy="2304256"/>
+          </a:xfrm>
+          <a:prstGeom prst="rect">
+            <a:avLst/>
+          </a:prstGeom>
+          <a:noFill/>
+        </p:spPr>
+      </p:pic>
+    </p:spTree>
+    <p:extLst>
+      <p:ext uri="{BB962C8B-B14F-4D97-AF65-F5344CB8AC3E}">
+        <p14:creationId xmlns:p14="http://schemas.microsoft.com/office/powerpoint/2010/main" xmlns="" val="2371329817"/>
+      </p:ext>
+    </p:extLst>
+  </p:cSld>
+  <p:clrMapOvr>
+    <a:masterClrMapping/>
+  </p:clrMapOvr>
+  <p:timing>
+    <p:tnLst>
+      <p:par>
+        <p:cTn id="1" dur="indefinite" restart="never" nodeType="tmRoot"/>
+      </p:par>
+    </p:tnLst>
+  </p:timing>
+</p:sld>
+</file>
+
+<file path=ppt/slides/slide37.xml><?xml version="1.0" encoding="utf-8"?>
+<p:sld xmlns:a="http://schemas.openxmlformats.org/drawingml/2006/main" xmlns:r="http://schemas.openxmlformats.org/officeDocument/2006/relationships" xmlns:p="http://schemas.openxmlformats.org/presentationml/2006/main">
+  <p:cSld>
+    <p:spTree>
+      <p:nvGrpSpPr>
+        <p:cNvPr id="1" name=""/>
+        <p:cNvGrpSpPr/>
+        <p:nvPr/>
+      </p:nvGrpSpPr>
+      <p:grpSpPr>
+        <a:xfrm>
+          <a:off x="0" y="0"/>
+          <a:ext cx="0" cy="0"/>
+          <a:chOff x="0" y="0"/>
+          <a:chExt cx="0" cy="0"/>
+        </a:xfrm>
+      </p:grpSpPr>
+      <p:sp>
+        <p:nvSpPr>
+          <p:cNvPr id="4" name="Rounded Rectangle 3"/>
+          <p:cNvSpPr/>
+          <p:nvPr/>
+        </p:nvSpPr>
+        <p:spPr>
+          <a:xfrm>
+            <a:off x="2051720" y="1628800"/>
+            <a:ext cx="5040560" cy="4399034"/>
+          </a:xfrm>
+          <a:prstGeom prst="roundRect">
+            <a:avLst>
+              <a:gd name="adj" fmla="val 6839"/>
+            </a:avLst>
+          </a:prstGeom>
+          <a:solidFill>
+            <a:schemeClr val="tx1"/>
+          </a:solidFill>
+          <a:ln>
+            <a:noFill/>
+          </a:ln>
+        </p:spPr>
+        <p:style>
+          <a:lnRef idx="2">
+            <a:schemeClr val="accent1">
+              <a:shade val="50000"/>
+            </a:schemeClr>
+          </a:lnRef>
+          <a:fillRef idx="1">
+            <a:schemeClr val="accent1"/>
+          </a:fillRef>
+          <a:effectRef idx="0">
+            <a:schemeClr val="accent1"/>
+          </a:effectRef>
+          <a:fontRef idx="minor">
+            <a:schemeClr val="lt1"/>
+          </a:fontRef>
+        </p:style>
+        <p:txBody>
+          <a:bodyPr rtlCol="0" anchor="ctr"/>
+          <a:lstStyle/>
+          <a:p>
+            <a:pPr algn="ctr"/>
+            <a:endParaRPr lang="en-US" dirty="0"/>
+          </a:p>
+        </p:txBody>
+      </p:sp>
+      <p:sp>
+        <p:nvSpPr>
+          <p:cNvPr id="2" name="Title 1"/>
+          <p:cNvSpPr>
+            <a:spLocks noGrp="1"/>
+          </p:cNvSpPr>
+          <p:nvPr>
+            <p:ph type="title"/>
+          </p:nvPr>
+        </p:nvSpPr>
+        <p:spPr/>
+        <p:txBody>
+          <a:bodyPr/>
+          <a:lstStyle/>
+          <a:p>
+            <a:r>
+              <a:rPr lang="id-ID" dirty="0" smtClean="0"/>
+              <a:t>Terima Kasih</a:t>
+            </a:r>
+            <a:endParaRPr lang="en-US" dirty="0"/>
+          </a:p>
+        </p:txBody>
+      </p:sp>
+      <p:pic>
+        <p:nvPicPr>
+          <p:cNvPr id="6146" name="Picture 2" descr="C:\Documents and Settings\Feldy\My Documents\Downloads\windows8_icons\Emoticons\kiss\kiss-512.png"/>
+          <p:cNvPicPr>
+            <a:picLocks noChangeAspect="1" noChangeArrowheads="1"/>
+          </p:cNvPicPr>
+          <p:nvPr/>
+        </p:nvPicPr>
+        <p:blipFill>
+          <a:blip r:embed="rId2" cstate="print"/>
+          <a:srcRect/>
+          <a:stretch>
+            <a:fillRect/>
+          </a:stretch>
+        </p:blipFill>
+        <p:spPr bwMode="auto">
+          <a:xfrm>
+            <a:off x="2771800" y="2132856"/>
+            <a:ext cx="3516907" cy="3516907"/>
+          </a:xfrm>
+          <a:prstGeom prst="rect">
+            <a:avLst/>
+          </a:prstGeom>
+          <a:noFill/>
+        </p:spPr>
+      </p:pic>
+    </p:spTree>
   </p:cSld>
   <p:clrMapOvr>
     <a:masterClrMapping/>
@@ -36762,11 +41498,7 @@
           <a:p>
             <a:r>
               <a:rPr lang="id-ID" sz="2400" dirty="0" smtClean="0"/>
-              <a:t>Sekembalinya </a:t>
-            </a:r>
-            <a:r>
-              <a:rPr lang="id-ID" sz="2400" dirty="0" smtClean="0"/>
-              <a:t>dari lapangan teknisi mendokumentasikan dokumen yang dianggap arsip wilayah &amp; dokumen penagihan untuk selanjutnya dokumen penagihan tersebut diserahkan kepada dokumen control.</a:t>
+              <a:t>Sekembalinya dari lapangan teknisi mendokumentasikan dokumen yang dianggap arsip wilayah &amp; dokumen penagihan untuk selanjutnya dokumen penagihan tersebut diserahkan kepada dokumen control.</a:t>
             </a:r>
             <a:endParaRPr lang="en-US" sz="3200" dirty="0"/>
           </a:p>
@@ -37893,15 +42625,7 @@
                   <a:srgbClr val="464543"/>
                 </a:solidFill>
               </a:rPr>
-              <a:t>Dokumen </a:t>
-            </a:r>
-            <a:r>
-              <a:rPr lang="id-ID" sz="2400" dirty="0" smtClean="0">
-                <a:solidFill>
-                  <a:srgbClr val="464543"/>
-                </a:solidFill>
-              </a:rPr>
-              <a:t>control menerima laporan pemakaian gas pelanggan secara berkala (1 bulan) dari teknisi lapangan untuk selanjutnya melakukan input data ke dalam sistem Penyediaan Data Terintegrasi Pemakaian Gas Pelanggan berbasis web (</a:t>
+              <a:t>Dokumen control menerima laporan pemakaian gas pelanggan secara berkala (1 bulan) dari teknisi lapangan untuk selanjutnya melakukan input data ke dalam sistem Penyediaan Data Terintegrasi Pemakaian Gas Pelanggan berbasis web (</a:t>
             </a:r>
             <a:r>
               <a:rPr lang="id-ID" sz="2400" i="1" dirty="0" smtClean="0">
@@ -40534,7 +45258,42 @@
       </a:bgFillStyleLst>
     </a:fmtScheme>
   </a:themeElements>
-  <a:objectDefaults/>
+  <a:objectDefaults>
+    <a:spDef>
+      <a:spPr>
+        <a:solidFill>
+          <a:schemeClr val="bg1">
+            <a:lumMod val="75000"/>
+          </a:schemeClr>
+        </a:solidFill>
+        <a:ln>
+          <a:noFill/>
+        </a:ln>
+      </a:spPr>
+      <a:bodyPr rtlCol="0" anchor="ctr"/>
+      <a:lstStyle>
+        <a:defPPr algn="ctr">
+          <a:defRPr dirty="0"/>
+        </a:defPPr>
+      </a:lstStyle>
+      <a:style>
+        <a:lnRef idx="2">
+          <a:schemeClr val="accent1">
+            <a:shade val="50000"/>
+          </a:schemeClr>
+        </a:lnRef>
+        <a:fillRef idx="1">
+          <a:schemeClr val="accent1"/>
+        </a:fillRef>
+        <a:effectRef idx="0">
+          <a:schemeClr val="accent1"/>
+        </a:effectRef>
+        <a:fontRef idx="minor">
+          <a:schemeClr val="lt1"/>
+        </a:fontRef>
+      </a:style>
+    </a:spDef>
+  </a:objectDefaults>
   <a:extraClrSchemeLst/>
 </a:theme>
 </file>
